--- a/Image/fsm.pptx
+++ b/Image/fsm.pptx
@@ -200,7 +200,7 @@
           <a:p>
             <a:fld id="{232DE0AA-8B79-403A-A8D0-B288100B612D}" type="datetimeFigureOut">
               <a:rPr lang="fr-FR" smtClean="0"/>
-              <a:t>11/08/2020</a:t>
+              <a:t>16/08/2020</a:t>
             </a:fld>
             <a:endParaRPr lang="fr-FR"/>
           </a:p>
@@ -687,7 +687,7 @@
           <a:p>
             <a:fld id="{B8EFAC85-67D8-4EBB-8C04-18444C56E424}" type="datetimeFigureOut">
               <a:rPr lang="fr-BE" smtClean="0"/>
-              <a:t>11-08-20</a:t>
+              <a:t>16-08-20</a:t>
             </a:fld>
             <a:endParaRPr lang="fr-BE"/>
           </a:p>
@@ -857,7 +857,7 @@
           <a:p>
             <a:fld id="{B8EFAC85-67D8-4EBB-8C04-18444C56E424}" type="datetimeFigureOut">
               <a:rPr lang="fr-BE" smtClean="0"/>
-              <a:t>11-08-20</a:t>
+              <a:t>16-08-20</a:t>
             </a:fld>
             <a:endParaRPr lang="fr-BE"/>
           </a:p>
@@ -1037,7 +1037,7 @@
           <a:p>
             <a:fld id="{B8EFAC85-67D8-4EBB-8C04-18444C56E424}" type="datetimeFigureOut">
               <a:rPr lang="fr-BE" smtClean="0"/>
-              <a:t>11-08-20</a:t>
+              <a:t>16-08-20</a:t>
             </a:fld>
             <a:endParaRPr lang="fr-BE"/>
           </a:p>
@@ -1207,7 +1207,7 @@
           <a:p>
             <a:fld id="{B8EFAC85-67D8-4EBB-8C04-18444C56E424}" type="datetimeFigureOut">
               <a:rPr lang="fr-BE" smtClean="0"/>
-              <a:t>11-08-20</a:t>
+              <a:t>16-08-20</a:t>
             </a:fld>
             <a:endParaRPr lang="fr-BE"/>
           </a:p>
@@ -1451,7 +1451,7 @@
           <a:p>
             <a:fld id="{B8EFAC85-67D8-4EBB-8C04-18444C56E424}" type="datetimeFigureOut">
               <a:rPr lang="fr-BE" smtClean="0"/>
-              <a:t>11-08-20</a:t>
+              <a:t>16-08-20</a:t>
             </a:fld>
             <a:endParaRPr lang="fr-BE"/>
           </a:p>
@@ -1683,7 +1683,7 @@
           <a:p>
             <a:fld id="{B8EFAC85-67D8-4EBB-8C04-18444C56E424}" type="datetimeFigureOut">
               <a:rPr lang="fr-BE" smtClean="0"/>
-              <a:t>11-08-20</a:t>
+              <a:t>16-08-20</a:t>
             </a:fld>
             <a:endParaRPr lang="fr-BE"/>
           </a:p>
@@ -2050,7 +2050,7 @@
           <a:p>
             <a:fld id="{B8EFAC85-67D8-4EBB-8C04-18444C56E424}" type="datetimeFigureOut">
               <a:rPr lang="fr-BE" smtClean="0"/>
-              <a:t>11-08-20</a:t>
+              <a:t>16-08-20</a:t>
             </a:fld>
             <a:endParaRPr lang="fr-BE"/>
           </a:p>
@@ -2168,7 +2168,7 @@
           <a:p>
             <a:fld id="{B8EFAC85-67D8-4EBB-8C04-18444C56E424}" type="datetimeFigureOut">
               <a:rPr lang="fr-BE" smtClean="0"/>
-              <a:t>11-08-20</a:t>
+              <a:t>16-08-20</a:t>
             </a:fld>
             <a:endParaRPr lang="fr-BE"/>
           </a:p>
@@ -2263,7 +2263,7 @@
           <a:p>
             <a:fld id="{B8EFAC85-67D8-4EBB-8C04-18444C56E424}" type="datetimeFigureOut">
               <a:rPr lang="fr-BE" smtClean="0"/>
-              <a:t>11-08-20</a:t>
+              <a:t>16-08-20</a:t>
             </a:fld>
             <a:endParaRPr lang="fr-BE"/>
           </a:p>
@@ -2540,7 +2540,7 @@
           <a:p>
             <a:fld id="{B8EFAC85-67D8-4EBB-8C04-18444C56E424}" type="datetimeFigureOut">
               <a:rPr lang="fr-BE" smtClean="0"/>
-              <a:t>11-08-20</a:t>
+              <a:t>16-08-20</a:t>
             </a:fld>
             <a:endParaRPr lang="fr-BE"/>
           </a:p>
@@ -2797,7 +2797,7 @@
           <a:p>
             <a:fld id="{B8EFAC85-67D8-4EBB-8C04-18444C56E424}" type="datetimeFigureOut">
               <a:rPr lang="fr-BE" smtClean="0"/>
-              <a:t>11-08-20</a:t>
+              <a:t>16-08-20</a:t>
             </a:fld>
             <a:endParaRPr lang="fr-BE"/>
           </a:p>
@@ -3010,7 +3010,7 @@
           <a:p>
             <a:fld id="{B8EFAC85-67D8-4EBB-8C04-18444C56E424}" type="datetimeFigureOut">
               <a:rPr lang="fr-BE" smtClean="0"/>
-              <a:t>11-08-20</a:t>
+              <a:t>16-08-20</a:t>
             </a:fld>
             <a:endParaRPr lang="fr-BE"/>
           </a:p>
@@ -3517,8 +3517,8 @@
           </a:fontRef>
         </p:style>
       </p:cxnSp>
-      <mc:AlternateContent xmlns:mc="http://schemas.openxmlformats.org/markup-compatibility/2006">
-        <mc:Choice xmlns:a14="http://schemas.microsoft.com/office/drawing/2010/main" Requires="a14">
+      <mc:AlternateContent xmlns:mc="http://schemas.openxmlformats.org/markup-compatibility/2006" xmlns:a14="http://schemas.microsoft.com/office/drawing/2010/main">
+        <mc:Choice Requires="a14">
           <p:sp>
             <p:nvSpPr>
               <p:cNvPr id="11" name="Ellipse 10">
@@ -3697,7 +3697,7 @@
             </p:txBody>
           </p:sp>
         </mc:Choice>
-        <mc:Fallback>
+        <mc:Fallback xmlns="">
           <p:sp>
             <p:nvSpPr>
               <p:cNvPr id="11" name="Ellipse 10">
@@ -3751,8 +3751,8 @@
           </p:sp>
         </mc:Fallback>
       </mc:AlternateContent>
-      <mc:AlternateContent xmlns:mc="http://schemas.openxmlformats.org/markup-compatibility/2006">
-        <mc:Choice xmlns:a14="http://schemas.microsoft.com/office/drawing/2010/main" Requires="a14">
+      <mc:AlternateContent xmlns:mc="http://schemas.openxmlformats.org/markup-compatibility/2006" xmlns:a14="http://schemas.microsoft.com/office/drawing/2010/main">
+        <mc:Choice Requires="a14">
           <p:sp>
             <p:nvSpPr>
               <p:cNvPr id="13" name="Ellipse 12">
@@ -3931,7 +3931,7 @@
             </p:txBody>
           </p:sp>
         </mc:Choice>
-        <mc:Fallback>
+        <mc:Fallback xmlns="">
           <p:sp>
             <p:nvSpPr>
               <p:cNvPr id="13" name="Ellipse 12">
@@ -3985,8 +3985,8 @@
           </p:sp>
         </mc:Fallback>
       </mc:AlternateContent>
-      <mc:AlternateContent xmlns:mc="http://schemas.openxmlformats.org/markup-compatibility/2006">
-        <mc:Choice xmlns:a14="http://schemas.microsoft.com/office/drawing/2010/main" Requires="a14">
+      <mc:AlternateContent xmlns:mc="http://schemas.openxmlformats.org/markup-compatibility/2006" xmlns:a14="http://schemas.microsoft.com/office/drawing/2010/main">
+        <mc:Choice Requires="a14">
           <p:sp>
             <p:nvSpPr>
               <p:cNvPr id="15" name="Ellipse 14">
@@ -4159,7 +4159,7 @@
             </p:txBody>
           </p:sp>
         </mc:Choice>
-        <mc:Fallback>
+        <mc:Fallback xmlns="">
           <p:sp>
             <p:nvSpPr>
               <p:cNvPr id="15" name="Ellipse 14">
@@ -4213,8 +4213,8 @@
           </p:sp>
         </mc:Fallback>
       </mc:AlternateContent>
-      <mc:AlternateContent xmlns:mc="http://schemas.openxmlformats.org/markup-compatibility/2006">
-        <mc:Choice xmlns:a14="http://schemas.microsoft.com/office/drawing/2010/main" Requires="a14">
+      <mc:AlternateContent xmlns:mc="http://schemas.openxmlformats.org/markup-compatibility/2006" xmlns:a14="http://schemas.microsoft.com/office/drawing/2010/main">
+        <mc:Choice Requires="a14">
           <p:sp>
             <p:nvSpPr>
               <p:cNvPr id="17" name="Ellipse 16">
@@ -4393,7 +4393,7 @@
             </p:txBody>
           </p:sp>
         </mc:Choice>
-        <mc:Fallback>
+        <mc:Fallback xmlns="">
           <p:sp>
             <p:nvSpPr>
               <p:cNvPr id="17" name="Ellipse 16">
@@ -4447,8 +4447,8 @@
           </p:sp>
         </mc:Fallback>
       </mc:AlternateContent>
-      <mc:AlternateContent xmlns:mc="http://schemas.openxmlformats.org/markup-compatibility/2006">
-        <mc:Choice xmlns:a14="http://schemas.microsoft.com/office/drawing/2010/main" Requires="a14">
+      <mc:AlternateContent xmlns:mc="http://schemas.openxmlformats.org/markup-compatibility/2006" xmlns:a14="http://schemas.microsoft.com/office/drawing/2010/main">
+        <mc:Choice Requires="a14">
           <p:sp>
             <p:nvSpPr>
               <p:cNvPr id="19" name="Ellipse 18">
@@ -4572,7 +4572,7 @@
             </p:txBody>
           </p:sp>
         </mc:Choice>
-        <mc:Fallback>
+        <mc:Fallback xmlns="">
           <p:sp>
             <p:nvSpPr>
               <p:cNvPr id="19" name="Ellipse 18">
@@ -4626,8 +4626,8 @@
           </p:sp>
         </mc:Fallback>
       </mc:AlternateContent>
-      <mc:AlternateContent xmlns:mc="http://schemas.openxmlformats.org/markup-compatibility/2006">
-        <mc:Choice xmlns:a14="http://schemas.microsoft.com/office/drawing/2010/main" Requires="a14">
+      <mc:AlternateContent xmlns:mc="http://schemas.openxmlformats.org/markup-compatibility/2006" xmlns:a14="http://schemas.microsoft.com/office/drawing/2010/main">
+        <mc:Choice Requires="a14">
           <p:sp>
             <p:nvSpPr>
               <p:cNvPr id="21" name="Ellipse 20">
@@ -4806,7 +4806,7 @@
             </p:txBody>
           </p:sp>
         </mc:Choice>
-        <mc:Fallback>
+        <mc:Fallback xmlns="">
           <p:sp>
             <p:nvSpPr>
               <p:cNvPr id="21" name="Ellipse 20">
@@ -4860,8 +4860,8 @@
           </p:sp>
         </mc:Fallback>
       </mc:AlternateContent>
-      <mc:AlternateContent xmlns:mc="http://schemas.openxmlformats.org/markup-compatibility/2006">
-        <mc:Choice xmlns:a14="http://schemas.microsoft.com/office/drawing/2010/main" Requires="a14">
+      <mc:AlternateContent xmlns:mc="http://schemas.openxmlformats.org/markup-compatibility/2006" xmlns:a14="http://schemas.microsoft.com/office/drawing/2010/main">
+        <mc:Choice Requires="a14">
           <p:sp>
             <p:nvSpPr>
               <p:cNvPr id="23" name="Ellipse 22">
@@ -4947,7 +4947,7 @@
             </p:txBody>
           </p:sp>
         </mc:Choice>
-        <mc:Fallback>
+        <mc:Fallback xmlns="">
           <p:sp>
             <p:nvSpPr>
               <p:cNvPr id="23" name="Ellipse 22">
@@ -5001,8 +5001,8 @@
           </p:sp>
         </mc:Fallback>
       </mc:AlternateContent>
-      <mc:AlternateContent xmlns:mc="http://schemas.openxmlformats.org/markup-compatibility/2006">
-        <mc:Choice xmlns:a14="http://schemas.microsoft.com/office/drawing/2010/main" Requires="a14">
+      <mc:AlternateContent xmlns:mc="http://schemas.openxmlformats.org/markup-compatibility/2006" xmlns:a14="http://schemas.microsoft.com/office/drawing/2010/main">
+        <mc:Choice Requires="a14">
           <p:sp>
             <p:nvSpPr>
               <p:cNvPr id="26" name="ZoneTexte 25">
@@ -5054,7 +5054,7 @@
             </p:txBody>
           </p:sp>
         </mc:Choice>
-        <mc:Fallback>
+        <mc:Fallback xmlns="">
           <p:sp>
             <p:nvSpPr>
               <p:cNvPr id="26" name="ZoneTexte 25">
@@ -5099,8 +5099,8 @@
           </p:sp>
         </mc:Fallback>
       </mc:AlternateContent>
-      <mc:AlternateContent xmlns:mc="http://schemas.openxmlformats.org/markup-compatibility/2006">
-        <mc:Choice xmlns:a14="http://schemas.microsoft.com/office/drawing/2010/main" Requires="a14">
+      <mc:AlternateContent xmlns:mc="http://schemas.openxmlformats.org/markup-compatibility/2006" xmlns:a14="http://schemas.microsoft.com/office/drawing/2010/main">
+        <mc:Choice Requires="a14">
           <p:sp>
             <p:nvSpPr>
               <p:cNvPr id="28" name="Ellipse 27">
@@ -5279,7 +5279,7 @@
             </p:txBody>
           </p:sp>
         </mc:Choice>
-        <mc:Fallback>
+        <mc:Fallback xmlns="">
           <p:sp>
             <p:nvSpPr>
               <p:cNvPr id="28" name="Ellipse 27">
@@ -5333,8 +5333,8 @@
           </p:sp>
         </mc:Fallback>
       </mc:AlternateContent>
-      <mc:AlternateContent xmlns:mc="http://schemas.openxmlformats.org/markup-compatibility/2006">
-        <mc:Choice xmlns:a14="http://schemas.microsoft.com/office/drawing/2010/main" Requires="a14">
+      <mc:AlternateContent xmlns:mc="http://schemas.openxmlformats.org/markup-compatibility/2006" xmlns:a14="http://schemas.microsoft.com/office/drawing/2010/main">
+        <mc:Choice Requires="a14">
           <p:sp>
             <p:nvSpPr>
               <p:cNvPr id="30" name="Ellipse 29">
@@ -5513,7 +5513,7 @@
             </p:txBody>
           </p:sp>
         </mc:Choice>
-        <mc:Fallback>
+        <mc:Fallback xmlns="">
           <p:sp>
             <p:nvSpPr>
               <p:cNvPr id="30" name="Ellipse 29">
@@ -5933,7 +5933,7 @@
           <a:prstGeom prst="straightConnector1">
             <a:avLst/>
           </a:prstGeom>
-          <a:ln w="38100">
+          <a:ln w="57150">
             <a:solidFill>
               <a:srgbClr val="FF0000"/>
             </a:solidFill>
@@ -6043,8 +6043,8 @@
           </a:fontRef>
         </p:style>
       </p:cxnSp>
-      <mc:AlternateContent xmlns:mc="http://schemas.openxmlformats.org/markup-compatibility/2006">
-        <mc:Choice xmlns:a14="http://schemas.microsoft.com/office/drawing/2010/main" Requires="a14">
+      <mc:AlternateContent xmlns:mc="http://schemas.openxmlformats.org/markup-compatibility/2006" xmlns:a14="http://schemas.microsoft.com/office/drawing/2010/main">
+        <mc:Choice Requires="a14">
           <p:sp>
             <p:nvSpPr>
               <p:cNvPr id="84" name="ZoneTexte 83">
@@ -6108,7 +6108,7 @@
             </p:txBody>
           </p:sp>
         </mc:Choice>
-        <mc:Fallback>
+        <mc:Fallback xmlns="">
           <p:sp>
             <p:nvSpPr>
               <p:cNvPr id="84" name="ZoneTexte 83">
@@ -6153,8 +6153,8 @@
           </p:sp>
         </mc:Fallback>
       </mc:AlternateContent>
-      <mc:AlternateContent xmlns:mc="http://schemas.openxmlformats.org/markup-compatibility/2006">
-        <mc:Choice xmlns:a14="http://schemas.microsoft.com/office/drawing/2010/main" Requires="a14">
+      <mc:AlternateContent xmlns:mc="http://schemas.openxmlformats.org/markup-compatibility/2006" xmlns:a14="http://schemas.microsoft.com/office/drawing/2010/main">
+        <mc:Choice Requires="a14">
           <p:sp>
             <p:nvSpPr>
               <p:cNvPr id="86" name="ZoneTexte 85">
@@ -6206,7 +6206,7 @@
             </p:txBody>
           </p:sp>
         </mc:Choice>
-        <mc:Fallback>
+        <mc:Fallback xmlns="">
           <p:sp>
             <p:nvSpPr>
               <p:cNvPr id="86" name="ZoneTexte 85">
@@ -6296,8 +6296,8 @@
           </a:fontRef>
         </p:style>
       </p:cxnSp>
-      <mc:AlternateContent xmlns:mc="http://schemas.openxmlformats.org/markup-compatibility/2006">
-        <mc:Choice xmlns:a14="http://schemas.microsoft.com/office/drawing/2010/main" Requires="a14">
+      <mc:AlternateContent xmlns:mc="http://schemas.openxmlformats.org/markup-compatibility/2006" xmlns:a14="http://schemas.microsoft.com/office/drawing/2010/main">
+        <mc:Choice Requires="a14">
           <p:sp>
             <p:nvSpPr>
               <p:cNvPr id="90" name="ZoneTexte 89">
@@ -6380,7 +6380,7 @@
             </p:txBody>
           </p:sp>
         </mc:Choice>
-        <mc:Fallback>
+        <mc:Fallback xmlns="">
           <p:sp>
             <p:nvSpPr>
               <p:cNvPr id="90" name="ZoneTexte 89">
@@ -6470,8 +6470,8 @@
           </a:fontRef>
         </p:style>
       </p:cxnSp>
-      <mc:AlternateContent xmlns:mc="http://schemas.openxmlformats.org/markup-compatibility/2006">
-        <mc:Choice xmlns:a14="http://schemas.microsoft.com/office/drawing/2010/main" Requires="a14">
+      <mc:AlternateContent xmlns:mc="http://schemas.openxmlformats.org/markup-compatibility/2006" xmlns:a14="http://schemas.microsoft.com/office/drawing/2010/main">
+        <mc:Choice Requires="a14">
           <p:sp>
             <p:nvSpPr>
               <p:cNvPr id="92" name="ZoneTexte 91">
@@ -6554,7 +6554,7 @@
             </p:txBody>
           </p:sp>
         </mc:Choice>
-        <mc:Fallback>
+        <mc:Fallback xmlns="">
           <p:sp>
             <p:nvSpPr>
               <p:cNvPr id="92" name="ZoneTexte 91">
@@ -6644,8 +6644,8 @@
           </a:fontRef>
         </p:style>
       </p:cxnSp>
-      <mc:AlternateContent xmlns:mc="http://schemas.openxmlformats.org/markup-compatibility/2006">
-        <mc:Choice xmlns:a14="http://schemas.microsoft.com/office/drawing/2010/main" Requires="a14">
+      <mc:AlternateContent xmlns:mc="http://schemas.openxmlformats.org/markup-compatibility/2006" xmlns:a14="http://schemas.microsoft.com/office/drawing/2010/main">
+        <mc:Choice Requires="a14">
           <p:sp>
             <p:nvSpPr>
               <p:cNvPr id="96" name="ZoneTexte 95">
@@ -6728,7 +6728,7 @@
             </p:txBody>
           </p:sp>
         </mc:Choice>
-        <mc:Fallback>
+        <mc:Fallback xmlns="">
           <p:sp>
             <p:nvSpPr>
               <p:cNvPr id="96" name="ZoneTexte 95">
@@ -6773,8 +6773,8 @@
           </p:sp>
         </mc:Fallback>
       </mc:AlternateContent>
-      <mc:AlternateContent xmlns:mc="http://schemas.openxmlformats.org/markup-compatibility/2006">
-        <mc:Choice xmlns:a14="http://schemas.microsoft.com/office/drawing/2010/main" Requires="a14">
+      <mc:AlternateContent xmlns:mc="http://schemas.openxmlformats.org/markup-compatibility/2006" xmlns:a14="http://schemas.microsoft.com/office/drawing/2010/main">
+        <mc:Choice Requires="a14">
           <p:sp>
             <p:nvSpPr>
               <p:cNvPr id="100" name="ZoneTexte 99">
@@ -6843,7 +6843,7 @@
             </p:txBody>
           </p:sp>
         </mc:Choice>
-        <mc:Fallback>
+        <mc:Fallback xmlns="">
           <p:sp>
             <p:nvSpPr>
               <p:cNvPr id="100" name="ZoneTexte 99">
@@ -6888,8 +6888,8 @@
           </p:sp>
         </mc:Fallback>
       </mc:AlternateContent>
-      <mc:AlternateContent xmlns:mc="http://schemas.openxmlformats.org/markup-compatibility/2006">
-        <mc:Choice xmlns:a14="http://schemas.microsoft.com/office/drawing/2010/main" Requires="a14">
+      <mc:AlternateContent xmlns:mc="http://schemas.openxmlformats.org/markup-compatibility/2006" xmlns:a14="http://schemas.microsoft.com/office/drawing/2010/main">
+        <mc:Choice Requires="a14">
           <p:sp>
             <p:nvSpPr>
               <p:cNvPr id="102" name="ZoneTexte 101">
@@ -6958,7 +6958,7 @@
             </p:txBody>
           </p:sp>
         </mc:Choice>
-        <mc:Fallback>
+        <mc:Fallback xmlns="">
           <p:sp>
             <p:nvSpPr>
               <p:cNvPr id="102" name="ZoneTexte 101">
@@ -7003,8 +7003,8 @@
           </p:sp>
         </mc:Fallback>
       </mc:AlternateContent>
-      <mc:AlternateContent xmlns:mc="http://schemas.openxmlformats.org/markup-compatibility/2006">
-        <mc:Choice xmlns:a14="http://schemas.microsoft.com/office/drawing/2010/main" Requires="a14">
+      <mc:AlternateContent xmlns:mc="http://schemas.openxmlformats.org/markup-compatibility/2006" xmlns:a14="http://schemas.microsoft.com/office/drawing/2010/main">
+        <mc:Choice Requires="a14">
           <p:sp>
             <p:nvSpPr>
               <p:cNvPr id="104" name="ZoneTexte 103">
@@ -7073,7 +7073,7 @@
             </p:txBody>
           </p:sp>
         </mc:Choice>
-        <mc:Fallback>
+        <mc:Fallback xmlns="">
           <p:sp>
             <p:nvSpPr>
               <p:cNvPr id="104" name="ZoneTexte 103">
@@ -7163,8 +7163,8 @@
           </a:fontRef>
         </p:style>
       </p:cxnSp>
-      <mc:AlternateContent xmlns:mc="http://schemas.openxmlformats.org/markup-compatibility/2006">
-        <mc:Choice xmlns:a14="http://schemas.microsoft.com/office/drawing/2010/main" Requires="a14">
+      <mc:AlternateContent xmlns:mc="http://schemas.openxmlformats.org/markup-compatibility/2006" xmlns:a14="http://schemas.microsoft.com/office/drawing/2010/main">
+        <mc:Choice Requires="a14">
           <p:sp>
             <p:nvSpPr>
               <p:cNvPr id="106" name="ZoneTexte 105">
@@ -7247,7 +7247,7 @@
             </p:txBody>
           </p:sp>
         </mc:Choice>
-        <mc:Fallback>
+        <mc:Fallback xmlns="">
           <p:sp>
             <p:nvSpPr>
               <p:cNvPr id="106" name="ZoneTexte 105">
@@ -7339,8 +7339,8 @@
           </a:fontRef>
         </p:style>
       </p:cxnSp>
-      <mc:AlternateContent xmlns:mc="http://schemas.openxmlformats.org/markup-compatibility/2006">
-        <mc:Choice xmlns:a14="http://schemas.microsoft.com/office/drawing/2010/main" Requires="a14">
+      <mc:AlternateContent xmlns:mc="http://schemas.openxmlformats.org/markup-compatibility/2006" xmlns:a14="http://schemas.microsoft.com/office/drawing/2010/main">
+        <mc:Choice Requires="a14">
           <p:sp>
             <p:nvSpPr>
               <p:cNvPr id="116" name="ZoneTexte 115">
@@ -7423,7 +7423,7 @@
             </p:txBody>
           </p:sp>
         </mc:Choice>
-        <mc:Fallback>
+        <mc:Fallback xmlns="">
           <p:sp>
             <p:nvSpPr>
               <p:cNvPr id="116" name="ZoneTexte 115">
@@ -7513,8 +7513,8 @@
           </a:fontRef>
         </p:style>
       </p:cxnSp>
-      <mc:AlternateContent xmlns:mc="http://schemas.openxmlformats.org/markup-compatibility/2006">
-        <mc:Choice xmlns:a14="http://schemas.microsoft.com/office/drawing/2010/main" Requires="a14">
+      <mc:AlternateContent xmlns:mc="http://schemas.openxmlformats.org/markup-compatibility/2006" xmlns:a14="http://schemas.microsoft.com/office/drawing/2010/main">
+        <mc:Choice Requires="a14">
           <p:sp>
             <p:nvSpPr>
               <p:cNvPr id="120" name="ZoneTexte 119">
@@ -7597,7 +7597,7 @@
             </p:txBody>
           </p:sp>
         </mc:Choice>
-        <mc:Fallback>
+        <mc:Fallback xmlns="">
           <p:sp>
             <p:nvSpPr>
               <p:cNvPr id="120" name="ZoneTexte 119">
@@ -7687,8 +7687,8 @@
           </a:fontRef>
         </p:style>
       </p:cxnSp>
-      <mc:AlternateContent xmlns:mc="http://schemas.openxmlformats.org/markup-compatibility/2006">
-        <mc:Choice xmlns:a14="http://schemas.microsoft.com/office/drawing/2010/main" Requires="a14">
+      <mc:AlternateContent xmlns:mc="http://schemas.openxmlformats.org/markup-compatibility/2006" xmlns:a14="http://schemas.microsoft.com/office/drawing/2010/main">
+        <mc:Choice Requires="a14">
           <p:sp>
             <p:nvSpPr>
               <p:cNvPr id="122" name="ZoneTexte 121">
@@ -7757,13 +7757,7 @@
                                 <a:rPr lang="fr-FR" sz="2210" i="1">
                                   <a:latin typeface="Cambria Math" panose="02040503050406030204" pitchFamily="18" charset="0"/>
                                 </a:rPr>
-                                <m:t>𝑑</m:t>
-                              </m:r>
-                              <m:r>
-                                <a:rPr lang="fr-FR" sz="2210" i="1">
-                                  <a:latin typeface="Cambria Math" panose="02040503050406030204" pitchFamily="18" charset="0"/>
-                                </a:rPr>
-                                <m:t>𝑠𝑐</m:t>
+                                <m:t>𝑑𝑠𝑐</m:t>
                               </m:r>
                             </m:sub>
                           </m:sSub>
@@ -7777,7 +7771,7 @@
             </p:txBody>
           </p:sp>
         </mc:Choice>
-        <mc:Fallback>
+        <mc:Fallback xmlns="">
           <p:sp>
             <p:nvSpPr>
               <p:cNvPr id="122" name="ZoneTexte 121">
@@ -7822,8 +7816,8 @@
           </p:sp>
         </mc:Fallback>
       </mc:AlternateContent>
-      <mc:AlternateContent xmlns:mc="http://schemas.openxmlformats.org/markup-compatibility/2006">
-        <mc:Choice xmlns:a14="http://schemas.microsoft.com/office/drawing/2010/main" Requires="a14">
+      <mc:AlternateContent xmlns:mc="http://schemas.openxmlformats.org/markup-compatibility/2006" xmlns:a14="http://schemas.microsoft.com/office/drawing/2010/main">
+        <mc:Choice Requires="a14">
           <p:sp>
             <p:nvSpPr>
               <p:cNvPr id="129" name="ZoneTexte 128">
@@ -7894,7 +7888,7 @@
             </p:txBody>
           </p:sp>
         </mc:Choice>
-        <mc:Fallback>
+        <mc:Fallback xmlns="">
           <p:sp>
             <p:nvSpPr>
               <p:cNvPr id="129" name="ZoneTexte 128">
@@ -7939,8 +7933,8 @@
           </p:sp>
         </mc:Fallback>
       </mc:AlternateContent>
-      <mc:AlternateContent xmlns:mc="http://schemas.openxmlformats.org/markup-compatibility/2006">
-        <mc:Choice xmlns:a14="http://schemas.microsoft.com/office/drawing/2010/main" Requires="a14">
+      <mc:AlternateContent xmlns:mc="http://schemas.openxmlformats.org/markup-compatibility/2006" xmlns:a14="http://schemas.microsoft.com/office/drawing/2010/main">
+        <mc:Choice Requires="a14">
           <p:sp>
             <p:nvSpPr>
               <p:cNvPr id="131" name="ZoneTexte 130">
@@ -8009,7 +8003,7 @@
             </p:txBody>
           </p:sp>
         </mc:Choice>
-        <mc:Fallback>
+        <mc:Fallback xmlns="">
           <p:sp>
             <p:nvSpPr>
               <p:cNvPr id="131" name="ZoneTexte 130">
@@ -8054,8 +8048,8 @@
           </p:sp>
         </mc:Fallback>
       </mc:AlternateContent>
-      <mc:AlternateContent xmlns:mc="http://schemas.openxmlformats.org/markup-compatibility/2006">
-        <mc:Choice xmlns:a14="http://schemas.microsoft.com/office/drawing/2010/main" Requires="a14">
+      <mc:AlternateContent xmlns:mc="http://schemas.openxmlformats.org/markup-compatibility/2006" xmlns:a14="http://schemas.microsoft.com/office/drawing/2010/main">
+        <mc:Choice Requires="a14">
           <p:sp>
             <p:nvSpPr>
               <p:cNvPr id="133" name="ZoneTexte 132">
@@ -8124,7 +8118,7 @@
             </p:txBody>
           </p:sp>
         </mc:Choice>
-        <mc:Fallback>
+        <mc:Fallback xmlns="">
           <p:sp>
             <p:nvSpPr>
               <p:cNvPr id="133" name="ZoneTexte 132">
@@ -8216,8 +8210,8 @@
           </a:fontRef>
         </p:style>
       </p:cxnSp>
-      <mc:AlternateContent xmlns:mc="http://schemas.openxmlformats.org/markup-compatibility/2006">
-        <mc:Choice xmlns:a14="http://schemas.microsoft.com/office/drawing/2010/main" Requires="a14">
+      <mc:AlternateContent xmlns:mc="http://schemas.openxmlformats.org/markup-compatibility/2006" xmlns:a14="http://schemas.microsoft.com/office/drawing/2010/main">
+        <mc:Choice Requires="a14">
           <p:sp>
             <p:nvSpPr>
               <p:cNvPr id="140" name="ZoneTexte 139">
@@ -8306,7 +8300,7 @@
             </p:txBody>
           </p:sp>
         </mc:Choice>
-        <mc:Fallback>
+        <mc:Fallback xmlns="">
           <p:sp>
             <p:nvSpPr>
               <p:cNvPr id="140" name="ZoneTexte 139">
@@ -8351,8 +8345,8 @@
           </p:sp>
         </mc:Fallback>
       </mc:AlternateContent>
-      <mc:AlternateContent xmlns:mc="http://schemas.openxmlformats.org/markup-compatibility/2006">
-        <mc:Choice xmlns:a14="http://schemas.microsoft.com/office/drawing/2010/main" Requires="a14">
+      <mc:AlternateContent xmlns:mc="http://schemas.openxmlformats.org/markup-compatibility/2006" xmlns:a14="http://schemas.microsoft.com/office/drawing/2010/main">
+        <mc:Choice Requires="a14">
           <p:sp>
             <p:nvSpPr>
               <p:cNvPr id="142" name="ZoneTexte 141">
@@ -8429,7 +8423,7 @@
             </p:txBody>
           </p:sp>
         </mc:Choice>
-        <mc:Fallback>
+        <mc:Fallback xmlns="">
           <p:sp>
             <p:nvSpPr>
               <p:cNvPr id="142" name="ZoneTexte 141">
@@ -8484,19 +8478,20 @@
             </a:extLst>
           </p:cNvPr>
           <p:cNvCxnSpPr>
+            <a:cxnSpLocks/>
             <a:stCxn id="21" idx="7"/>
-            <a:endCxn id="11" idx="4"/>
+            <a:endCxn id="28" idx="4"/>
           </p:cNvCxnSpPr>
           <p:nvPr/>
         </p:nvCxnSpPr>
         <p:spPr>
           <a:xfrm rot="5400000" flipH="1" flipV="1">
-            <a:off x="1963400" y="3331706"/>
-            <a:ext cx="2999561" cy="3336333"/>
+            <a:off x="3933377" y="1361727"/>
+            <a:ext cx="2999560" cy="7276288"/>
           </a:xfrm>
           <a:prstGeom prst="curvedConnector3">
             <a:avLst>
-              <a:gd name="adj1" fmla="val -3358"/>
+              <a:gd name="adj1" fmla="val 10370"/>
             </a:avLst>
           </a:prstGeom>
           <a:ln w="38100">
@@ -8569,8 +8564,8 @@
           </a:fontRef>
         </p:style>
       </p:cxnSp>
-      <mc:AlternateContent xmlns:mc="http://schemas.openxmlformats.org/markup-compatibility/2006">
-        <mc:Choice xmlns:a14="http://schemas.microsoft.com/office/drawing/2010/main" Requires="a14">
+      <mc:AlternateContent xmlns:mc="http://schemas.openxmlformats.org/markup-compatibility/2006" xmlns:a14="http://schemas.microsoft.com/office/drawing/2010/main">
+        <mc:Choice Requires="a14">
           <p:sp>
             <p:nvSpPr>
               <p:cNvPr id="152" name="ZoneTexte 151">
@@ -8753,7 +8748,7 @@
             </p:txBody>
           </p:sp>
         </mc:Choice>
-        <mc:Fallback>
+        <mc:Fallback xmlns="">
           <p:sp>
             <p:nvSpPr>
               <p:cNvPr id="152" name="ZoneTexte 151">
@@ -8816,13 +8811,16 @@
             </p:nvSpPr>
             <p:spPr>
               <a:xfrm>
-                <a:off x="4832460" y="3866680"/>
+                <a:off x="4219580" y="3984848"/>
                 <a:ext cx="4537725" cy="1664045"/>
               </a:xfrm>
               <a:prstGeom prst="rect">
                 <a:avLst/>
               </a:prstGeom>
               <a:noFill/>
+              <a:ln>
+                <a:noFill/>
+              </a:ln>
             </p:spPr>
             <p:txBody>
               <a:bodyPr wrap="square" rtlCol="0">
@@ -9371,7 +9369,7 @@
             </p:nvSpPr>
             <p:spPr>
               <a:xfrm>
-                <a:off x="4832460" y="3866680"/>
+                <a:off x="4219580" y="3984848"/>
                 <a:ext cx="4537725" cy="1664045"/>
               </a:xfrm>
               <a:prstGeom prst="rect">
@@ -9383,13 +9381,16 @@
                   <a:fillRect b="-2564"/>
                 </a:stretch>
               </a:blipFill>
+              <a:ln>
+                <a:noFill/>
+              </a:ln>
             </p:spPr>
             <p:txBody>
               <a:bodyPr/>
               <a:lstStyle/>
               <a:p>
                 <a:r>
-                  <a:rPr lang="fr-FR">
+                  <a:rPr lang="fr-BE">
                     <a:noFill/>
                   </a:rPr>
                   <a:t> </a:t>
@@ -9417,7 +9418,7 @@
             </p:nvSpPr>
             <p:spPr>
               <a:xfrm>
-                <a:off x="1056079" y="5456123"/>
+                <a:off x="1479069" y="5349825"/>
                 <a:ext cx="3263925" cy="829073"/>
               </a:xfrm>
               <a:prstGeom prst="rect">
@@ -9832,7 +9833,7 @@
             </p:nvSpPr>
             <p:spPr>
               <a:xfrm>
-                <a:off x="1056079" y="5456123"/>
+                <a:off x="1479069" y="5349825"/>
                 <a:ext cx="3263925" cy="829073"/>
               </a:xfrm>
               <a:prstGeom prst="rect">
@@ -9850,7 +9851,7 @@
               <a:lstStyle/>
               <a:p>
                 <a:r>
-                  <a:rPr lang="fr-FR">
+                  <a:rPr lang="fr-BE">
                     <a:noFill/>
                   </a:rPr>
                   <a:t> </a:t>
@@ -9860,8 +9861,8 @@
           </p:sp>
         </mc:Fallback>
       </mc:AlternateContent>
-      <mc:AlternateContent xmlns:mc="http://schemas.openxmlformats.org/markup-compatibility/2006">
-        <mc:Choice xmlns:a14="http://schemas.microsoft.com/office/drawing/2010/main" Requires="a14">
+      <mc:AlternateContent xmlns:mc="http://schemas.openxmlformats.org/markup-compatibility/2006" xmlns:a14="http://schemas.microsoft.com/office/drawing/2010/main">
+        <mc:Choice Requires="a14">
           <p:sp>
             <p:nvSpPr>
               <p:cNvPr id="2" name="ZoneTexte 1">
@@ -9982,7 +9983,7 @@
             </p:txBody>
           </p:sp>
         </mc:Choice>
-        <mc:Fallback>
+        <mc:Fallback xmlns="">
           <p:sp>
             <p:nvSpPr>
               <p:cNvPr id="2" name="ZoneTexte 1">
@@ -10027,8 +10028,8 @@
           </p:sp>
         </mc:Fallback>
       </mc:AlternateContent>
-      <mc:AlternateContent xmlns:mc="http://schemas.openxmlformats.org/markup-compatibility/2006">
-        <mc:Choice xmlns:a14="http://schemas.microsoft.com/office/drawing/2010/main" Requires="a14">
+      <mc:AlternateContent xmlns:mc="http://schemas.openxmlformats.org/markup-compatibility/2006" xmlns:a14="http://schemas.microsoft.com/office/drawing/2010/main">
+        <mc:Choice Requires="a14">
           <p:sp>
             <p:nvSpPr>
               <p:cNvPr id="5" name="ZoneTexte 4">
@@ -10111,7 +10112,7 @@
             </p:txBody>
           </p:sp>
         </mc:Choice>
-        <mc:Fallback>
+        <mc:Fallback xmlns="">
           <p:sp>
             <p:nvSpPr>
               <p:cNvPr id="5" name="ZoneTexte 4">
@@ -10288,8 +10289,8 @@
           </a:fontRef>
         </p:style>
       </p:cxnSp>
-      <mc:AlternateContent xmlns:mc="http://schemas.openxmlformats.org/markup-compatibility/2006">
-        <mc:Choice xmlns:a14="http://schemas.microsoft.com/office/drawing/2010/main" Requires="a14">
+      <mc:AlternateContent xmlns:mc="http://schemas.openxmlformats.org/markup-compatibility/2006" xmlns:a14="http://schemas.microsoft.com/office/drawing/2010/main">
+        <mc:Choice Requires="a14">
           <p:sp>
             <p:nvSpPr>
               <p:cNvPr id="13" name="ZoneTexte 12">
@@ -10341,7 +10342,7 @@
             </p:txBody>
           </p:sp>
         </mc:Choice>
-        <mc:Fallback>
+        <mc:Fallback xmlns="">
           <p:sp>
             <p:nvSpPr>
               <p:cNvPr id="13" name="ZoneTexte 12">
@@ -10431,8 +10432,8 @@
           </a:fontRef>
         </p:style>
       </p:cxnSp>
-      <mc:AlternateContent xmlns:mc="http://schemas.openxmlformats.org/markup-compatibility/2006">
-        <mc:Choice xmlns:a14="http://schemas.microsoft.com/office/drawing/2010/main" Requires="a14">
+      <mc:AlternateContent xmlns:mc="http://schemas.openxmlformats.org/markup-compatibility/2006" xmlns:a14="http://schemas.microsoft.com/office/drawing/2010/main">
+        <mc:Choice Requires="a14">
           <p:sp>
             <p:nvSpPr>
               <p:cNvPr id="27" name="ZoneTexte 26">
@@ -10515,7 +10516,7 @@
             </p:txBody>
           </p:sp>
         </mc:Choice>
-        <mc:Fallback>
+        <mc:Fallback xmlns="">
           <p:sp>
             <p:nvSpPr>
               <p:cNvPr id="27" name="ZoneTexte 26">
@@ -10560,8 +10561,8 @@
           </p:sp>
         </mc:Fallback>
       </mc:AlternateContent>
-      <mc:AlternateContent xmlns:mc="http://schemas.openxmlformats.org/markup-compatibility/2006">
-        <mc:Choice xmlns:a14="http://schemas.microsoft.com/office/drawing/2010/main" Requires="a14">
+      <mc:AlternateContent xmlns:mc="http://schemas.openxmlformats.org/markup-compatibility/2006" xmlns:a14="http://schemas.microsoft.com/office/drawing/2010/main">
+        <mc:Choice Requires="a14">
           <p:sp>
             <p:nvSpPr>
               <p:cNvPr id="59" name="Ellipse 58">
@@ -10755,7 +10756,7 @@
             </p:txBody>
           </p:sp>
         </mc:Choice>
-        <mc:Fallback>
+        <mc:Fallback xmlns="">
           <p:sp>
             <p:nvSpPr>
               <p:cNvPr id="59" name="Ellipse 58">
@@ -10852,8 +10853,8 @@
           </a:fontRef>
         </p:style>
       </p:cxnSp>
-      <mc:AlternateContent xmlns:mc="http://schemas.openxmlformats.org/markup-compatibility/2006">
-        <mc:Choice xmlns:a14="http://schemas.microsoft.com/office/drawing/2010/main" Requires="a14">
+      <mc:AlternateContent xmlns:mc="http://schemas.openxmlformats.org/markup-compatibility/2006" xmlns:a14="http://schemas.microsoft.com/office/drawing/2010/main">
+        <mc:Choice Requires="a14">
           <p:sp>
             <p:nvSpPr>
               <p:cNvPr id="61" name="ZoneTexte 60">
@@ -10894,7 +10895,7 @@
                       <m:sSub>
                         <m:sSubPr>
                           <m:ctrlPr>
-                            <a:rPr lang="fr-BE" sz="2210" i="1">
+                            <a:rPr lang="fr-BE" sz="2210" i="1" smtClean="0">
                               <a:latin typeface="Cambria Math" panose="02040503050406030204" pitchFamily="18" charset="0"/>
                             </a:rPr>
                           </m:ctrlPr>
@@ -10924,7 +10925,7 @@
             </p:txBody>
           </p:sp>
         </mc:Choice>
-        <mc:Fallback>
+        <mc:Fallback xmlns="">
           <p:sp>
             <p:nvSpPr>
               <p:cNvPr id="61" name="ZoneTexte 60">
@@ -11014,8 +11015,8 @@
           </a:fontRef>
         </p:style>
       </p:cxnSp>
-      <mc:AlternateContent xmlns:mc="http://schemas.openxmlformats.org/markup-compatibility/2006">
-        <mc:Choice xmlns:a14="http://schemas.microsoft.com/office/drawing/2010/main" Requires="a14">
+      <mc:AlternateContent xmlns:mc="http://schemas.openxmlformats.org/markup-compatibility/2006" xmlns:a14="http://schemas.microsoft.com/office/drawing/2010/main">
+        <mc:Choice Requires="a14">
           <p:sp>
             <p:nvSpPr>
               <p:cNvPr id="68" name="ZoneTexte 67">
@@ -11091,7 +11092,7 @@
             </p:txBody>
           </p:sp>
         </mc:Choice>
-        <mc:Fallback>
+        <mc:Fallback xmlns="">
           <p:sp>
             <p:nvSpPr>
               <p:cNvPr id="68" name="ZoneTexte 67">
@@ -11136,8 +11137,8 @@
           </p:sp>
         </mc:Fallback>
       </mc:AlternateContent>
-      <mc:AlternateContent xmlns:mc="http://schemas.openxmlformats.org/markup-compatibility/2006">
-        <mc:Choice xmlns:a14="http://schemas.microsoft.com/office/drawing/2010/main" Requires="a14">
+      <mc:AlternateContent xmlns:mc="http://schemas.openxmlformats.org/markup-compatibility/2006" xmlns:a14="http://schemas.microsoft.com/office/drawing/2010/main">
+        <mc:Choice Requires="a14">
           <p:sp>
             <p:nvSpPr>
               <p:cNvPr id="70" name="ZoneTexte 69">
@@ -11201,7 +11202,7 @@
             </p:txBody>
           </p:sp>
         </mc:Choice>
-        <mc:Fallback>
+        <mc:Fallback xmlns="">
           <p:sp>
             <p:nvSpPr>
               <p:cNvPr id="70" name="ZoneTexte 69">
@@ -11246,8 +11247,8 @@
           </p:sp>
         </mc:Fallback>
       </mc:AlternateContent>
-      <mc:AlternateContent xmlns:mc="http://schemas.openxmlformats.org/markup-compatibility/2006">
-        <mc:Choice xmlns:a14="http://schemas.microsoft.com/office/drawing/2010/main" Requires="a14">
+      <mc:AlternateContent xmlns:mc="http://schemas.openxmlformats.org/markup-compatibility/2006" xmlns:a14="http://schemas.microsoft.com/office/drawing/2010/main">
+        <mc:Choice Requires="a14">
           <p:sp>
             <p:nvSpPr>
               <p:cNvPr id="72" name="Ellipse 71">
@@ -11546,7 +11547,7 @@
             </p:txBody>
           </p:sp>
         </mc:Choice>
-        <mc:Fallback>
+        <mc:Fallback xmlns="">
           <p:sp>
             <p:nvSpPr>
               <p:cNvPr id="72" name="Ellipse 71">
@@ -11682,8 +11683,8 @@
           </a:fontRef>
         </p:style>
       </p:cxnSp>
-      <mc:AlternateContent xmlns:mc="http://schemas.openxmlformats.org/markup-compatibility/2006">
-        <mc:Choice xmlns:a14="http://schemas.microsoft.com/office/drawing/2010/main" Requires="a14">
+      <mc:AlternateContent xmlns:mc="http://schemas.openxmlformats.org/markup-compatibility/2006" xmlns:a14="http://schemas.microsoft.com/office/drawing/2010/main">
+        <mc:Choice Requires="a14">
           <p:sp>
             <p:nvSpPr>
               <p:cNvPr id="80" name="ZoneTexte 79">
@@ -11828,7 +11829,7 @@
             </p:txBody>
           </p:sp>
         </mc:Choice>
-        <mc:Fallback>
+        <mc:Fallback xmlns="">
           <p:sp>
             <p:nvSpPr>
               <p:cNvPr id="80" name="ZoneTexte 79">
@@ -11873,8 +11874,8 @@
           </p:sp>
         </mc:Fallback>
       </mc:AlternateContent>
-      <mc:AlternateContent xmlns:mc="http://schemas.openxmlformats.org/markup-compatibility/2006">
-        <mc:Choice xmlns:a14="http://schemas.microsoft.com/office/drawing/2010/main" Requires="a14">
+      <mc:AlternateContent xmlns:mc="http://schemas.openxmlformats.org/markup-compatibility/2006" xmlns:a14="http://schemas.microsoft.com/office/drawing/2010/main">
+        <mc:Choice Requires="a14">
           <p:sp>
             <p:nvSpPr>
               <p:cNvPr id="82" name="Ellipse 81">
@@ -11979,7 +11980,7 @@
             </p:txBody>
           </p:sp>
         </mc:Choice>
-        <mc:Fallback>
+        <mc:Fallback xmlns="">
           <p:sp>
             <p:nvSpPr>
               <p:cNvPr id="82" name="Ellipse 81">
@@ -12119,8 +12120,8 @@
           </a:fontRef>
         </p:style>
       </p:cxnSp>
-      <mc:AlternateContent xmlns:mc="http://schemas.openxmlformats.org/markup-compatibility/2006">
-        <mc:Choice xmlns:a14="http://schemas.microsoft.com/office/drawing/2010/main" Requires="a14">
+      <mc:AlternateContent xmlns:mc="http://schemas.openxmlformats.org/markup-compatibility/2006" xmlns:a14="http://schemas.microsoft.com/office/drawing/2010/main">
+        <mc:Choice Requires="a14">
           <p:sp>
             <p:nvSpPr>
               <p:cNvPr id="92" name="ZoneTexte 91">
@@ -12481,7 +12482,7 @@
             </p:txBody>
           </p:sp>
         </mc:Choice>
-        <mc:Fallback>
+        <mc:Fallback xmlns="">
           <p:sp>
             <p:nvSpPr>
               <p:cNvPr id="92" name="ZoneTexte 91">
@@ -12526,8 +12527,8 @@
           </p:sp>
         </mc:Fallback>
       </mc:AlternateContent>
-      <mc:AlternateContent xmlns:mc="http://schemas.openxmlformats.org/markup-compatibility/2006">
-        <mc:Choice xmlns:a14="http://schemas.microsoft.com/office/drawing/2010/main" Requires="a14">
+      <mc:AlternateContent xmlns:mc="http://schemas.openxmlformats.org/markup-compatibility/2006" xmlns:a14="http://schemas.microsoft.com/office/drawing/2010/main">
+        <mc:Choice Requires="a14">
           <p:sp>
             <p:nvSpPr>
               <p:cNvPr id="133" name="ZoneTexte 132">
@@ -12672,7 +12673,7 @@
             </p:txBody>
           </p:sp>
         </mc:Choice>
-        <mc:Fallback>
+        <mc:Fallback xmlns="">
           <p:sp>
             <p:nvSpPr>
               <p:cNvPr id="133" name="ZoneTexte 132">
@@ -12849,8 +12850,8 @@
           </a:fontRef>
         </p:style>
       </p:cxnSp>
-      <mc:AlternateContent xmlns:mc="http://schemas.openxmlformats.org/markup-compatibility/2006">
-        <mc:Choice xmlns:a14="http://schemas.microsoft.com/office/drawing/2010/main" Requires="a14">
+      <mc:AlternateContent xmlns:mc="http://schemas.openxmlformats.org/markup-compatibility/2006" xmlns:a14="http://schemas.microsoft.com/office/drawing/2010/main">
+        <mc:Choice Requires="a14">
           <p:sp>
             <p:nvSpPr>
               <p:cNvPr id="10" name="Ellipse 9">
@@ -12961,7 +12962,7 @@
             </p:txBody>
           </p:sp>
         </mc:Choice>
-        <mc:Fallback>
+        <mc:Fallback xmlns="">
           <p:sp>
             <p:nvSpPr>
               <p:cNvPr id="10" name="Ellipse 9">
@@ -13015,8 +13016,8 @@
           </p:sp>
         </mc:Fallback>
       </mc:AlternateContent>
-      <mc:AlternateContent xmlns:mc="http://schemas.openxmlformats.org/markup-compatibility/2006">
-        <mc:Choice xmlns:a14="http://schemas.microsoft.com/office/drawing/2010/main" Requires="a14">
+      <mc:AlternateContent xmlns:mc="http://schemas.openxmlformats.org/markup-compatibility/2006" xmlns:a14="http://schemas.microsoft.com/office/drawing/2010/main">
+        <mc:Choice Requires="a14">
           <p:sp>
             <p:nvSpPr>
               <p:cNvPr id="11" name="ZoneTexte 10">
@@ -13068,7 +13069,7 @@
             </p:txBody>
           </p:sp>
         </mc:Choice>
-        <mc:Fallback>
+        <mc:Fallback xmlns="">
           <p:sp>
             <p:nvSpPr>
               <p:cNvPr id="11" name="ZoneTexte 10">
@@ -13244,7 +13245,7 @@
                         <m:barPr>
                           <m:pos m:val="top"/>
                           <m:ctrlPr>
-                            <a:rPr lang="fr-BE" sz="2210" i="1">
+                            <a:rPr lang="fr-BE" sz="2210" b="1" i="1">
                               <a:latin typeface="Cambria Math" panose="02040503050406030204" pitchFamily="18" charset="0"/>
                             </a:rPr>
                           </m:ctrlPr>
@@ -13253,31 +13254,31 @@
                           <m:sSub>
                             <m:sSubPr>
                               <m:ctrlPr>
-                                <a:rPr lang="fr-BE" sz="2210" i="1">
+                                <a:rPr lang="fr-BE" sz="2210" b="1" i="1">
                                   <a:latin typeface="Cambria Math" panose="02040503050406030204" pitchFamily="18" charset="0"/>
                                 </a:rPr>
                               </m:ctrlPr>
                             </m:sSubPr>
                             <m:e>
                               <m:r>
-                                <a:rPr lang="fr-BE" sz="2210" i="1">
+                                <a:rPr lang="fr-BE" sz="2210" b="1" i="1">
                                   <a:latin typeface="Cambria Math" panose="02040503050406030204" pitchFamily="18" charset="0"/>
                                 </a:rPr>
-                                <m:t>𝑠</m:t>
+                                <m:t>𝒔</m:t>
                               </m:r>
                             </m:e>
                             <m:sub>
                               <m:r>
-                                <a:rPr lang="fr-BE" sz="2210" i="1">
+                                <a:rPr lang="fr-BE" sz="2210" b="1" i="1">
                                   <a:latin typeface="Cambria Math" panose="02040503050406030204" pitchFamily="18" charset="0"/>
                                 </a:rPr>
-                                <m:t>𝑐</m:t>
+                                <m:t>𝒄</m:t>
                               </m:r>
                               <m:r>
-                                <a:rPr lang="fr-BE" sz="2210" i="1">
+                                <a:rPr lang="fr-BE" sz="2210" b="1" i="1">
                                   <a:latin typeface="Cambria Math" panose="02040503050406030204" pitchFamily="18" charset="0"/>
                                 </a:rPr>
-                                <m:t>11</m:t>
+                                <m:t>𝟏𝟏</m:t>
                               </m:r>
                             </m:sub>
                           </m:sSub>
@@ -13286,7 +13287,7 @@
                     </m:oMath>
                   </m:oMathPara>
                 </a14:m>
-                <a:endParaRPr lang="fr-BE" sz="2210" dirty="0"/>
+                <a:endParaRPr lang="fr-BE" sz="2210" b="1" dirty="0"/>
               </a:p>
             </p:txBody>
           </p:sp>
@@ -13326,7 +13327,7 @@
               <a:lstStyle/>
               <a:p>
                 <a:r>
-                  <a:rPr lang="fr-FR">
+                  <a:rPr lang="fr-BE">
                     <a:noFill/>
                   </a:rPr>
                   <a:t> </a:t>
@@ -13404,6 +13405,37 @@
                     </m:oMathParaPr>
                     <m:oMath xmlns:m="http://schemas.openxmlformats.org/officeDocument/2006/math">
                       <m:r>
+                        <a:rPr lang="fr-FR" sz="2000" b="0" i="1" smtClean="0">
+                          <a:latin typeface="Cambria Math" panose="02040503050406030204" pitchFamily="18" charset="0"/>
+                        </a:rPr>
+                        <m:t>𝑠𝑡𝑜𝑟𝑒</m:t>
+                      </m:r>
+                      <m:r>
+                        <a:rPr lang="fr-FR" sz="2000" b="0" i="1" smtClean="0">
+                          <a:latin typeface="Cambria Math" panose="02040503050406030204" pitchFamily="18" charset="0"/>
+                        </a:rPr>
+                        <m:t> </m:t>
+                      </m:r>
+                      <m:r>
+                        <a:rPr lang="fr-FR" sz="2000" b="0" i="1" smtClean="0">
+                          <a:latin typeface="Cambria Math" panose="02040503050406030204" pitchFamily="18" charset="0"/>
+                        </a:rPr>
+                        <m:t>𝑑𝑎𝑡𝑎</m:t>
+                      </m:r>
+                    </m:oMath>
+                  </m:oMathPara>
+                </a14:m>
+                <a:endParaRPr lang="fr-FR" sz="2000" b="1" dirty="0"/>
+              </a:p>
+              <a:p>
+                <a:pPr algn="ctr"/>
+                <a14:m>
+                  <m:oMathPara xmlns:m="http://schemas.openxmlformats.org/officeDocument/2006/math">
+                    <m:oMathParaPr>
+                      <m:jc m:val="centerGroup"/>
+                    </m:oMathParaPr>
+                    <m:oMath xmlns:m="http://schemas.openxmlformats.org/officeDocument/2006/math">
+                      <m:r>
                         <a:rPr lang="fr-BE" sz="2000" i="1">
                           <a:latin typeface="Cambria Math" panose="02040503050406030204" pitchFamily="18" charset="0"/>
                         </a:rPr>
@@ -13536,7 +13568,7 @@
               <a:lstStyle/>
               <a:p>
                 <a:r>
-                  <a:rPr lang="fr-FR">
+                  <a:rPr lang="fr-BE">
                     <a:noFill/>
                   </a:rPr>
                   <a:t> </a:t>
@@ -13655,6 +13687,56 @@
                 </a14:m>
                 <a:endParaRPr lang="fr-FR" sz="2000" dirty="0"/>
               </a:p>
+              <a:p>
+                <a:pPr algn="ctr"/>
+                <a14:m>
+                  <m:oMathPara xmlns:m="http://schemas.openxmlformats.org/officeDocument/2006/math">
+                    <m:oMathParaPr>
+                      <m:jc m:val="centerGroup"/>
+                    </m:oMathParaPr>
+                    <m:oMath xmlns:m="http://schemas.openxmlformats.org/officeDocument/2006/math">
+                      <m:r>
+                        <a:rPr lang="fr-FR" sz="2000" b="0" i="1" smtClean="0">
+                          <a:latin typeface="Cambria Math" panose="02040503050406030204" pitchFamily="18" charset="0"/>
+                        </a:rPr>
+                        <m:t>𝑤𝑟𝑖𝑡𝑒</m:t>
+                      </m:r>
+                      <m:r>
+                        <a:rPr lang="fr-FR" sz="2000" b="0" i="1" smtClean="0">
+                          <a:latin typeface="Cambria Math" panose="02040503050406030204" pitchFamily="18" charset="0"/>
+                        </a:rPr>
+                        <m:t> </m:t>
+                      </m:r>
+                      <m:sSub>
+                        <m:sSubPr>
+                          <m:ctrlPr>
+                            <a:rPr lang="fr-FR" sz="2000" b="0" i="1" smtClean="0">
+                              <a:latin typeface="Cambria Math" panose="02040503050406030204" pitchFamily="18" charset="0"/>
+                            </a:rPr>
+                          </m:ctrlPr>
+                        </m:sSubPr>
+                        <m:e>
+                          <m:r>
+                            <a:rPr lang="fr-FR" sz="2000" b="0" i="1" smtClean="0">
+                              <a:latin typeface="Cambria Math" panose="02040503050406030204" pitchFamily="18" charset="0"/>
+                            </a:rPr>
+                            <m:t>𝑤</m:t>
+                          </m:r>
+                        </m:e>
+                        <m:sub>
+                          <m:r>
+                            <a:rPr lang="fr-FR" sz="2000" b="0" i="1" smtClean="0">
+                              <a:latin typeface="Cambria Math" panose="02040503050406030204" pitchFamily="18" charset="0"/>
+                            </a:rPr>
+                            <m:t>𝑑𝑎𝑡𝑎</m:t>
+                          </m:r>
+                        </m:sub>
+                      </m:sSub>
+                    </m:oMath>
+                  </m:oMathPara>
+                </a14:m>
+                <a:endParaRPr lang="fr-FR" sz="2000" dirty="0"/>
+              </a:p>
             </p:txBody>
           </p:sp>
         </mc:Choice>
@@ -13702,7 +13784,7 @@
               <a:lstStyle/>
               <a:p>
                 <a:r>
-                  <a:rPr lang="fr-FR">
+                  <a:rPr lang="fr-BE">
                     <a:noFill/>
                   </a:rPr>
                   <a:t> </a:t>
@@ -13796,6 +13878,56 @@
                 </a14:m>
                 <a:endParaRPr lang="fr-FR" sz="2000" dirty="0"/>
               </a:p>
+              <a:p>
+                <a:pPr algn="ctr"/>
+                <a14:m>
+                  <m:oMathPara xmlns:m="http://schemas.openxmlformats.org/officeDocument/2006/math">
+                    <m:oMathParaPr>
+                      <m:jc m:val="centerGroup"/>
+                    </m:oMathParaPr>
+                    <m:oMath xmlns:m="http://schemas.openxmlformats.org/officeDocument/2006/math">
+                      <m:r>
+                        <a:rPr lang="fr-FR" sz="2000" b="0" i="1" smtClean="0">
+                          <a:latin typeface="Cambria Math" panose="02040503050406030204" pitchFamily="18" charset="0"/>
+                        </a:rPr>
+                        <m:t>𝑈𝑝𝑑𝑎𝑡𝑒</m:t>
+                      </m:r>
+                      <m:r>
+                        <a:rPr lang="fr-FR" sz="2000" b="0" i="1" smtClean="0">
+                          <a:latin typeface="Cambria Math" panose="02040503050406030204" pitchFamily="18" charset="0"/>
+                        </a:rPr>
+                        <m:t> </m:t>
+                      </m:r>
+                      <m:sSub>
+                        <m:sSubPr>
+                          <m:ctrlPr>
+                            <a:rPr lang="fr-FR" sz="2000" b="0" i="1" smtClean="0">
+                              <a:latin typeface="Cambria Math" panose="02040503050406030204" pitchFamily="18" charset="0"/>
+                            </a:rPr>
+                          </m:ctrlPr>
+                        </m:sSubPr>
+                        <m:e>
+                          <m:r>
+                            <a:rPr lang="fr-FR" sz="2000" b="0" i="1" smtClean="0">
+                              <a:latin typeface="Cambria Math" panose="02040503050406030204" pitchFamily="18" charset="0"/>
+                            </a:rPr>
+                            <m:t>𝑤</m:t>
+                          </m:r>
+                        </m:e>
+                        <m:sub>
+                          <m:r>
+                            <a:rPr lang="fr-FR" sz="2000" b="0" i="1" smtClean="0">
+                              <a:latin typeface="Cambria Math" panose="02040503050406030204" pitchFamily="18" charset="0"/>
+                            </a:rPr>
+                            <m:t>𝑑𝑎𝑡𝑎</m:t>
+                          </m:r>
+                        </m:sub>
+                      </m:sSub>
+                    </m:oMath>
+                  </m:oMathPara>
+                </a14:m>
+                <a:endParaRPr lang="fr-FR" sz="2000" dirty="0"/>
+              </a:p>
             </p:txBody>
           </p:sp>
         </mc:Choice>
@@ -13843,7 +13975,7 @@
               <a:lstStyle/>
               <a:p>
                 <a:r>
-                  <a:rPr lang="fr-FR">
+                  <a:rPr lang="fr-BE">
                     <a:noFill/>
                   </a:rPr>
                   <a:t> </a:t>
@@ -13895,38 +14027,38 @@
                       <m:sSub>
                         <m:sSubPr>
                           <m:ctrlPr>
-                            <a:rPr lang="fr-BE" sz="2210" i="1">
+                            <a:rPr lang="fr-BE" sz="2210" b="1" i="1">
                               <a:latin typeface="Cambria Math" panose="02040503050406030204" pitchFamily="18" charset="0"/>
                             </a:rPr>
                           </m:ctrlPr>
                         </m:sSubPr>
                         <m:e>
                           <m:r>
-                            <a:rPr lang="fr-BE" sz="2210" i="1">
-                              <a:latin typeface="Cambria Math" panose="02040503050406030204" pitchFamily="18" charset="0"/>
-                            </a:rPr>
-                            <m:t>𝑠</m:t>
+                            <a:rPr lang="fr-BE" sz="2210" b="1" i="1">
+                              <a:latin typeface="Cambria Math" panose="02040503050406030204" pitchFamily="18" charset="0"/>
+                            </a:rPr>
+                            <m:t>𝒔</m:t>
                           </m:r>
                         </m:e>
                         <m:sub>
                           <m:r>
-                            <a:rPr lang="fr-BE" sz="2210" i="1">
-                              <a:latin typeface="Cambria Math" panose="02040503050406030204" pitchFamily="18" charset="0"/>
-                            </a:rPr>
-                            <m:t>𝑐</m:t>
-                          </m:r>
-                          <m:r>
-                            <a:rPr lang="fr-BE" sz="2210" i="1">
-                              <a:latin typeface="Cambria Math" panose="02040503050406030204" pitchFamily="18" charset="0"/>
-                            </a:rPr>
-                            <m:t>11</m:t>
+                            <a:rPr lang="fr-BE" sz="2210" b="1" i="1">
+                              <a:latin typeface="Cambria Math" panose="02040503050406030204" pitchFamily="18" charset="0"/>
+                            </a:rPr>
+                            <m:t>𝒄</m:t>
+                          </m:r>
+                          <m:r>
+                            <a:rPr lang="fr-BE" sz="2210" b="1" i="1">
+                              <a:latin typeface="Cambria Math" panose="02040503050406030204" pitchFamily="18" charset="0"/>
+                            </a:rPr>
+                            <m:t>𝟏𝟏</m:t>
                           </m:r>
                         </m:sub>
                       </m:sSub>
                     </m:oMath>
                   </m:oMathPara>
                 </a14:m>
-                <a:endParaRPr lang="fr-BE" sz="2210" dirty="0"/>
+                <a:endParaRPr lang="fr-BE" sz="2210" b="1" dirty="0"/>
               </a:p>
             </p:txBody>
           </p:sp>
@@ -13957,7 +14089,7 @@
               <a:blipFill>
                 <a:blip r:embed="rId8"/>
                 <a:stretch>
-                  <a:fillRect/>
+                  <a:fillRect b="-1408"/>
                 </a:stretch>
               </a:blipFill>
             </p:spPr>
@@ -13966,7 +14098,7 @@
               <a:lstStyle/>
               <a:p>
                 <a:r>
-                  <a:rPr lang="fr-FR">
+                  <a:rPr lang="fr-BE">
                     <a:noFill/>
                   </a:rPr>
                   <a:t> </a:t>
@@ -14035,8 +14167,8 @@
             </p:nvSpPr>
             <p:spPr>
               <a:xfrm>
-                <a:off x="3750559" y="1291953"/>
-                <a:ext cx="3449549" cy="1229952"/>
+                <a:off x="3733760" y="977274"/>
+                <a:ext cx="3449549" cy="1590756"/>
               </a:xfrm>
               <a:prstGeom prst="rect">
                 <a:avLst/>
@@ -14059,7 +14191,7 @@
                       <m:sSub>
                         <m:sSubPr>
                           <m:ctrlPr>
-                            <a:rPr lang="fr-BE" sz="2400" i="1">
+                            <a:rPr lang="fr-BE" sz="2400" i="1" smtClean="0">
                               <a:latin typeface="Cambria Math" panose="02040503050406030204" pitchFamily="18" charset="0"/>
                             </a:rPr>
                           </m:ctrlPr>
@@ -14255,6 +14387,58 @@
                         </a:rPr>
                         <m:t>=0</m:t>
                       </m:r>
+                      <m:r>
+                        <a:rPr lang="fr-FR" sz="2400" b="0" i="1" smtClean="0">
+                          <a:latin typeface="Cambria Math" panose="02040503050406030204" pitchFamily="18" charset="0"/>
+                        </a:rPr>
+                        <m:t>;</m:t>
+                      </m:r>
+                    </m:oMath>
+                  </m:oMathPara>
+                </a14:m>
+                <a:endParaRPr lang="fr-FR" sz="2400" b="0" i="1" dirty="0">
+                  <a:latin typeface="Cambria Math" panose="02040503050406030204" pitchFamily="18" charset="0"/>
+                </a:endParaRPr>
+              </a:p>
+              <a:p>
+                <a:pPr/>
+                <a14:m>
+                  <m:oMathPara xmlns:m="http://schemas.openxmlformats.org/officeDocument/2006/math">
+                    <m:oMathParaPr>
+                      <m:jc m:val="centerGroup"/>
+                    </m:oMathParaPr>
+                    <m:oMath xmlns:m="http://schemas.openxmlformats.org/officeDocument/2006/math">
+                      <m:sSub>
+                        <m:sSubPr>
+                          <m:ctrlPr>
+                            <a:rPr lang="fr-FR" sz="2400" b="0" i="1" smtClean="0">
+                              <a:latin typeface="Cambria Math" panose="02040503050406030204" pitchFamily="18" charset="0"/>
+                            </a:rPr>
+                          </m:ctrlPr>
+                        </m:sSubPr>
+                        <m:e>
+                          <m:r>
+                            <a:rPr lang="fr-FR" sz="2400" b="0" i="1" smtClean="0">
+                              <a:latin typeface="Cambria Math" panose="02040503050406030204" pitchFamily="18" charset="0"/>
+                            </a:rPr>
+                            <m:t>𝑤</m:t>
+                          </m:r>
+                        </m:e>
+                        <m:sub>
+                          <m:r>
+                            <a:rPr lang="fr-FR" sz="2400" b="0" i="1" smtClean="0">
+                              <a:latin typeface="Cambria Math" panose="02040503050406030204" pitchFamily="18" charset="0"/>
+                            </a:rPr>
+                            <m:t>𝑑𝑎𝑡𝑎</m:t>
+                          </m:r>
+                        </m:sub>
+                      </m:sSub>
+                      <m:r>
+                        <a:rPr lang="fr-FR" sz="2400" b="0" i="1" smtClean="0">
+                          <a:latin typeface="Cambria Math" panose="02040503050406030204" pitchFamily="18" charset="0"/>
+                        </a:rPr>
+                        <m:t>=0</m:t>
+                      </m:r>
                     </m:oMath>
                   </m:oMathPara>
                 </a14:m>
@@ -14280,8 +14464,8 @@
             </p:nvSpPr>
             <p:spPr>
               <a:xfrm>
-                <a:off x="3750559" y="1291953"/>
-                <a:ext cx="3449549" cy="1229952"/>
+                <a:off x="3733760" y="977274"/>
+                <a:ext cx="3449549" cy="1590756"/>
               </a:xfrm>
               <a:prstGeom prst="rect">
                 <a:avLst/>
@@ -14289,7 +14473,7 @@
               <a:blipFill>
                 <a:blip r:embed="rId9"/>
                 <a:stretch>
-                  <a:fillRect/>
+                  <a:fillRect b="-766"/>
                 </a:stretch>
               </a:blipFill>
             </p:spPr>
@@ -14298,7 +14482,7 @@
               <a:lstStyle/>
               <a:p>
                 <a:r>
-                  <a:rPr lang="fr-FR">
+                  <a:rPr lang="fr-BE">
                     <a:noFill/>
                   </a:rPr>
                   <a:t> </a:t>
@@ -14578,30 +14762,30 @@
                       <m:sSub>
                         <m:sSubPr>
                           <m:ctrlPr>
-                            <a:rPr lang="fr-BE" sz="2400" i="1">
+                            <a:rPr lang="fr-BE" sz="2400" b="1" i="1">
                               <a:latin typeface="Cambria Math" panose="02040503050406030204" pitchFamily="18" charset="0"/>
                             </a:rPr>
                           </m:ctrlPr>
                         </m:sSubPr>
                         <m:e>
                           <m:r>
-                            <a:rPr lang="fr-BE" sz="2400" i="1">
-                              <a:latin typeface="Cambria Math" panose="02040503050406030204" pitchFamily="18" charset="0"/>
-                            </a:rPr>
-                            <m:t>𝑡</m:t>
+                            <a:rPr lang="fr-BE" sz="2400" b="1" i="1">
+                              <a:latin typeface="Cambria Math" panose="02040503050406030204" pitchFamily="18" charset="0"/>
+                            </a:rPr>
+                            <m:t>𝒕</m:t>
                           </m:r>
                         </m:e>
                         <m:sub>
                           <m:r>
-                            <a:rPr lang="fr-BE" sz="2400" i="1">
-                              <a:latin typeface="Cambria Math" panose="02040503050406030204" pitchFamily="18" charset="0"/>
-                            </a:rPr>
-                            <m:t>𝑖𝑥</m:t>
+                            <a:rPr lang="fr-BE" sz="2400" b="1" i="1">
+                              <a:latin typeface="Cambria Math" panose="02040503050406030204" pitchFamily="18" charset="0"/>
+                            </a:rPr>
+                            <m:t>𝒊𝒙</m:t>
                           </m:r>
                         </m:sub>
                       </m:sSub>
                       <m:r>
-                        <a:rPr lang="fr-BE" sz="2400" i="1">
+                        <a:rPr lang="fr-BE" sz="2400" b="1" i="1">
                           <a:latin typeface="Cambria Math" panose="02040503050406030204" pitchFamily="18" charset="0"/>
                         </a:rPr>
                         <m:t>==</m:t>
@@ -14609,36 +14793,36 @@
                       <m:sSub>
                         <m:sSubPr>
                           <m:ctrlPr>
-                            <a:rPr lang="fr-BE" sz="2400" i="1">
+                            <a:rPr lang="fr-BE" sz="2400" b="1" i="1">
                               <a:latin typeface="Cambria Math" panose="02040503050406030204" pitchFamily="18" charset="0"/>
                             </a:rPr>
                           </m:ctrlPr>
                         </m:sSubPr>
                         <m:e>
                           <m:r>
-                            <a:rPr lang="fr-BE" sz="2400" i="1">
-                              <a:latin typeface="Cambria Math" panose="02040503050406030204" pitchFamily="18" charset="0"/>
-                            </a:rPr>
-                            <m:t>𝑇</m:t>
+                            <a:rPr lang="fr-BE" sz="2400" b="1" i="1">
+                              <a:latin typeface="Cambria Math" panose="02040503050406030204" pitchFamily="18" charset="0"/>
+                            </a:rPr>
+                            <m:t>𝑻</m:t>
                           </m:r>
                         </m:e>
                         <m:sub>
                           <m:r>
-                            <a:rPr lang="fr-BE" sz="2400" i="1">
-                              <a:latin typeface="Cambria Math" panose="02040503050406030204" pitchFamily="18" charset="0"/>
-                            </a:rPr>
-                            <m:t>𝑖𝑥</m:t>
+                            <a:rPr lang="fr-BE" sz="2400" b="1" i="1">
+                              <a:latin typeface="Cambria Math" panose="02040503050406030204" pitchFamily="18" charset="0"/>
+                            </a:rPr>
+                            <m:t>𝒊𝒙</m:t>
                           </m:r>
                         </m:sub>
                       </m:sSub>
                       <m:r>
-                        <a:rPr lang="fr-BE" sz="2400" i="1">
+                        <a:rPr lang="fr-BE" sz="2400" b="1" i="1">
                           <a:latin typeface="Cambria Math" panose="02040503050406030204" pitchFamily="18" charset="0"/>
                         </a:rPr>
                         <m:t> </m:t>
                       </m:r>
                       <m:r>
-                        <a:rPr lang="fr-BE" sz="2400" i="1">
+                        <a:rPr lang="fr-BE" sz="2400" b="1" i="1">
                           <a:latin typeface="Cambria Math" panose="02040503050406030204" pitchFamily="18" charset="0"/>
                           <a:ea typeface="Cambria Math" panose="02040503050406030204" pitchFamily="18" charset="0"/>
                         </a:rPr>
@@ -14647,36 +14831,36 @@
                       <m:sSub>
                         <m:sSubPr>
                           <m:ctrlPr>
-                            <a:rPr lang="fr-BE" sz="2400" i="1">
+                            <a:rPr lang="fr-BE" sz="2400" b="1" i="1">
                               <a:latin typeface="Cambria Math" panose="02040503050406030204" pitchFamily="18" charset="0"/>
                             </a:rPr>
                           </m:ctrlPr>
                         </m:sSubPr>
                         <m:e>
                           <m:r>
-                            <a:rPr lang="fr-BE" sz="2400" i="1">
+                            <a:rPr lang="fr-BE" sz="2400" b="1" i="1">
                               <a:latin typeface="Cambria Math" panose="02040503050406030204" pitchFamily="18" charset="0"/>
                             </a:rPr>
                             <m:t> </m:t>
                           </m:r>
                           <m:r>
-                            <a:rPr lang="fr-BE" sz="2400" i="1">
-                              <a:latin typeface="Cambria Math" panose="02040503050406030204" pitchFamily="18" charset="0"/>
-                            </a:rPr>
-                            <m:t>𝑡</m:t>
+                            <a:rPr lang="fr-BE" sz="2400" b="1" i="1">
+                              <a:latin typeface="Cambria Math" panose="02040503050406030204" pitchFamily="18" charset="0"/>
+                            </a:rPr>
+                            <m:t>𝒕</m:t>
                           </m:r>
                         </m:e>
                         <m:sub>
                           <m:r>
-                            <a:rPr lang="fr-BE" sz="2400" i="1">
-                              <a:latin typeface="Cambria Math" panose="02040503050406030204" pitchFamily="18" charset="0"/>
-                            </a:rPr>
-                            <m:t>𝑖𝑦</m:t>
+                            <a:rPr lang="fr-BE" sz="2400" b="1" i="1">
+                              <a:latin typeface="Cambria Math" panose="02040503050406030204" pitchFamily="18" charset="0"/>
+                            </a:rPr>
+                            <m:t>𝒊𝒚</m:t>
                           </m:r>
                         </m:sub>
                       </m:sSub>
                       <m:r>
-                        <a:rPr lang="fr-BE" sz="2400" i="1">
+                        <a:rPr lang="fr-BE" sz="2400" b="1" i="1">
                           <a:latin typeface="Cambria Math" panose="02040503050406030204" pitchFamily="18" charset="0"/>
                         </a:rPr>
                         <m:t>==</m:t>
@@ -14684,32 +14868,32 @@
                       <m:sSub>
                         <m:sSubPr>
                           <m:ctrlPr>
-                            <a:rPr lang="fr-BE" sz="2400" i="1">
+                            <a:rPr lang="fr-BE" sz="2400" b="1" i="1">
                               <a:latin typeface="Cambria Math" panose="02040503050406030204" pitchFamily="18" charset="0"/>
                             </a:rPr>
                           </m:ctrlPr>
                         </m:sSubPr>
                         <m:e>
                           <m:r>
-                            <a:rPr lang="fr-BE" sz="2400" i="1">
-                              <a:latin typeface="Cambria Math" panose="02040503050406030204" pitchFamily="18" charset="0"/>
-                            </a:rPr>
-                            <m:t>𝑇</m:t>
+                            <a:rPr lang="fr-BE" sz="2400" b="1" i="1">
+                              <a:latin typeface="Cambria Math" panose="02040503050406030204" pitchFamily="18" charset="0"/>
+                            </a:rPr>
+                            <m:t>𝑻</m:t>
                           </m:r>
                         </m:e>
                         <m:sub>
                           <m:r>
-                            <a:rPr lang="fr-BE" sz="2400" i="1">
-                              <a:latin typeface="Cambria Math" panose="02040503050406030204" pitchFamily="18" charset="0"/>
-                            </a:rPr>
-                            <m:t>𝑖𝑦</m:t>
+                            <a:rPr lang="fr-BE" sz="2400" b="1" i="1">
+                              <a:latin typeface="Cambria Math" panose="02040503050406030204" pitchFamily="18" charset="0"/>
+                            </a:rPr>
+                            <m:t>𝒊𝒚</m:t>
                           </m:r>
                         </m:sub>
                       </m:sSub>
                     </m:oMath>
                   </m:oMathPara>
                 </a14:m>
-                <a:endParaRPr lang="fr-BE" sz="2400" dirty="0"/>
+                <a:endParaRPr lang="fr-BE" sz="2400" b="1" dirty="0"/>
               </a:p>
             </p:txBody>
           </p:sp>
@@ -14740,7 +14924,7 @@
               <a:blipFill>
                 <a:blip r:embed="rId10"/>
                 <a:stretch>
-                  <a:fillRect b="-9877"/>
+                  <a:fillRect b="-12346"/>
                 </a:stretch>
               </a:blipFill>
             </p:spPr>
@@ -14749,7 +14933,7 @@
               <a:lstStyle/>
               <a:p>
                 <a:r>
-                  <a:rPr lang="fr-FR">
+                  <a:rPr lang="fr-BE">
                     <a:noFill/>
                   </a:rPr>
                   <a:t> </a:t>
@@ -14775,8 +14959,8 @@
             </p:nvSpPr>
             <p:spPr>
               <a:xfrm>
-                <a:off x="4424014" y="3253839"/>
-                <a:ext cx="3176196" cy="1628010"/>
+                <a:off x="4186590" y="3160479"/>
+                <a:ext cx="3176196" cy="1997342"/>
               </a:xfrm>
               <a:prstGeom prst="rect">
                 <a:avLst/>
@@ -14799,30 +14983,30 @@
                       <m:sSub>
                         <m:sSubPr>
                           <m:ctrlPr>
-                            <a:rPr lang="fr-BE" sz="2400" i="1">
+                            <a:rPr lang="fr-BE" sz="2400" b="1" i="1" smtClean="0">
                               <a:latin typeface="Cambria Math" panose="02040503050406030204" pitchFamily="18" charset="0"/>
                             </a:rPr>
                           </m:ctrlPr>
                         </m:sSubPr>
                         <m:e>
                           <m:r>
-                            <a:rPr lang="fr-BE" sz="2400" i="1">
-                              <a:latin typeface="Cambria Math" panose="02040503050406030204" pitchFamily="18" charset="0"/>
-                            </a:rPr>
-                            <m:t>𝑡</m:t>
+                            <a:rPr lang="fr-BE" sz="2400" b="1" i="1">
+                              <a:latin typeface="Cambria Math" panose="02040503050406030204" pitchFamily="18" charset="0"/>
+                            </a:rPr>
+                            <m:t>𝒕</m:t>
                           </m:r>
                         </m:e>
                         <m:sub>
                           <m:r>
-                            <a:rPr lang="fr-BE" sz="2400" i="1">
-                              <a:latin typeface="Cambria Math" panose="02040503050406030204" pitchFamily="18" charset="0"/>
-                            </a:rPr>
-                            <m:t>𝑖𝑥</m:t>
+                            <a:rPr lang="fr-BE" sz="2400" b="1" i="1">
+                              <a:latin typeface="Cambria Math" panose="02040503050406030204" pitchFamily="18" charset="0"/>
+                            </a:rPr>
+                            <m:t>𝒊𝒙</m:t>
                           </m:r>
                         </m:sub>
                       </m:sSub>
                       <m:r>
-                        <a:rPr lang="fr-BE" sz="2400" i="1">
+                        <a:rPr lang="fr-BE" sz="2400" b="1" i="1">
                           <a:latin typeface="Cambria Math" panose="02040503050406030204" pitchFamily="18" charset="0"/>
                         </a:rPr>
                         <m:t>&lt;</m:t>
@@ -14830,36 +15014,36 @@
                       <m:sSub>
                         <m:sSubPr>
                           <m:ctrlPr>
-                            <a:rPr lang="fr-BE" sz="2400" i="1">
+                            <a:rPr lang="fr-BE" sz="2400" b="1" i="1">
                               <a:latin typeface="Cambria Math" panose="02040503050406030204" pitchFamily="18" charset="0"/>
                             </a:rPr>
                           </m:ctrlPr>
                         </m:sSubPr>
                         <m:e>
                           <m:r>
-                            <a:rPr lang="fr-BE" sz="2400" i="1">
-                              <a:latin typeface="Cambria Math" panose="02040503050406030204" pitchFamily="18" charset="0"/>
-                            </a:rPr>
-                            <m:t>𝑇</m:t>
+                            <a:rPr lang="fr-BE" sz="2400" b="1" i="1">
+                              <a:latin typeface="Cambria Math" panose="02040503050406030204" pitchFamily="18" charset="0"/>
+                            </a:rPr>
+                            <m:t>𝑻</m:t>
                           </m:r>
                         </m:e>
                         <m:sub>
                           <m:r>
-                            <a:rPr lang="fr-BE" sz="2400" i="1">
-                              <a:latin typeface="Cambria Math" panose="02040503050406030204" pitchFamily="18" charset="0"/>
-                            </a:rPr>
-                            <m:t>𝑖𝑥</m:t>
+                            <a:rPr lang="fr-BE" sz="2400" b="1" i="1">
+                              <a:latin typeface="Cambria Math" panose="02040503050406030204" pitchFamily="18" charset="0"/>
+                            </a:rPr>
+                            <m:t>𝒊𝒙</m:t>
                           </m:r>
                         </m:sub>
                       </m:sSub>
                       <m:r>
-                        <a:rPr lang="fr-BE" sz="2400" i="1">
+                        <a:rPr lang="fr-BE" sz="2400" b="1" i="1">
                           <a:latin typeface="Cambria Math" panose="02040503050406030204" pitchFamily="18" charset="0"/>
                         </a:rPr>
                         <m:t> </m:t>
                       </m:r>
                       <m:r>
-                        <a:rPr lang="fr-BE" sz="2400" i="1">
+                        <a:rPr lang="fr-BE" sz="2400" b="1" i="1">
                           <a:latin typeface="Cambria Math" panose="02040503050406030204" pitchFamily="18" charset="0"/>
                           <a:ea typeface="Cambria Math" panose="02040503050406030204" pitchFamily="18" charset="0"/>
                         </a:rPr>
@@ -14868,36 +15052,36 @@
                       <m:sSub>
                         <m:sSubPr>
                           <m:ctrlPr>
-                            <a:rPr lang="fr-BE" sz="2400" i="1">
+                            <a:rPr lang="fr-BE" sz="2400" b="1" i="1">
                               <a:latin typeface="Cambria Math" panose="02040503050406030204" pitchFamily="18" charset="0"/>
                             </a:rPr>
                           </m:ctrlPr>
                         </m:sSubPr>
                         <m:e>
                           <m:r>
-                            <a:rPr lang="fr-BE" sz="2400" i="1">
+                            <a:rPr lang="fr-BE" sz="2400" b="1" i="1">
                               <a:latin typeface="Cambria Math" panose="02040503050406030204" pitchFamily="18" charset="0"/>
                             </a:rPr>
                             <m:t> </m:t>
                           </m:r>
                           <m:r>
-                            <a:rPr lang="fr-BE" sz="2400" i="1">
-                              <a:latin typeface="Cambria Math" panose="02040503050406030204" pitchFamily="18" charset="0"/>
-                            </a:rPr>
-                            <m:t>𝑡</m:t>
+                            <a:rPr lang="fr-BE" sz="2400" b="1" i="1">
+                              <a:latin typeface="Cambria Math" panose="02040503050406030204" pitchFamily="18" charset="0"/>
+                            </a:rPr>
+                            <m:t>𝒕</m:t>
                           </m:r>
                         </m:e>
                         <m:sub>
                           <m:r>
-                            <a:rPr lang="fr-BE" sz="2400" i="1">
-                              <a:latin typeface="Cambria Math" panose="02040503050406030204" pitchFamily="18" charset="0"/>
-                            </a:rPr>
-                            <m:t>𝑖𝑦</m:t>
+                            <a:rPr lang="fr-BE" sz="2400" b="1" i="1">
+                              <a:latin typeface="Cambria Math" panose="02040503050406030204" pitchFamily="18" charset="0"/>
+                            </a:rPr>
+                            <m:t>𝒊𝒚</m:t>
                           </m:r>
                         </m:sub>
                       </m:sSub>
                       <m:r>
-                        <a:rPr lang="fr-BE" sz="2400" i="1">
+                        <a:rPr lang="fr-BE" sz="2400" b="1" i="1">
                           <a:latin typeface="Cambria Math" panose="02040503050406030204" pitchFamily="18" charset="0"/>
                         </a:rPr>
                         <m:t>&lt;</m:t>
@@ -14905,32 +15089,32 @@
                       <m:sSub>
                         <m:sSubPr>
                           <m:ctrlPr>
-                            <a:rPr lang="fr-BE" sz="2400" i="1">
+                            <a:rPr lang="fr-BE" sz="2400" b="1" i="1">
                               <a:latin typeface="Cambria Math" panose="02040503050406030204" pitchFamily="18" charset="0"/>
                             </a:rPr>
                           </m:ctrlPr>
                         </m:sSubPr>
                         <m:e>
                           <m:r>
-                            <a:rPr lang="fr-BE" sz="2400" i="1">
-                              <a:latin typeface="Cambria Math" panose="02040503050406030204" pitchFamily="18" charset="0"/>
-                            </a:rPr>
-                            <m:t>𝑇</m:t>
+                            <a:rPr lang="fr-BE" sz="2400" b="1" i="1">
+                              <a:latin typeface="Cambria Math" panose="02040503050406030204" pitchFamily="18" charset="0"/>
+                            </a:rPr>
+                            <m:t>𝑻</m:t>
                           </m:r>
                         </m:e>
                         <m:sub>
                           <m:r>
-                            <a:rPr lang="fr-BE" sz="2400" i="1">
-                              <a:latin typeface="Cambria Math" panose="02040503050406030204" pitchFamily="18" charset="0"/>
-                            </a:rPr>
-                            <m:t>𝑖𝑦</m:t>
+                            <a:rPr lang="fr-BE" sz="2400" b="1" i="1">
+                              <a:latin typeface="Cambria Math" panose="02040503050406030204" pitchFamily="18" charset="0"/>
+                            </a:rPr>
+                            <m:t>𝒊𝒚</m:t>
                           </m:r>
                         </m:sub>
                       </m:sSub>
                     </m:oMath>
                   </m:oMathPara>
                 </a14:m>
-                <a:endParaRPr lang="fr-BE" sz="2400" dirty="0"/>
+                <a:endParaRPr lang="fr-BE" sz="2400" b="1" dirty="0"/>
               </a:p>
               <a:p>
                 <a:pPr/>
@@ -14950,7 +15134,7 @@
                         <a:rPr lang="fr-BE" sz="2400" i="1">
                           <a:latin typeface="Cambria Math" panose="02040503050406030204" pitchFamily="18" charset="0"/>
                         </a:rPr>
-                        <m:t>=0</m:t>
+                        <m:t>=1</m:t>
                       </m:r>
                     </m:oMath>
                   </m:oMathPara>
@@ -15086,6 +15270,50 @@
                     </m:oMath>
                   </m:oMathPara>
                 </a14:m>
+                <a:endParaRPr lang="fr-FR" sz="2400" dirty="0"/>
+              </a:p>
+              <a:p>
+                <a:pPr/>
+                <a14:m>
+                  <m:oMathPara xmlns:m="http://schemas.openxmlformats.org/officeDocument/2006/math">
+                    <m:oMathParaPr>
+                      <m:jc m:val="centerGroup"/>
+                    </m:oMathParaPr>
+                    <m:oMath xmlns:m="http://schemas.openxmlformats.org/officeDocument/2006/math">
+                      <m:sSub>
+                        <m:sSubPr>
+                          <m:ctrlPr>
+                            <a:rPr lang="fr-FR" sz="2400" b="0" i="1" smtClean="0">
+                              <a:latin typeface="Cambria Math" panose="02040503050406030204" pitchFamily="18" charset="0"/>
+                            </a:rPr>
+                          </m:ctrlPr>
+                        </m:sSubPr>
+                        <m:e>
+                          <m:r>
+                            <a:rPr lang="fr-FR" sz="2400" b="0" i="1" smtClean="0">
+                              <a:latin typeface="Cambria Math" panose="02040503050406030204" pitchFamily="18" charset="0"/>
+                            </a:rPr>
+                            <m:t>𝑤</m:t>
+                          </m:r>
+                        </m:e>
+                        <m:sub>
+                          <m:r>
+                            <a:rPr lang="fr-FR" sz="2400" b="0" i="1" smtClean="0">
+                              <a:latin typeface="Cambria Math" panose="02040503050406030204" pitchFamily="18" charset="0"/>
+                            </a:rPr>
+                            <m:t>𝑑𝑎𝑡𝑎</m:t>
+                          </m:r>
+                        </m:sub>
+                      </m:sSub>
+                      <m:r>
+                        <a:rPr lang="fr-FR" sz="2400" b="0" i="1" smtClean="0">
+                          <a:latin typeface="Cambria Math" panose="02040503050406030204" pitchFamily="18" charset="0"/>
+                        </a:rPr>
+                        <m:t>=0</m:t>
+                      </m:r>
+                    </m:oMath>
+                  </m:oMathPara>
+                </a14:m>
                 <a:endParaRPr lang="fr-BE" sz="2400" dirty="0"/>
               </a:p>
             </p:txBody>
@@ -15108,8 +15336,8 @@
             </p:nvSpPr>
             <p:spPr>
               <a:xfrm>
-                <a:off x="4424014" y="3253839"/>
-                <a:ext cx="3176196" cy="1628010"/>
+                <a:off x="4186590" y="3160479"/>
+                <a:ext cx="3176196" cy="1997342"/>
               </a:xfrm>
               <a:prstGeom prst="rect">
                 <a:avLst/>
@@ -15117,7 +15345,7 @@
               <a:blipFill>
                 <a:blip r:embed="rId11"/>
                 <a:stretch>
-                  <a:fillRect b="-4120"/>
+                  <a:fillRect/>
                 </a:stretch>
               </a:blipFill>
             </p:spPr>
@@ -15126,7 +15354,7 @@
               <a:lstStyle/>
               <a:p>
                 <a:r>
-                  <a:rPr lang="fr-FR">
+                  <a:rPr lang="fr-BE">
                     <a:noFill/>
                   </a:rPr>
                   <a:t> </a:t>
@@ -15153,7 +15381,7 @@
             <p:spPr>
               <a:xfrm>
                 <a:off x="8932372" y="6403823"/>
-                <a:ext cx="1864115" cy="491738"/>
+                <a:ext cx="1864115" cy="496611"/>
               </a:xfrm>
               <a:prstGeom prst="rect">
                 <a:avLst/>
@@ -15174,14 +15402,14 @@
                     </m:oMathParaPr>
                     <m:oMath xmlns:m="http://schemas.openxmlformats.org/officeDocument/2006/math">
                       <m:r>
-                        <a:rPr lang="fr-BE" sz="2400" i="1">
+                        <a:rPr lang="fr-BE" sz="2400" b="1" i="1">
                           <a:latin typeface="Cambria Math" panose="02040503050406030204" pitchFamily="18" charset="0"/>
                           <a:ea typeface="Cambria Math" panose="02040503050406030204" pitchFamily="18" charset="0"/>
                         </a:rPr>
-                        <m:t>𝑔𝑟</m:t>
+                        <m:t>𝒈𝒓</m:t>
                       </m:r>
                       <m:r>
-                        <a:rPr lang="fr-BE" sz="2400" i="1">
+                        <a:rPr lang="fr-BE" sz="2400" b="1" i="1">
                           <a:latin typeface="Cambria Math" panose="02040503050406030204" pitchFamily="18" charset="0"/>
                           <a:ea typeface="Cambria Math" panose="02040503050406030204" pitchFamily="18" charset="0"/>
                         </a:rPr>
@@ -15190,32 +15418,32 @@
                       <m:sSub>
                         <m:sSubPr>
                           <m:ctrlPr>
-                            <a:rPr lang="fr-BE" sz="2400" i="1">
+                            <a:rPr lang="fr-BE" sz="2400" b="1" i="1">
                               <a:latin typeface="Cambria Math" panose="02040503050406030204" pitchFamily="18" charset="0"/>
                             </a:rPr>
                           </m:ctrlPr>
                         </m:sSubPr>
                         <m:e>
                           <m:r>
-                            <a:rPr lang="fr-BE" sz="2400" i="1">
-                              <a:latin typeface="Cambria Math" panose="02040503050406030204" pitchFamily="18" charset="0"/>
-                            </a:rPr>
-                            <m:t>𝑁</m:t>
+                            <a:rPr lang="fr-BE" sz="2400" b="1" i="1">
+                              <a:latin typeface="Cambria Math" panose="02040503050406030204" pitchFamily="18" charset="0"/>
+                            </a:rPr>
+                            <m:t>𝑵</m:t>
                           </m:r>
                         </m:e>
                         <m:sub>
                           <m:r>
-                            <a:rPr lang="fr-BE" sz="2400" i="1">
-                              <a:latin typeface="Cambria Math" panose="02040503050406030204" pitchFamily="18" charset="0"/>
-                            </a:rPr>
-                            <m:t>𝑔𝑟</m:t>
+                            <a:rPr lang="fr-BE" sz="2400" b="1" i="1">
+                              <a:latin typeface="Cambria Math" panose="02040503050406030204" pitchFamily="18" charset="0"/>
+                            </a:rPr>
+                            <m:t>𝒈𝒓</m:t>
                           </m:r>
                         </m:sub>
                       </m:sSub>
                     </m:oMath>
                   </m:oMathPara>
                 </a14:m>
-                <a:endParaRPr lang="fr-BE" sz="2400" dirty="0"/>
+                <a:endParaRPr lang="fr-BE" sz="2400" b="1" dirty="0"/>
               </a:p>
             </p:txBody>
           </p:sp>
@@ -15238,7 +15466,7 @@
             <p:spPr>
               <a:xfrm>
                 <a:off x="8932372" y="6403823"/>
-                <a:ext cx="1864115" cy="491738"/>
+                <a:ext cx="1864115" cy="496611"/>
               </a:xfrm>
               <a:prstGeom prst="rect">
                 <a:avLst/>
@@ -15246,7 +15474,7 @@
               <a:blipFill>
                 <a:blip r:embed="rId12"/>
                 <a:stretch>
-                  <a:fillRect b="-7407"/>
+                  <a:fillRect b="-6098"/>
                 </a:stretch>
               </a:blipFill>
             </p:spPr>
@@ -15255,7 +15483,7 @@
               <a:lstStyle/>
               <a:p>
                 <a:r>
-                  <a:rPr lang="fr-FR">
+                  <a:rPr lang="fr-BE">
                     <a:noFill/>
                   </a:rPr>
                   <a:t> </a:t>
@@ -15303,14 +15531,14 @@
                     </m:oMathParaPr>
                     <m:oMath xmlns:m="http://schemas.openxmlformats.org/officeDocument/2006/math">
                       <m:r>
-                        <a:rPr lang="fr-BE" sz="2400" i="1">
+                        <a:rPr lang="fr-BE" sz="2400" b="1" i="1" smtClean="0">
                           <a:latin typeface="Cambria Math" panose="02040503050406030204" pitchFamily="18" charset="0"/>
                           <a:ea typeface="Cambria Math" panose="02040503050406030204" pitchFamily="18" charset="0"/>
                         </a:rPr>
-                        <m:t>𝑔𝑟</m:t>
+                        <m:t>𝒈𝒓</m:t>
                       </m:r>
                       <m:r>
-                        <a:rPr lang="fr-BE" sz="2400" i="1">
+                        <a:rPr lang="fr-BE" sz="2400" b="1" i="1" smtClean="0">
                           <a:latin typeface="Cambria Math" panose="02040503050406030204" pitchFamily="18" charset="0"/>
                           <a:ea typeface="Cambria Math" panose="02040503050406030204" pitchFamily="18" charset="0"/>
                         </a:rPr>
@@ -15319,32 +15547,32 @@
                       <m:sSub>
                         <m:sSubPr>
                           <m:ctrlPr>
-                            <a:rPr lang="fr-BE" sz="2400" i="1">
+                            <a:rPr lang="fr-BE" sz="2400" b="1" i="1">
                               <a:latin typeface="Cambria Math" panose="02040503050406030204" pitchFamily="18" charset="0"/>
                             </a:rPr>
                           </m:ctrlPr>
                         </m:sSubPr>
                         <m:e>
                           <m:r>
-                            <a:rPr lang="fr-BE" sz="2400" i="1">
-                              <a:latin typeface="Cambria Math" panose="02040503050406030204" pitchFamily="18" charset="0"/>
-                            </a:rPr>
-                            <m:t>𝑁</m:t>
+                            <a:rPr lang="fr-BE" sz="2400" b="1" i="1">
+                              <a:latin typeface="Cambria Math" panose="02040503050406030204" pitchFamily="18" charset="0"/>
+                            </a:rPr>
+                            <m:t>𝑵</m:t>
                           </m:r>
                         </m:e>
                         <m:sub>
                           <m:r>
-                            <a:rPr lang="fr-BE" sz="2400" i="1">
-                              <a:latin typeface="Cambria Math" panose="02040503050406030204" pitchFamily="18" charset="0"/>
-                            </a:rPr>
-                            <m:t>𝑔𝑟</m:t>
+                            <a:rPr lang="fr-BE" sz="2400" b="1" i="1">
+                              <a:latin typeface="Cambria Math" panose="02040503050406030204" pitchFamily="18" charset="0"/>
+                            </a:rPr>
+                            <m:t>𝒈𝒓</m:t>
                           </m:r>
                         </m:sub>
                       </m:sSub>
                     </m:oMath>
                   </m:oMathPara>
                 </a14:m>
-                <a:endParaRPr lang="fr-BE" sz="2400" dirty="0"/>
+                <a:endParaRPr lang="fr-BE" sz="2400" b="1" dirty="0"/>
               </a:p>
               <a:p>
                 <a:pPr/>
@@ -15383,7 +15611,13 @@
                         <a:rPr lang="fr-BE" sz="2400" i="1">
                           <a:latin typeface="Cambria Math" panose="02040503050406030204" pitchFamily="18" charset="0"/>
                         </a:rPr>
-                        <m:t>=0</m:t>
+                        <m:t>=</m:t>
+                      </m:r>
+                      <m:r>
+                        <a:rPr lang="fr-FR" sz="2400" b="0" i="1" smtClean="0">
+                          <a:latin typeface="Cambria Math" panose="02040503050406030204" pitchFamily="18" charset="0"/>
+                        </a:rPr>
+                        <m:t>1</m:t>
                       </m:r>
                     </m:oMath>
                   </m:oMathPara>
@@ -15481,7 +15715,7 @@
               <a:lstStyle/>
               <a:p>
                 <a:r>
-                  <a:rPr lang="fr-FR">
+                  <a:rPr lang="fr-BE">
                     <a:noFill/>
                   </a:rPr>
                   <a:t> </a:t>
@@ -15508,7 +15742,7 @@
             <p:spPr>
               <a:xfrm>
                 <a:off x="8428676" y="4067845"/>
-                <a:ext cx="1864115" cy="491288"/>
+                <a:ext cx="1864115" cy="496674"/>
               </a:xfrm>
               <a:prstGeom prst="rect">
                 <a:avLst/>
@@ -15531,30 +15765,30 @@
                       <m:sSub>
                         <m:sSubPr>
                           <m:ctrlPr>
-                            <a:rPr lang="fr-BE" sz="2400" i="1">
+                            <a:rPr lang="fr-BE" sz="2400" b="1" i="1">
                               <a:latin typeface="Cambria Math" panose="02040503050406030204" pitchFamily="18" charset="0"/>
                             </a:rPr>
                           </m:ctrlPr>
                         </m:sSubPr>
                         <m:e>
                           <m:r>
-                            <a:rPr lang="fr-BE" sz="2400" i="1">
-                              <a:latin typeface="Cambria Math" panose="02040503050406030204" pitchFamily="18" charset="0"/>
-                            </a:rPr>
-                            <m:t>𝑡</m:t>
+                            <a:rPr lang="fr-BE" sz="2400" b="1" i="1">
+                              <a:latin typeface="Cambria Math" panose="02040503050406030204" pitchFamily="18" charset="0"/>
+                            </a:rPr>
+                            <m:t>𝒕</m:t>
                           </m:r>
                         </m:e>
                         <m:sub>
                           <m:r>
-                            <a:rPr lang="fr-BE" sz="2400" i="1">
-                              <a:latin typeface="Cambria Math" panose="02040503050406030204" pitchFamily="18" charset="0"/>
-                            </a:rPr>
-                            <m:t>𝑖𝑓</m:t>
+                            <a:rPr lang="fr-BE" sz="2400" b="1" i="1">
+                              <a:latin typeface="Cambria Math" panose="02040503050406030204" pitchFamily="18" charset="0"/>
+                            </a:rPr>
+                            <m:t>𝒊𝒇</m:t>
                           </m:r>
                         </m:sub>
                       </m:sSub>
                       <m:r>
-                        <a:rPr lang="fr-BE" sz="2400" i="1">
+                        <a:rPr lang="fr-BE" sz="2400" b="1" i="1">
                           <a:latin typeface="Cambria Math" panose="02040503050406030204" pitchFamily="18" charset="0"/>
                         </a:rPr>
                         <m:t>==</m:t>
@@ -15562,32 +15796,32 @@
                       <m:sSub>
                         <m:sSubPr>
                           <m:ctrlPr>
-                            <a:rPr lang="fr-BE" sz="2400" i="1">
+                            <a:rPr lang="fr-BE" sz="2400" b="1" i="1">
                               <a:latin typeface="Cambria Math" panose="02040503050406030204" pitchFamily="18" charset="0"/>
                             </a:rPr>
                           </m:ctrlPr>
                         </m:sSubPr>
                         <m:e>
                           <m:r>
-                            <a:rPr lang="fr-BE" sz="2400" i="1">
-                              <a:latin typeface="Cambria Math" panose="02040503050406030204" pitchFamily="18" charset="0"/>
-                            </a:rPr>
-                            <m:t>𝑁</m:t>
+                            <a:rPr lang="fr-BE" sz="2400" b="1" i="1">
+                              <a:latin typeface="Cambria Math" panose="02040503050406030204" pitchFamily="18" charset="0"/>
+                            </a:rPr>
+                            <m:t>𝑵</m:t>
                           </m:r>
                         </m:e>
                         <m:sub>
                           <m:r>
-                            <a:rPr lang="fr-BE" sz="2400" i="1">
-                              <a:latin typeface="Cambria Math" panose="02040503050406030204" pitchFamily="18" charset="0"/>
-                            </a:rPr>
-                            <m:t>𝑝𝑎𝑟</m:t>
+                            <a:rPr lang="fr-BE" sz="2400" b="1" i="1">
+                              <a:latin typeface="Cambria Math" panose="02040503050406030204" pitchFamily="18" charset="0"/>
+                            </a:rPr>
+                            <m:t>𝒑𝒂𝒓</m:t>
                           </m:r>
                         </m:sub>
                       </m:sSub>
                     </m:oMath>
                   </m:oMathPara>
                 </a14:m>
-                <a:endParaRPr lang="fr-BE" sz="2400" dirty="0"/>
+                <a:endParaRPr lang="fr-BE" sz="2400" b="1" dirty="0"/>
               </a:p>
             </p:txBody>
           </p:sp>
@@ -15610,7 +15844,7 @@
             <p:spPr>
               <a:xfrm>
                 <a:off x="8428676" y="4067845"/>
-                <a:ext cx="1864115" cy="491288"/>
+                <a:ext cx="1864115" cy="496674"/>
               </a:xfrm>
               <a:prstGeom prst="rect">
                 <a:avLst/>
@@ -15618,7 +15852,7 @@
               <a:blipFill>
                 <a:blip r:embed="rId14"/>
                 <a:stretch>
-                  <a:fillRect b="-12346"/>
+                  <a:fillRect b="-10976"/>
                 </a:stretch>
               </a:blipFill>
             </p:spPr>
@@ -15627,7 +15861,7 @@
               <a:lstStyle/>
               <a:p>
                 <a:r>
-                  <a:rPr lang="fr-FR">
+                  <a:rPr lang="fr-BE">
                     <a:noFill/>
                   </a:rPr>
                   <a:t> </a:t>
@@ -15701,7 +15935,7 @@
             <p:spPr>
               <a:xfrm>
                 <a:off x="8139653" y="944697"/>
-                <a:ext cx="1864115" cy="491288"/>
+                <a:ext cx="1864115" cy="496674"/>
               </a:xfrm>
               <a:prstGeom prst="rect">
                 <a:avLst/>
@@ -15724,30 +15958,30 @@
                       <m:sSub>
                         <m:sSubPr>
                           <m:ctrlPr>
-                            <a:rPr lang="fr-BE" sz="2400" i="1">
+                            <a:rPr lang="fr-BE" sz="2400" b="1" i="1">
                               <a:latin typeface="Cambria Math" panose="02040503050406030204" pitchFamily="18" charset="0"/>
                             </a:rPr>
                           </m:ctrlPr>
                         </m:sSubPr>
                         <m:e>
                           <m:r>
-                            <a:rPr lang="fr-BE" sz="2400" i="1">
-                              <a:latin typeface="Cambria Math" panose="02040503050406030204" pitchFamily="18" charset="0"/>
-                            </a:rPr>
-                            <m:t>𝑡</m:t>
+                            <a:rPr lang="fr-BE" sz="2400" b="1" i="1">
+                              <a:latin typeface="Cambria Math" panose="02040503050406030204" pitchFamily="18" charset="0"/>
+                            </a:rPr>
+                            <m:t>𝒕</m:t>
                           </m:r>
                         </m:e>
                         <m:sub>
                           <m:r>
-                            <a:rPr lang="fr-BE" sz="2400" i="1">
-                              <a:latin typeface="Cambria Math" panose="02040503050406030204" pitchFamily="18" charset="0"/>
-                            </a:rPr>
-                            <m:t>𝑖𝑓</m:t>
+                            <a:rPr lang="fr-BE" sz="2400" b="1" i="1">
+                              <a:latin typeface="Cambria Math" panose="02040503050406030204" pitchFamily="18" charset="0"/>
+                            </a:rPr>
+                            <m:t>𝒊𝒇</m:t>
                           </m:r>
                         </m:sub>
                       </m:sSub>
                       <m:r>
-                        <a:rPr lang="fr-BE" sz="2400" i="1">
+                        <a:rPr lang="fr-BE" sz="2400" b="1" i="1">
                           <a:latin typeface="Cambria Math" panose="02040503050406030204" pitchFamily="18" charset="0"/>
                         </a:rPr>
                         <m:t>&lt;</m:t>
@@ -15755,32 +15989,32 @@
                       <m:sSub>
                         <m:sSubPr>
                           <m:ctrlPr>
-                            <a:rPr lang="fr-BE" sz="2400" i="1">
+                            <a:rPr lang="fr-BE" sz="2400" b="1" i="1">
                               <a:latin typeface="Cambria Math" panose="02040503050406030204" pitchFamily="18" charset="0"/>
                             </a:rPr>
                           </m:ctrlPr>
                         </m:sSubPr>
                         <m:e>
                           <m:r>
-                            <a:rPr lang="fr-BE" sz="2400" i="1">
-                              <a:latin typeface="Cambria Math" panose="02040503050406030204" pitchFamily="18" charset="0"/>
-                            </a:rPr>
-                            <m:t>𝑁</m:t>
+                            <a:rPr lang="fr-BE" sz="2400" b="1" i="1">
+                              <a:latin typeface="Cambria Math" panose="02040503050406030204" pitchFamily="18" charset="0"/>
+                            </a:rPr>
+                            <m:t>𝑵</m:t>
                           </m:r>
                         </m:e>
                         <m:sub>
                           <m:r>
-                            <a:rPr lang="fr-BE" sz="2400" i="1">
-                              <a:latin typeface="Cambria Math" panose="02040503050406030204" pitchFamily="18" charset="0"/>
-                            </a:rPr>
-                            <m:t>𝑝𝑎𝑟</m:t>
+                            <a:rPr lang="fr-BE" sz="2400" b="1" i="1">
+                              <a:latin typeface="Cambria Math" panose="02040503050406030204" pitchFamily="18" charset="0"/>
+                            </a:rPr>
+                            <m:t>𝒑𝒂𝒓</m:t>
                           </m:r>
                         </m:sub>
                       </m:sSub>
                     </m:oMath>
                   </m:oMathPara>
                 </a14:m>
-                <a:endParaRPr lang="fr-BE" sz="2400" dirty="0"/>
+                <a:endParaRPr lang="fr-BE" sz="2400" b="1" dirty="0"/>
               </a:p>
             </p:txBody>
           </p:sp>
@@ -15803,7 +16037,7 @@
             <p:spPr>
               <a:xfrm>
                 <a:off x="8139653" y="944697"/>
-                <a:ext cx="1864115" cy="491288"/>
+                <a:ext cx="1864115" cy="496674"/>
               </a:xfrm>
               <a:prstGeom prst="rect">
                 <a:avLst/>
@@ -15811,7 +16045,7 @@
               <a:blipFill>
                 <a:blip r:embed="rId15"/>
                 <a:stretch>
-                  <a:fillRect b="-11111"/>
+                  <a:fillRect b="-12346"/>
                 </a:stretch>
               </a:blipFill>
             </p:spPr>
@@ -15820,7 +16054,7 @@
               <a:lstStyle/>
               <a:p>
                 <a:r>
-                  <a:rPr lang="fr-FR">
+                  <a:rPr lang="fr-BE">
                     <a:noFill/>
                   </a:rPr>
                   <a:t> </a:t>
@@ -16002,15 +16236,15 @@
                     </m:oMathParaPr>
                     <m:oMath xmlns:m="http://schemas.openxmlformats.org/officeDocument/2006/math">
                       <m:r>
-                        <a:rPr lang="fr-FR" sz="2210" i="1">
+                        <a:rPr lang="fr-FR" sz="2210" b="1" i="1">
                           <a:latin typeface="Cambria Math" panose="02040503050406030204" pitchFamily="18" charset="0"/>
                         </a:rPr>
-                        <m:t>𝑟𝑠𝑡</m:t>
+                        <m:t>𝒓𝒔𝒕</m:t>
                       </m:r>
                     </m:oMath>
                   </m:oMathPara>
                 </a14:m>
-                <a:endParaRPr lang="fr-BE" sz="2210" dirty="0"/>
+                <a:endParaRPr lang="fr-BE" sz="2210" b="1" dirty="0"/>
               </a:p>
             </p:txBody>
           </p:sp>
@@ -16050,7 +16284,7 @@
               <a:lstStyle/>
               <a:p>
                 <a:r>
-                  <a:rPr lang="fr-FR">
+                  <a:rPr lang="fr-BE">
                     <a:noFill/>
                   </a:rPr>
                   <a:t> </a:t>
@@ -16148,7 +16382,7 @@
                         <m:barPr>
                           <m:pos m:val="top"/>
                           <m:ctrlPr>
-                            <a:rPr lang="fr-BE" sz="2210" i="1">
+                            <a:rPr lang="fr-BE" sz="2210" b="1" i="1">
                               <a:latin typeface="Cambria Math" panose="02040503050406030204" pitchFamily="18" charset="0"/>
                             </a:rPr>
                           </m:ctrlPr>
@@ -16157,25 +16391,25 @@
                           <m:sSub>
                             <m:sSubPr>
                               <m:ctrlPr>
-                                <a:rPr lang="fr-BE" sz="2210" i="1">
+                                <a:rPr lang="fr-BE" sz="2210" b="1" i="1">
                                   <a:latin typeface="Cambria Math" panose="02040503050406030204" pitchFamily="18" charset="0"/>
                                 </a:rPr>
                               </m:ctrlPr>
                             </m:sSubPr>
                             <m:e>
                               <m:r>
-                                <a:rPr lang="fr-BE" sz="2210" i="1">
+                                <a:rPr lang="fr-BE" sz="2210" b="1" i="1">
                                   <a:latin typeface="Cambria Math" panose="02040503050406030204" pitchFamily="18" charset="0"/>
                                 </a:rPr>
-                                <m:t>𝑠</m:t>
+                                <m:t>𝒔</m:t>
                               </m:r>
                             </m:e>
                             <m:sub>
                               <m:r>
-                                <a:rPr lang="fr-BE" sz="2210" i="1">
+                                <a:rPr lang="fr-BE" sz="2210" b="1" i="1">
                                   <a:latin typeface="Cambria Math" panose="02040503050406030204" pitchFamily="18" charset="0"/>
                                 </a:rPr>
-                                <m:t>𝑑𝑠𝑐</m:t>
+                                <m:t>𝒅𝒔𝒄</m:t>
                               </m:r>
                             </m:sub>
                           </m:sSub>
@@ -16184,7 +16418,7 @@
                     </m:oMath>
                   </m:oMathPara>
                 </a14:m>
-                <a:endParaRPr lang="fr-BE" sz="2210" dirty="0"/>
+                <a:endParaRPr lang="fr-BE" sz="2210" b="1" dirty="0"/>
               </a:p>
             </p:txBody>
           </p:sp>
@@ -16215,7 +16449,7 @@
               <a:blipFill>
                 <a:blip r:embed="rId3"/>
                 <a:stretch>
-                  <a:fillRect b="-1408"/>
+                  <a:fillRect b="-2817"/>
                 </a:stretch>
               </a:blipFill>
             </p:spPr>
@@ -16224,7 +16458,7 @@
               <a:lstStyle/>
               <a:p>
                 <a:r>
-                  <a:rPr lang="fr-FR">
+                  <a:rPr lang="fr-BE">
                     <a:noFill/>
                   </a:rPr>
                   <a:t> </a:t>
@@ -16276,32 +16510,32 @@
                       <m:sSub>
                         <m:sSubPr>
                           <m:ctrlPr>
-                            <a:rPr lang="fr-BE" sz="2210" i="1">
+                            <a:rPr lang="fr-BE" sz="2210" b="1" i="1">
                               <a:latin typeface="Cambria Math" panose="02040503050406030204" pitchFamily="18" charset="0"/>
                             </a:rPr>
                           </m:ctrlPr>
                         </m:sSubPr>
                         <m:e>
                           <m:r>
-                            <a:rPr lang="fr-BE" sz="2210" i="1">
-                              <a:latin typeface="Cambria Math" panose="02040503050406030204" pitchFamily="18" charset="0"/>
-                            </a:rPr>
-                            <m:t>𝑠</m:t>
+                            <a:rPr lang="fr-BE" sz="2210" b="1" i="1">
+                              <a:latin typeface="Cambria Math" panose="02040503050406030204" pitchFamily="18" charset="0"/>
+                            </a:rPr>
+                            <m:t>𝒔</m:t>
                           </m:r>
                         </m:e>
                         <m:sub>
                           <m:r>
-                            <a:rPr lang="fr-BE" sz="2210" i="1">
-                              <a:latin typeface="Cambria Math" panose="02040503050406030204" pitchFamily="18" charset="0"/>
-                            </a:rPr>
-                            <m:t>𝑑𝑠𝑐</m:t>
+                            <a:rPr lang="fr-BE" sz="2210" b="1" i="1">
+                              <a:latin typeface="Cambria Math" panose="02040503050406030204" pitchFamily="18" charset="0"/>
+                            </a:rPr>
+                            <m:t>𝒅𝒔𝒄</m:t>
                           </m:r>
                         </m:sub>
                       </m:sSub>
                     </m:oMath>
                   </m:oMathPara>
                 </a14:m>
-                <a:endParaRPr lang="fr-BE" sz="2210" dirty="0"/>
+                <a:endParaRPr lang="fr-BE" sz="2210" b="1" dirty="0"/>
               </a:p>
             </p:txBody>
           </p:sp>
@@ -16332,7 +16566,7 @@
               <a:blipFill>
                 <a:blip r:embed="rId4"/>
                 <a:stretch>
-                  <a:fillRect/>
+                  <a:fillRect b="-1408"/>
                 </a:stretch>
               </a:blipFill>
             </p:spPr>
@@ -16341,7 +16575,7 @@
               <a:lstStyle/>
               <a:p>
                 <a:r>
-                  <a:rPr lang="fr-FR">
+                  <a:rPr lang="fr-BE">
                     <a:noFill/>
                   </a:rPr>
                   <a:t> </a:t>
@@ -16351,8 +16585,8 @@
           </p:sp>
         </mc:Fallback>
       </mc:AlternateContent>
-      <mc:AlternateContent xmlns:mc="http://schemas.openxmlformats.org/markup-compatibility/2006">
-        <mc:Choice xmlns:a14="http://schemas.microsoft.com/office/drawing/2010/main" Requires="a14">
+      <mc:AlternateContent xmlns:mc="http://schemas.openxmlformats.org/markup-compatibility/2006" xmlns:a14="http://schemas.microsoft.com/office/drawing/2010/main">
+        <mc:Choice Requires="a14">
           <p:sp>
             <p:nvSpPr>
               <p:cNvPr id="9" name="Ellipse 8">
@@ -16457,7 +16691,7 @@
             </p:txBody>
           </p:sp>
         </mc:Choice>
-        <mc:Fallback>
+        <mc:Fallback xmlns="">
           <p:sp>
             <p:nvSpPr>
               <p:cNvPr id="9" name="Ellipse 8">
@@ -16689,13 +16923,13 @@
                     </m:oMathParaPr>
                     <m:oMath xmlns:m="http://schemas.openxmlformats.org/officeDocument/2006/math">
                       <m:r>
-                        <a:rPr lang="fr-BE" i="1">
+                        <a:rPr lang="fr-BE" sz="1600" i="1">
                           <a:latin typeface="Cambria Math" panose="02040503050406030204" pitchFamily="18" charset="0"/>
                         </a:rPr>
                         <m:t>𝑈𝑝𝑑𝑎𝑡𝑒</m:t>
                       </m:r>
                       <m:r>
-                        <a:rPr lang="fr-BE" i="1">
+                        <a:rPr lang="fr-BE" sz="1600" i="1">
                           <a:latin typeface="Cambria Math" panose="02040503050406030204" pitchFamily="18" charset="0"/>
                         </a:rPr>
                         <m:t> </m:t>
@@ -16703,14 +16937,14 @@
                       <m:sSub>
                         <m:sSubPr>
                           <m:ctrlPr>
-                            <a:rPr lang="fr-BE" i="1">
+                            <a:rPr lang="fr-BE" sz="1600" i="1">
                               <a:latin typeface="Cambria Math" panose="02040503050406030204" pitchFamily="18" charset="0"/>
                             </a:rPr>
                           </m:ctrlPr>
                         </m:sSubPr>
                         <m:e>
                           <m:r>
-                            <a:rPr lang="fr-BE" i="1">
+                            <a:rPr lang="fr-BE" sz="1600" i="1">
                               <a:latin typeface="Cambria Math" panose="02040503050406030204" pitchFamily="18" charset="0"/>
                             </a:rPr>
                             <m:t>𝑖𝑛𝑡</m:t>
@@ -16718,7 +16952,7 @@
                         </m:e>
                         <m:sub>
                           <m:r>
-                            <a:rPr lang="fr-BE" i="1">
+                            <a:rPr lang="fr-BE" sz="1600" i="1">
                               <a:latin typeface="Cambria Math" panose="02040503050406030204" pitchFamily="18" charset="0"/>
                             </a:rPr>
                             <m:t>𝑥</m:t>
@@ -16728,7 +16962,7 @@
                     </m:oMath>
                   </m:oMathPara>
                 </a14:m>
-                <a:endParaRPr lang="fr-BE" i="1" dirty="0">
+                <a:endParaRPr lang="fr-BE" sz="1600" i="1" dirty="0">
                   <a:latin typeface="Cambria Math" panose="02040503050406030204" pitchFamily="18" charset="0"/>
                 </a:endParaRPr>
               </a:p>
@@ -16741,13 +16975,13 @@
                     </m:oMathParaPr>
                     <m:oMath xmlns:m="http://schemas.openxmlformats.org/officeDocument/2006/math">
                       <m:r>
-                        <a:rPr lang="fr-BE" i="1">
+                        <a:rPr lang="fr-BE" sz="1600" i="1">
                           <a:latin typeface="Cambria Math" panose="02040503050406030204" pitchFamily="18" charset="0"/>
                         </a:rPr>
                         <m:t>𝑈𝑝𝑑𝑎𝑡𝑒</m:t>
                       </m:r>
                       <m:r>
-                        <a:rPr lang="fr-BE" i="1">
+                        <a:rPr lang="fr-BE" sz="1600" i="1">
                           <a:latin typeface="Cambria Math" panose="02040503050406030204" pitchFamily="18" charset="0"/>
                         </a:rPr>
                         <m:t> </m:t>
@@ -16755,14 +16989,14 @@
                       <m:sSub>
                         <m:sSubPr>
                           <m:ctrlPr>
-                            <a:rPr lang="fr-BE" i="1">
+                            <a:rPr lang="fr-BE" sz="1600" i="1">
                               <a:latin typeface="Cambria Math" panose="02040503050406030204" pitchFamily="18" charset="0"/>
                             </a:rPr>
                           </m:ctrlPr>
                         </m:sSubPr>
                         <m:e>
                           <m:r>
-                            <a:rPr lang="fr-BE" i="1">
+                            <a:rPr lang="fr-BE" sz="1600" i="1">
                               <a:latin typeface="Cambria Math" panose="02040503050406030204" pitchFamily="18" charset="0"/>
                             </a:rPr>
                             <m:t>𝑖𝑛𝑡</m:t>
@@ -16770,7 +17004,7 @@
                         </m:e>
                         <m:sub>
                           <m:r>
-                            <a:rPr lang="fr-BE" i="1">
+                            <a:rPr lang="fr-BE" sz="1600" i="1">
                               <a:latin typeface="Cambria Math" panose="02040503050406030204" pitchFamily="18" charset="0"/>
                             </a:rPr>
                             <m:t>𝑦</m:t>
@@ -16780,7 +17014,7 @@
                     </m:oMath>
                   </m:oMathPara>
                 </a14:m>
-                <a:endParaRPr lang="fr-BE" i="1" dirty="0">
+                <a:endParaRPr lang="fr-BE" sz="1600" i="1" dirty="0">
                   <a:latin typeface="Cambria Math" panose="02040503050406030204" pitchFamily="18" charset="0"/>
                 </a:endParaRPr>
               </a:p>
@@ -16793,13 +17027,13 @@
                     </m:oMathParaPr>
                     <m:oMath xmlns:m="http://schemas.openxmlformats.org/officeDocument/2006/math">
                       <m:r>
-                        <a:rPr lang="fr-BE" i="1">
+                        <a:rPr lang="fr-BE" sz="1600" i="1">
                           <a:latin typeface="Cambria Math" panose="02040503050406030204" pitchFamily="18" charset="0"/>
                         </a:rPr>
                         <m:t>𝑈𝑝𝑑𝑎𝑡𝑒</m:t>
                       </m:r>
                       <m:r>
-                        <a:rPr lang="fr-BE" i="1">
+                        <a:rPr lang="fr-BE" sz="1600" i="1">
                           <a:latin typeface="Cambria Math" panose="02040503050406030204" pitchFamily="18" charset="0"/>
                         </a:rPr>
                         <m:t> </m:t>
@@ -16807,14 +17041,14 @@
                       <m:sSub>
                         <m:sSubPr>
                           <m:ctrlPr>
-                            <a:rPr lang="fr-BE" i="1">
+                            <a:rPr lang="fr-BE" sz="1600" i="1">
                               <a:latin typeface="Cambria Math" panose="02040503050406030204" pitchFamily="18" charset="0"/>
                             </a:rPr>
                           </m:ctrlPr>
                         </m:sSubPr>
                         <m:e>
                           <m:r>
-                            <a:rPr lang="fr-BE" i="1">
+                            <a:rPr lang="fr-BE" sz="1600" i="1">
                               <a:latin typeface="Cambria Math" panose="02040503050406030204" pitchFamily="18" charset="0"/>
                             </a:rPr>
                             <m:t>𝑖𝑛𝑡</m:t>
@@ -16822,23 +17056,67 @@
                         </m:e>
                         <m:sub>
                           <m:r>
-                            <a:rPr lang="fr-BE" i="1">
+                            <a:rPr lang="fr-BE" sz="1600" i="1">
                               <a:latin typeface="Cambria Math" panose="02040503050406030204" pitchFamily="18" charset="0"/>
                             </a:rPr>
                             <m:t>𝑓</m:t>
                           </m:r>
                         </m:sub>
                       </m:sSub>
+                    </m:oMath>
+                  </m:oMathPara>
+                </a14:m>
+                <a:endParaRPr lang="fr-FR" sz="1600" b="1" dirty="0"/>
+              </a:p>
+              <a:p>
+                <a:pPr algn="ctr"/>
+                <a14:m>
+                  <m:oMathPara xmlns:m="http://schemas.openxmlformats.org/officeDocument/2006/math">
+                    <m:oMathParaPr>
+                      <m:jc m:val="centerGroup"/>
+                    </m:oMathParaPr>
+                    <m:oMath xmlns:m="http://schemas.openxmlformats.org/officeDocument/2006/math">
                       <m:r>
-                        <a:rPr lang="fr-BE" i="1">
+                        <a:rPr lang="fr-FR" sz="1400" b="0" i="1" smtClean="0">
+                          <a:latin typeface="Cambria Math" panose="02040503050406030204" pitchFamily="18" charset="0"/>
+                        </a:rPr>
+                        <m:t>𝑆𝑡𝑜𝑟𝑒</m:t>
+                      </m:r>
+                      <m:r>
+                        <a:rPr lang="fr-FR" sz="1400" b="0" i="1" smtClean="0">
                           <a:latin typeface="Cambria Math" panose="02040503050406030204" pitchFamily="18" charset="0"/>
                         </a:rPr>
                         <m:t> </m:t>
                       </m:r>
+                      <m:sSub>
+                        <m:sSubPr>
+                          <m:ctrlPr>
+                            <a:rPr lang="fr-FR" sz="1400" b="0" i="1" smtClean="0">
+                              <a:latin typeface="Cambria Math" panose="02040503050406030204" pitchFamily="18" charset="0"/>
+                            </a:rPr>
+                          </m:ctrlPr>
+                        </m:sSubPr>
+                        <m:e>
+                          <m:r>
+                            <a:rPr lang="fr-FR" sz="1400" b="0" i="1" smtClean="0">
+                              <a:latin typeface="Cambria Math" panose="02040503050406030204" pitchFamily="18" charset="0"/>
+                            </a:rPr>
+                            <m:t>𝑓𝑚𝑖𝑛𝑡</m:t>
+                          </m:r>
+                        </m:e>
+                        <m:sub>
+                          <m:r>
+                            <a:rPr lang="fr-FR" sz="1400" b="0" i="1" smtClean="0">
+                              <a:latin typeface="Cambria Math" panose="02040503050406030204" pitchFamily="18" charset="0"/>
+                            </a:rPr>
+                            <m:t>𝑑𝑎𝑡𝑎</m:t>
+                          </m:r>
+                        </m:sub>
+                      </m:sSub>
                     </m:oMath>
                   </m:oMathPara>
                 </a14:m>
-                <a:endParaRPr lang="fr-FR" b="1" dirty="0"/>
+                <a:endParaRPr lang="fr-FR" sz="1400" dirty="0"/>
               </a:p>
             </p:txBody>
           </p:sp>
@@ -16887,7 +17165,7 @@
               <a:lstStyle/>
               <a:p>
                 <a:r>
-                  <a:rPr lang="fr-FR">
+                  <a:rPr lang="fr-BE">
                     <a:noFill/>
                   </a:rPr>
                   <a:t> </a:t>
@@ -16960,8 +17238,8 @@
           </a:p>
         </p:txBody>
       </p:sp>
-      <mc:AlternateContent xmlns:mc="http://schemas.openxmlformats.org/markup-compatibility/2006">
-        <mc:Choice xmlns:a14="http://schemas.microsoft.com/office/drawing/2010/main" Requires="a14">
+      <mc:AlternateContent xmlns:mc="http://schemas.openxmlformats.org/markup-compatibility/2006" xmlns:a14="http://schemas.microsoft.com/office/drawing/2010/main">
+        <mc:Choice Requires="a14">
           <p:sp>
             <p:nvSpPr>
               <p:cNvPr id="20" name="Ellipse 19">
@@ -17047,19 +17325,7 @@
                         <a:rPr lang="fr-BE" sz="1800" b="0" i="1" smtClean="0">
                           <a:latin typeface="Cambria Math" panose="02040503050406030204" pitchFamily="18" charset="0"/>
                         </a:rPr>
-                        <m:t>+</m:t>
-                      </m:r>
-                      <m:r>
-                        <a:rPr lang="fr-BE" sz="1800" i="1">
-                          <a:latin typeface="Cambria Math" panose="02040503050406030204" pitchFamily="18" charset="0"/>
-                        </a:rPr>
-                        <m:t>=</m:t>
-                      </m:r>
-                      <m:r>
-                        <a:rPr lang="fr-BE" sz="1800" b="0" i="1" smtClean="0">
-                          <a:latin typeface="Cambria Math" panose="02040503050406030204" pitchFamily="18" charset="0"/>
-                        </a:rPr>
-                        <m:t>1</m:t>
+                        <m:t>+=1</m:t>
                       </m:r>
                     </m:oMath>
                   </m:oMathPara>
@@ -17069,7 +17335,7 @@
             </p:txBody>
           </p:sp>
         </mc:Choice>
-        <mc:Fallback>
+        <mc:Fallback xmlns="">
           <p:sp>
             <p:nvSpPr>
               <p:cNvPr id="20" name="Ellipse 19">
@@ -17311,16 +17577,60 @@
                           </m:r>
                         </m:sub>
                       </m:sSub>
+                    </m:oMath>
+                  </m:oMathPara>
+                </a14:m>
+                <a:endParaRPr lang="fr-FR" dirty="0"/>
+              </a:p>
+              <a:p>
+                <a:pPr algn="ctr"/>
+                <a14:m>
+                  <m:oMathPara xmlns:m="http://schemas.openxmlformats.org/officeDocument/2006/math">
+                    <m:oMathParaPr>
+                      <m:jc m:val="centerGroup"/>
+                    </m:oMathParaPr>
+                    <m:oMath xmlns:m="http://schemas.openxmlformats.org/officeDocument/2006/math">
                       <m:r>
-                        <a:rPr lang="fr-BE" i="1">
+                        <a:rPr lang="fr-FR" b="0" i="1" smtClean="0">
+                          <a:latin typeface="Cambria Math" panose="02040503050406030204" pitchFamily="18" charset="0"/>
+                        </a:rPr>
+                        <m:t>𝑆𝑡𝑜𝑟𝑒</m:t>
+                      </m:r>
+                      <m:r>
+                        <a:rPr lang="fr-FR" b="0" i="1" smtClean="0">
                           <a:latin typeface="Cambria Math" panose="02040503050406030204" pitchFamily="18" charset="0"/>
                         </a:rPr>
                         <m:t> </m:t>
                       </m:r>
+                      <m:sSub>
+                        <m:sSubPr>
+                          <m:ctrlPr>
+                            <a:rPr lang="fr-FR" b="0" i="1" smtClean="0">
+                              <a:latin typeface="Cambria Math" panose="02040503050406030204" pitchFamily="18" charset="0"/>
+                            </a:rPr>
+                          </m:ctrlPr>
+                        </m:sSubPr>
+                        <m:e>
+                          <m:r>
+                            <a:rPr lang="fr-FR" b="0" i="1" smtClean="0">
+                              <a:latin typeface="Cambria Math" panose="02040503050406030204" pitchFamily="18" charset="0"/>
+                            </a:rPr>
+                            <m:t>𝑘</m:t>
+                          </m:r>
+                        </m:e>
+                        <m:sub>
+                          <m:r>
+                            <a:rPr lang="fr-FR" b="0" i="1" smtClean="0">
+                              <a:latin typeface="Cambria Math" panose="02040503050406030204" pitchFamily="18" charset="0"/>
+                            </a:rPr>
+                            <m:t>𝑑𝑎𝑡𝑎</m:t>
+                          </m:r>
+                        </m:sub>
+                      </m:sSub>
                     </m:oMath>
                   </m:oMathPara>
                 </a14:m>
-                <a:endParaRPr lang="fr-FR" b="1" dirty="0"/>
+                <a:endParaRPr lang="fr-FR" dirty="0"/>
               </a:p>
             </p:txBody>
           </p:sp>
@@ -17369,7 +17679,7 @@
               <a:lstStyle/>
               <a:p>
                 <a:r>
-                  <a:rPr lang="fr-FR">
+                  <a:rPr lang="fr-BE">
                     <a:noFill/>
                   </a:rPr>
                   <a:t> </a:t>
@@ -17498,7 +17808,57 @@
                     </m:oMath>
                   </m:oMathPara>
                 </a14:m>
-                <a:endParaRPr lang="fr-FR" b="1" dirty="0"/>
+                <a:endParaRPr lang="fr-FR" sz="1800" b="0" dirty="0"/>
+              </a:p>
+              <a:p>
+                <a:pPr algn="ctr"/>
+                <a14:m>
+                  <m:oMathPara xmlns:m="http://schemas.openxmlformats.org/officeDocument/2006/math">
+                    <m:oMathParaPr>
+                      <m:jc m:val="centerGroup"/>
+                    </m:oMathParaPr>
+                    <m:oMath xmlns:m="http://schemas.openxmlformats.org/officeDocument/2006/math">
+                      <m:r>
+                        <a:rPr lang="fr-FR" b="0" i="1" smtClean="0">
+                          <a:latin typeface="Cambria Math" panose="02040503050406030204" pitchFamily="18" charset="0"/>
+                        </a:rPr>
+                        <m:t>𝑈𝑝𝑑𝑎𝑡𝑒</m:t>
+                      </m:r>
+                      <m:r>
+                        <a:rPr lang="fr-FR" b="0" i="1" smtClean="0">
+                          <a:latin typeface="Cambria Math" panose="02040503050406030204" pitchFamily="18" charset="0"/>
+                        </a:rPr>
+                        <m:t> </m:t>
+                      </m:r>
+                      <m:sSub>
+                        <m:sSubPr>
+                          <m:ctrlPr>
+                            <a:rPr lang="fr-FR" b="0" i="1" smtClean="0">
+                              <a:latin typeface="Cambria Math" panose="02040503050406030204" pitchFamily="18" charset="0"/>
+                            </a:rPr>
+                          </m:ctrlPr>
+                        </m:sSubPr>
+                        <m:e>
+                          <m:r>
+                            <a:rPr lang="fr-FR" b="0" i="1" smtClean="0">
+                              <a:latin typeface="Cambria Math" panose="02040503050406030204" pitchFamily="18" charset="0"/>
+                            </a:rPr>
+                            <m:t>𝑤</m:t>
+                          </m:r>
+                        </m:e>
+                        <m:sub>
+                          <m:r>
+                            <a:rPr lang="fr-FR" b="0" i="1" smtClean="0">
+                              <a:latin typeface="Cambria Math" panose="02040503050406030204" pitchFamily="18" charset="0"/>
+                            </a:rPr>
+                            <m:t>𝑑𝑎𝑡𝑎</m:t>
+                          </m:r>
+                        </m:sub>
+                      </m:sSub>
+                    </m:oMath>
+                  </m:oMathPara>
+                </a14:m>
+                <a:endParaRPr lang="fr-FR" dirty="0"/>
               </a:p>
             </p:txBody>
           </p:sp>
@@ -17547,7 +17907,7 @@
               <a:lstStyle/>
               <a:p>
                 <a:r>
-                  <a:rPr lang="fr-FR">
+                  <a:rPr lang="fr-BE">
                     <a:noFill/>
                   </a:rPr>
                   <a:t> </a:t>
@@ -17643,15 +18003,63 @@
                         <m:t>=</m:t>
                       </m:r>
                       <m:r>
-                        <a:rPr lang="fr-BE" sz="1800" b="0" i="1" smtClean="0">
+                        <a:rPr lang="fr-FR" sz="1800" b="0" i="1" smtClean="0">
                           <a:latin typeface="Cambria Math" panose="02040503050406030204" pitchFamily="18" charset="0"/>
                         </a:rPr>
-                        <m:t>0</m:t>
+                        <m:t>1</m:t>
                       </m:r>
                     </m:oMath>
                   </m:oMathPara>
                 </a14:m>
-                <a:endParaRPr lang="fr-FR" sz="1800" dirty="0"/>
+                <a:endParaRPr lang="fr-FR" sz="1800" b="0" dirty="0"/>
+              </a:p>
+              <a:p>
+                <a:pPr algn="ctr"/>
+                <a14:m>
+                  <m:oMath xmlns:m="http://schemas.openxmlformats.org/officeDocument/2006/math">
+                    <m:r>
+                      <a:rPr lang="fr-FR" sz="1800" b="0" i="1" smtClean="0">
+                        <a:latin typeface="Cambria Math" panose="02040503050406030204" pitchFamily="18" charset="0"/>
+                      </a:rPr>
+                      <m:t>𝑊𝑟𝑖𝑡𝑒</m:t>
+                    </m:r>
+                    <m:r>
+                      <a:rPr lang="fr-FR" sz="1800" b="0" i="1" smtClean="0">
+                        <a:latin typeface="Cambria Math" panose="02040503050406030204" pitchFamily="18" charset="0"/>
+                      </a:rPr>
+                      <m:t> </m:t>
+                    </m:r>
+                    <m:sSub>
+                      <m:sSubPr>
+                        <m:ctrlPr>
+                          <a:rPr lang="fr-FR" sz="1800" b="0" i="1" smtClean="0">
+                            <a:latin typeface="Cambria Math" panose="02040503050406030204" pitchFamily="18" charset="0"/>
+                          </a:rPr>
+                        </m:ctrlPr>
+                      </m:sSubPr>
+                      <m:e>
+                        <m:r>
+                          <a:rPr lang="fr-FR" sz="1800" b="0" i="1" smtClean="0">
+                            <a:latin typeface="Cambria Math" panose="02040503050406030204" pitchFamily="18" charset="0"/>
+                          </a:rPr>
+                          <m:t>𝑤</m:t>
+                        </m:r>
+                      </m:e>
+                      <m:sub>
+                        <m:r>
+                          <a:rPr lang="fr-FR" sz="1800" b="0" i="1" smtClean="0">
+                            <a:latin typeface="Cambria Math" panose="02040503050406030204" pitchFamily="18" charset="0"/>
+                          </a:rPr>
+                          <m:t>𝑑𝑎𝑡𝑎</m:t>
+                        </m:r>
+                      </m:sub>
+                    </m:sSub>
+                  </m:oMath>
+                </a14:m>
+                <a:r>
+                  <a:rPr lang="fr-FR" sz="1800" dirty="0"/>
+                  <a:t> </a:t>
+                </a:r>
               </a:p>
             </p:txBody>
           </p:sp>
@@ -17700,7 +18108,7 @@
               <a:lstStyle/>
               <a:p>
                 <a:r>
-                  <a:rPr lang="fr-FR">
+                  <a:rPr lang="fr-BE">
                     <a:noFill/>
                   </a:rPr>
                   <a:t> </a:t>
@@ -17842,8 +18250,8 @@
           </a:fontRef>
         </p:style>
       </p:cxnSp>
-      <mc:AlternateContent xmlns:mc="http://schemas.openxmlformats.org/markup-compatibility/2006">
-        <mc:Choice xmlns:a14="http://schemas.microsoft.com/office/drawing/2010/main" Requires="a14">
+      <mc:AlternateContent xmlns:mc="http://schemas.openxmlformats.org/markup-compatibility/2006" xmlns:a14="http://schemas.microsoft.com/office/drawing/2010/main">
+        <mc:Choice Requires="a14">
           <p:sp>
             <p:nvSpPr>
               <p:cNvPr id="39" name="ZoneTexte 38">
@@ -18176,7 +18584,7 @@
             </p:txBody>
           </p:sp>
         </mc:Choice>
-        <mc:Fallback>
+        <mc:Fallback xmlns="">
           <p:sp>
             <p:nvSpPr>
               <p:cNvPr id="39" name="ZoneTexte 38">
@@ -18306,30 +18714,30 @@
                       <m:sSub>
                         <m:sSubPr>
                           <m:ctrlPr>
-                            <a:rPr lang="fr-BE" sz="2210" i="1">
+                            <a:rPr lang="fr-BE" sz="2210" b="1" i="1">
                               <a:latin typeface="Cambria Math" panose="02040503050406030204" pitchFamily="18" charset="0"/>
                             </a:rPr>
                           </m:ctrlPr>
                         </m:sSubPr>
                         <m:e>
                           <m:r>
-                            <a:rPr lang="fr-BE" sz="2210" i="1">
-                              <a:latin typeface="Cambria Math" panose="02040503050406030204" pitchFamily="18" charset="0"/>
-                            </a:rPr>
-                            <m:t>𝑘</m:t>
+                            <a:rPr lang="fr-BE" sz="2210" b="1" i="1">
+                              <a:latin typeface="Cambria Math" panose="02040503050406030204" pitchFamily="18" charset="0"/>
+                            </a:rPr>
+                            <m:t>𝒌</m:t>
                           </m:r>
                         </m:e>
                         <m:sub>
                           <m:r>
-                            <a:rPr lang="fr-BE" sz="2210" i="1">
-                              <a:latin typeface="Cambria Math" panose="02040503050406030204" pitchFamily="18" charset="0"/>
-                            </a:rPr>
-                            <m:t>𝑥</m:t>
+                            <a:rPr lang="fr-BE" sz="2210" b="1" i="1">
+                              <a:latin typeface="Cambria Math" panose="02040503050406030204" pitchFamily="18" charset="0"/>
+                            </a:rPr>
+                            <m:t>𝒙</m:t>
                           </m:r>
                         </m:sub>
                       </m:sSub>
                       <m:r>
-                        <a:rPr lang="fr-BE" sz="2210" i="1">
+                        <a:rPr lang="fr-BE" sz="2210" b="1" i="1">
                           <a:latin typeface="Cambria Math" panose="02040503050406030204" pitchFamily="18" charset="0"/>
                         </a:rPr>
                         <m:t>==</m:t>
@@ -18337,28 +18745,28 @@
                       <m:sSub>
                         <m:sSubPr>
                           <m:ctrlPr>
-                            <a:rPr lang="fr-BE" sz="2210" i="1">
+                            <a:rPr lang="fr-BE" sz="2210" b="1" i="1">
                               <a:latin typeface="Cambria Math" panose="02040503050406030204" pitchFamily="18" charset="0"/>
                             </a:rPr>
                           </m:ctrlPr>
                         </m:sSubPr>
                         <m:e>
                           <m:r>
-                            <a:rPr lang="fr-BE" sz="2210" i="1">
-                              <a:latin typeface="Cambria Math" panose="02040503050406030204" pitchFamily="18" charset="0"/>
-                            </a:rPr>
-                            <m:t>𝑁</m:t>
+                            <a:rPr lang="fr-BE" sz="2210" b="1" i="1">
+                              <a:latin typeface="Cambria Math" panose="02040503050406030204" pitchFamily="18" charset="0"/>
+                            </a:rPr>
+                            <m:t>𝑵</m:t>
                           </m:r>
                         </m:e>
                         <m:sub>
                           <m:r>
-                            <a:rPr lang="fr-BE" sz="2210" i="1">
-                              <a:latin typeface="Cambria Math" panose="02040503050406030204" pitchFamily="18" charset="0"/>
-                            </a:rPr>
-                            <m:t>𝑘𝑥</m:t>
-                          </m:r>
-                          <m:r>
-                            <a:rPr lang="fr-BE" sz="2210" i="1">
+                            <a:rPr lang="fr-BE" sz="2210" b="1" i="1">
+                              <a:latin typeface="Cambria Math" panose="02040503050406030204" pitchFamily="18" charset="0"/>
+                            </a:rPr>
+                            <m:t>𝒌𝒙</m:t>
+                          </m:r>
+                          <m:r>
+                            <a:rPr lang="fr-BE" sz="2210" b="1" i="1">
                               <a:latin typeface="Cambria Math" panose="02040503050406030204" pitchFamily="18" charset="0"/>
                             </a:rPr>
                             <m:t> </m:t>
@@ -18366,7 +18774,7 @@
                         </m:sub>
                       </m:sSub>
                       <m:r>
-                        <a:rPr lang="fr-BE" sz="2210" i="1">
+                        <a:rPr lang="fr-BE" sz="2210" b="1" i="1">
                           <a:latin typeface="Cambria Math" panose="02040503050406030204" pitchFamily="18" charset="0"/>
                           <a:ea typeface="Cambria Math" panose="02040503050406030204" pitchFamily="18" charset="0"/>
                         </a:rPr>
@@ -18377,36 +18785,36 @@
                       <m:sSub>
                         <m:sSubPr>
                           <m:ctrlPr>
-                            <a:rPr lang="fr-BE" sz="2210" i="1">
+                            <a:rPr lang="fr-BE" sz="2210" b="1" i="1">
                               <a:latin typeface="Cambria Math" panose="02040503050406030204" pitchFamily="18" charset="0"/>
                             </a:rPr>
                           </m:ctrlPr>
                         </m:sSubPr>
                         <m:e>
                           <m:r>
-                            <a:rPr lang="fr-BE" sz="2210" i="1">
+                            <a:rPr lang="fr-BE" sz="2210" b="1" i="1">
                               <a:latin typeface="Cambria Math" panose="02040503050406030204" pitchFamily="18" charset="0"/>
                             </a:rPr>
                             <m:t> </m:t>
                           </m:r>
                           <m:r>
-                            <a:rPr lang="fr-BE" sz="2210" i="1">
-                              <a:latin typeface="Cambria Math" panose="02040503050406030204" pitchFamily="18" charset="0"/>
-                            </a:rPr>
-                            <m:t>𝑘</m:t>
+                            <a:rPr lang="fr-BE" sz="2210" b="1" i="1">
+                              <a:latin typeface="Cambria Math" panose="02040503050406030204" pitchFamily="18" charset="0"/>
+                            </a:rPr>
+                            <m:t>𝒌</m:t>
                           </m:r>
                         </m:e>
                         <m:sub>
                           <m:r>
-                            <a:rPr lang="fr-BE" sz="2210" i="1">
-                              <a:latin typeface="Cambria Math" panose="02040503050406030204" pitchFamily="18" charset="0"/>
-                            </a:rPr>
-                            <m:t>𝑦</m:t>
+                            <a:rPr lang="fr-BE" sz="2210" b="1" i="1">
+                              <a:latin typeface="Cambria Math" panose="02040503050406030204" pitchFamily="18" charset="0"/>
+                            </a:rPr>
+                            <m:t>𝒚</m:t>
                           </m:r>
                         </m:sub>
                       </m:sSub>
                       <m:r>
-                        <a:rPr lang="fr-BE" sz="2210" i="1">
+                        <a:rPr lang="fr-BE" sz="2210" b="1" i="1">
                           <a:latin typeface="Cambria Math" panose="02040503050406030204" pitchFamily="18" charset="0"/>
                         </a:rPr>
                         <m:t>==</m:t>
@@ -18414,34 +18822,28 @@
                       <m:sSub>
                         <m:sSubPr>
                           <m:ctrlPr>
-                            <a:rPr lang="fr-BE" sz="2210" i="1">
+                            <a:rPr lang="fr-BE" sz="2210" b="1" i="1">
                               <a:latin typeface="Cambria Math" panose="02040503050406030204" pitchFamily="18" charset="0"/>
                             </a:rPr>
                           </m:ctrlPr>
                         </m:sSubPr>
                         <m:e>
                           <m:r>
-                            <a:rPr lang="fr-BE" sz="2210" i="1">
-                              <a:latin typeface="Cambria Math" panose="02040503050406030204" pitchFamily="18" charset="0"/>
-                            </a:rPr>
-                            <m:t>𝑁</m:t>
+                            <a:rPr lang="fr-BE" sz="2210" b="1" i="1">
+                              <a:latin typeface="Cambria Math" panose="02040503050406030204" pitchFamily="18" charset="0"/>
+                            </a:rPr>
+                            <m:t>𝑵</m:t>
                           </m:r>
                         </m:e>
                         <m:sub>
                           <m:r>
-                            <a:rPr lang="fr-BE" sz="2210" i="1">
-                              <a:latin typeface="Cambria Math" panose="02040503050406030204" pitchFamily="18" charset="0"/>
-                            </a:rPr>
-                            <m:t>𝑘</m:t>
-                          </m:r>
-                          <m:r>
-                            <a:rPr lang="fr-BE" sz="2210" i="1">
-                              <a:latin typeface="Cambria Math" panose="02040503050406030204" pitchFamily="18" charset="0"/>
-                            </a:rPr>
-                            <m:t>𝑦</m:t>
-                          </m:r>
-                          <m:r>
-                            <a:rPr lang="fr-BE" sz="2210" i="1">
+                            <a:rPr lang="fr-BE" sz="2210" b="1" i="1">
+                              <a:latin typeface="Cambria Math" panose="02040503050406030204" pitchFamily="18" charset="0"/>
+                            </a:rPr>
+                            <m:t>𝒌𝒚</m:t>
+                          </m:r>
+                          <m:r>
+                            <a:rPr lang="fr-BE" sz="2210" b="1" i="1">
                               <a:latin typeface="Cambria Math" panose="02040503050406030204" pitchFamily="18" charset="0"/>
                             </a:rPr>
                             <m:t> </m:t>
@@ -18449,7 +18851,7 @@
                         </m:sub>
                       </m:sSub>
                       <m:r>
-                        <a:rPr lang="fr-BE" sz="2210" i="1">
+                        <a:rPr lang="fr-BE" sz="2210" b="1" i="1">
                           <a:latin typeface="Cambria Math" panose="02040503050406030204" pitchFamily="18" charset="0"/>
                           <a:ea typeface="Cambria Math" panose="02040503050406030204" pitchFamily="18" charset="0"/>
                         </a:rPr>
@@ -18458,7 +18860,7 @@
                     </m:oMath>
                   </m:oMathPara>
                 </a14:m>
-                <a:endParaRPr lang="fr-BE" sz="2210" i="1" dirty="0">
+                <a:endParaRPr lang="fr-BE" sz="2210" b="1" i="1" dirty="0">
                   <a:latin typeface="Cambria Math" panose="02040503050406030204" pitchFamily="18" charset="0"/>
                 </a:endParaRPr>
               </a:p>
@@ -18473,36 +18875,36 @@
                       <m:sSub>
                         <m:sSubPr>
                           <m:ctrlPr>
-                            <a:rPr lang="fr-BE" sz="2210" i="1">
+                            <a:rPr lang="fr-BE" sz="2210" b="1" i="1">
                               <a:latin typeface="Cambria Math" panose="02040503050406030204" pitchFamily="18" charset="0"/>
                             </a:rPr>
                           </m:ctrlPr>
                         </m:sSubPr>
                         <m:e>
                           <m:r>
-                            <a:rPr lang="fr-BE" sz="2210" i="1">
+                            <a:rPr lang="fr-BE" sz="2210" b="1" i="1">
                               <a:latin typeface="Cambria Math" panose="02040503050406030204" pitchFamily="18" charset="0"/>
                             </a:rPr>
                             <m:t> </m:t>
                           </m:r>
                           <m:r>
-                            <a:rPr lang="fr-BE" sz="2210" i="1">
-                              <a:latin typeface="Cambria Math" panose="02040503050406030204" pitchFamily="18" charset="0"/>
-                            </a:rPr>
-                            <m:t>𝑘</m:t>
+                            <a:rPr lang="fr-BE" sz="2210" b="1" i="1">
+                              <a:latin typeface="Cambria Math" panose="02040503050406030204" pitchFamily="18" charset="0"/>
+                            </a:rPr>
+                            <m:t>𝒌</m:t>
                           </m:r>
                         </m:e>
                         <m:sub>
                           <m:r>
-                            <a:rPr lang="fr-BE" sz="2210" i="1">
-                              <a:latin typeface="Cambria Math" panose="02040503050406030204" pitchFamily="18" charset="0"/>
-                            </a:rPr>
-                            <m:t>𝑓</m:t>
+                            <a:rPr lang="fr-BE" sz="2210" b="1" i="1">
+                              <a:latin typeface="Cambria Math" panose="02040503050406030204" pitchFamily="18" charset="0"/>
+                            </a:rPr>
+                            <m:t>𝒇</m:t>
                           </m:r>
                         </m:sub>
                       </m:sSub>
                       <m:r>
-                        <a:rPr lang="fr-BE" sz="2210" i="1">
+                        <a:rPr lang="fr-BE" sz="2210" b="1" i="1">
                           <a:latin typeface="Cambria Math" panose="02040503050406030204" pitchFamily="18" charset="0"/>
                         </a:rPr>
                         <m:t>==</m:t>
@@ -18510,38 +18912,32 @@
                       <m:sSub>
                         <m:sSubPr>
                           <m:ctrlPr>
-                            <a:rPr lang="fr-BE" sz="2210" i="1">
+                            <a:rPr lang="fr-BE" sz="2210" b="1" i="1">
                               <a:latin typeface="Cambria Math" panose="02040503050406030204" pitchFamily="18" charset="0"/>
                             </a:rPr>
                           </m:ctrlPr>
                         </m:sSubPr>
                         <m:e>
                           <m:r>
-                            <a:rPr lang="fr-BE" sz="2210" i="1">
-                              <a:latin typeface="Cambria Math" panose="02040503050406030204" pitchFamily="18" charset="0"/>
-                            </a:rPr>
-                            <m:t>𝑁</m:t>
+                            <a:rPr lang="fr-BE" sz="2210" b="1" i="1">
+                              <a:latin typeface="Cambria Math" panose="02040503050406030204" pitchFamily="18" charset="0"/>
+                            </a:rPr>
+                            <m:t>𝑵</m:t>
                           </m:r>
                         </m:e>
                         <m:sub>
                           <m:r>
-                            <a:rPr lang="fr-BE" sz="2210" i="1">
-                              <a:latin typeface="Cambria Math" panose="02040503050406030204" pitchFamily="18" charset="0"/>
-                            </a:rPr>
-                            <m:t>𝑘</m:t>
-                          </m:r>
-                          <m:r>
-                            <a:rPr lang="fr-BE" sz="2210" i="1">
-                              <a:latin typeface="Cambria Math" panose="02040503050406030204" pitchFamily="18" charset="0"/>
-                            </a:rPr>
-                            <m:t>𝑓</m:t>
+                            <a:rPr lang="fr-BE" sz="2210" b="1" i="1">
+                              <a:latin typeface="Cambria Math" panose="02040503050406030204" pitchFamily="18" charset="0"/>
+                            </a:rPr>
+                            <m:t>𝒌𝒇</m:t>
                           </m:r>
                         </m:sub>
                       </m:sSub>
                     </m:oMath>
                   </m:oMathPara>
                 </a14:m>
-                <a:endParaRPr lang="fr-BE" sz="2210" dirty="0"/>
+                <a:endParaRPr lang="fr-BE" sz="2210" b="1" dirty="0"/>
               </a:p>
             </p:txBody>
           </p:sp>
@@ -18572,7 +18968,7 @@
               <a:blipFill>
                 <a:blip r:embed="rId12"/>
                 <a:stretch>
-                  <a:fillRect b="-3125"/>
+                  <a:fillRect b="-3646"/>
                 </a:stretch>
               </a:blipFill>
             </p:spPr>
@@ -18581,7 +18977,7 @@
               <a:lstStyle/>
               <a:p>
                 <a:r>
-                  <a:rPr lang="fr-FR">
+                  <a:rPr lang="fr-BE">
                     <a:noFill/>
                   </a:rPr>
                   <a:t> </a:t>
@@ -18659,7 +19055,13 @@
                         <a:rPr lang="fr-BE" sz="2210" i="1">
                           <a:latin typeface="Cambria Math" panose="02040503050406030204" pitchFamily="18" charset="0"/>
                         </a:rPr>
-                        <m:t>=0</m:t>
+                        <m:t>=</m:t>
+                      </m:r>
+                      <m:r>
+                        <a:rPr lang="fr-FR" sz="2210" b="0" i="1" smtClean="0">
+                          <a:latin typeface="Cambria Math" panose="02040503050406030204" pitchFamily="18" charset="0"/>
+                        </a:rPr>
+                        <m:t>1</m:t>
                       </m:r>
                       <m:r>
                         <a:rPr lang="fr-BE" sz="2210" b="0" i="1" smtClean="0">
@@ -18696,7 +19098,13 @@
                         <a:rPr lang="fr-BE" sz="2210" b="0" i="1" smtClean="0">
                           <a:latin typeface="Cambria Math" panose="02040503050406030204" pitchFamily="18" charset="0"/>
                         </a:rPr>
-                        <m:t>=0</m:t>
+                        <m:t>=</m:t>
+                      </m:r>
+                      <m:r>
+                        <a:rPr lang="fr-FR" sz="2210" b="0" i="1" smtClean="0">
+                          <a:latin typeface="Cambria Math" panose="02040503050406030204" pitchFamily="18" charset="0"/>
+                        </a:rPr>
+                        <m:t>1</m:t>
                       </m:r>
                     </m:oMath>
                     <m:oMath xmlns:m="http://schemas.openxmlformats.org/officeDocument/2006/math">
@@ -18729,7 +19137,13 @@
                         <a:rPr lang="fr-BE" sz="2210" i="1">
                           <a:latin typeface="Cambria Math" panose="02040503050406030204" pitchFamily="18" charset="0"/>
                         </a:rPr>
-                        <m:t>=0</m:t>
+                        <m:t>=</m:t>
+                      </m:r>
+                      <m:r>
+                        <a:rPr lang="fr-FR" sz="2210" b="0" i="1" smtClean="0">
+                          <a:latin typeface="Cambria Math" panose="02040503050406030204" pitchFamily="18" charset="0"/>
+                        </a:rPr>
+                        <m:t>1</m:t>
                       </m:r>
                       <m:r>
                         <a:rPr lang="fr-BE" sz="2210" b="0" i="1" smtClean="0">
@@ -18772,7 +19186,13 @@
                         <a:rPr lang="fr-BE" sz="2210" i="1">
                           <a:latin typeface="Cambria Math" panose="02040503050406030204" pitchFamily="18" charset="0"/>
                         </a:rPr>
-                        <m:t>=0</m:t>
+                        <m:t>=</m:t>
+                      </m:r>
+                      <m:r>
+                        <a:rPr lang="fr-FR" sz="2210" b="0" i="1" smtClean="0">
+                          <a:latin typeface="Cambria Math" panose="02040503050406030204" pitchFamily="18" charset="0"/>
+                        </a:rPr>
+                        <m:t>1</m:t>
                       </m:r>
                     </m:oMath>
                   </m:oMathPara>
@@ -18824,7 +19244,13 @@
                         <a:rPr lang="fr-BE" sz="2210" i="1">
                           <a:latin typeface="Cambria Math" panose="02040503050406030204" pitchFamily="18" charset="0"/>
                         </a:rPr>
-                        <m:t>=0</m:t>
+                        <m:t>=</m:t>
+                      </m:r>
+                      <m:r>
+                        <a:rPr lang="fr-FR" sz="2210" b="0" i="1" smtClean="0">
+                          <a:latin typeface="Cambria Math" panose="02040503050406030204" pitchFamily="18" charset="0"/>
+                        </a:rPr>
+                        <m:t>1</m:t>
                       </m:r>
                     </m:oMath>
                   </m:oMathPara>
@@ -18869,7 +19295,7 @@
               <a:lstStyle/>
               <a:p>
                 <a:r>
-                  <a:rPr lang="fr-FR">
+                  <a:rPr lang="fr-BE">
                     <a:noFill/>
                   </a:rPr>
                   <a:t> </a:t>
@@ -18897,8 +19323,8 @@
             </p:nvSpPr>
             <p:spPr>
               <a:xfrm>
-                <a:off x="6105300" y="543278"/>
-                <a:ext cx="2226156" cy="1166730"/>
+                <a:off x="6142960" y="793709"/>
+                <a:ext cx="2795432" cy="826637"/>
               </a:xfrm>
               <a:prstGeom prst="rect">
                 <a:avLst/>
@@ -18921,7 +19347,7 @@
                       <m:sSub>
                         <m:sSubPr>
                           <m:ctrlPr>
-                            <a:rPr lang="fr-BE" sz="2210" i="1">
+                            <a:rPr lang="fr-BE" sz="2210" i="1" smtClean="0">
                               <a:latin typeface="Cambria Math" panose="02040503050406030204" pitchFamily="18" charset="0"/>
                             </a:rPr>
                           </m:ctrlPr>
@@ -18949,8 +19375,12 @@
                         </a:rPr>
                         <m:t>=0</m:t>
                       </m:r>
-                    </m:oMath>
-                    <m:oMath xmlns:m="http://schemas.openxmlformats.org/officeDocument/2006/math">
+                      <m:r>
+                        <a:rPr lang="fr-FR" sz="2210" b="0" i="1" smtClean="0">
+                          <a:latin typeface="Cambria Math" panose="02040503050406030204" pitchFamily="18" charset="0"/>
+                        </a:rPr>
+                        <m:t>; </m:t>
+                      </m:r>
                       <m:sSub>
                         <m:sSubPr>
                           <m:ctrlPr>
@@ -19059,8 +19489,8 @@
             </p:nvSpPr>
             <p:spPr>
               <a:xfrm>
-                <a:off x="6105300" y="543278"/>
-                <a:ext cx="2226156" cy="1166730"/>
+                <a:off x="6142960" y="793709"/>
+                <a:ext cx="2795432" cy="826637"/>
               </a:xfrm>
               <a:prstGeom prst="rect">
                 <a:avLst/>
@@ -19068,7 +19498,7 @@
               <a:blipFill>
                 <a:blip r:embed="rId14"/>
                 <a:stretch>
-                  <a:fillRect b="-3125"/>
+                  <a:fillRect b="-4412"/>
                 </a:stretch>
               </a:blipFill>
             </p:spPr>
@@ -19077,7 +19507,7 @@
               <a:lstStyle/>
               <a:p>
                 <a:r>
-                  <a:rPr lang="fr-FR">
+                  <a:rPr lang="fr-BE">
                     <a:noFill/>
                   </a:rPr>
                   <a:t> </a:t>
@@ -19087,8 +19517,8 @@
           </p:sp>
         </mc:Fallback>
       </mc:AlternateContent>
-      <mc:AlternateContent xmlns:mc="http://schemas.openxmlformats.org/markup-compatibility/2006">
-        <mc:Choice xmlns:a14="http://schemas.microsoft.com/office/drawing/2010/main" Requires="a14">
+      <mc:AlternateContent xmlns:mc="http://schemas.openxmlformats.org/markup-compatibility/2006" xmlns:a14="http://schemas.microsoft.com/office/drawing/2010/main">
+        <mc:Choice Requires="a14">
           <p:sp>
             <p:nvSpPr>
               <p:cNvPr id="52" name="ZoneTexte 51">
@@ -19304,16 +19734,7 @@
                               </a:solidFill>
                               <a:latin typeface="Cambria Math" panose="02040503050406030204" pitchFamily="18" charset="0"/>
                             </a:rPr>
-                            <m:t>𝑘</m:t>
-                          </m:r>
-                          <m:r>
-                            <a:rPr lang="fr-BE" sz="2210" i="1">
-                              <a:solidFill>
-                                <a:schemeClr val="accent2"/>
-                              </a:solidFill>
-                              <a:latin typeface="Cambria Math" panose="02040503050406030204" pitchFamily="18" charset="0"/>
-                            </a:rPr>
-                            <m:t>𝑦</m:t>
+                            <m:t>𝑘𝑦</m:t>
                           </m:r>
                           <m:r>
                             <a:rPr lang="fr-BE" sz="2210" i="1">
@@ -19434,7 +19855,7 @@
             </p:txBody>
           </p:sp>
         </mc:Choice>
-        <mc:Fallback>
+        <mc:Fallback xmlns="">
           <p:sp>
             <p:nvSpPr>
               <p:cNvPr id="52" name="ZoneTexte 51">
@@ -19655,30 +20076,30 @@
                       <m:sSub>
                         <m:sSubPr>
                           <m:ctrlPr>
-                            <a:rPr lang="fr-BE" sz="2210" i="1">
+                            <a:rPr lang="fr-BE" sz="2210" b="1" i="1">
                               <a:latin typeface="Cambria Math" panose="02040503050406030204" pitchFamily="18" charset="0"/>
                             </a:rPr>
                           </m:ctrlPr>
                         </m:sSubPr>
                         <m:e>
                           <m:r>
-                            <a:rPr lang="fr-BE" sz="2210" i="1">
-                              <a:latin typeface="Cambria Math" panose="02040503050406030204" pitchFamily="18" charset="0"/>
-                            </a:rPr>
-                            <m:t>𝑖𝑛𝑡</m:t>
+                            <a:rPr lang="fr-BE" sz="2210" b="1" i="1">
+                              <a:latin typeface="Cambria Math" panose="02040503050406030204" pitchFamily="18" charset="0"/>
+                            </a:rPr>
+                            <m:t>𝒊𝒏𝒕</m:t>
                           </m:r>
                         </m:e>
                         <m:sub>
                           <m:r>
-                            <a:rPr lang="fr-BE" sz="2210" i="1">
-                              <a:latin typeface="Cambria Math" panose="02040503050406030204" pitchFamily="18" charset="0"/>
-                            </a:rPr>
-                            <m:t>𝑥</m:t>
+                            <a:rPr lang="fr-BE" sz="2210" b="1" i="1">
+                              <a:latin typeface="Cambria Math" panose="02040503050406030204" pitchFamily="18" charset="0"/>
+                            </a:rPr>
+                            <m:t>𝒙</m:t>
                           </m:r>
                         </m:sub>
                       </m:sSub>
                       <m:r>
-                        <a:rPr lang="fr-BE" sz="2210" i="1">
+                        <a:rPr lang="fr-BE" sz="2210" b="1" i="1">
                           <a:latin typeface="Cambria Math" panose="02040503050406030204" pitchFamily="18" charset="0"/>
                         </a:rPr>
                         <m:t>==</m:t>
@@ -19686,28 +20107,28 @@
                       <m:sSub>
                         <m:sSubPr>
                           <m:ctrlPr>
-                            <a:rPr lang="fr-BE" sz="2210" i="1">
+                            <a:rPr lang="fr-BE" sz="2210" b="1" i="1">
                               <a:latin typeface="Cambria Math" panose="02040503050406030204" pitchFamily="18" charset="0"/>
                             </a:rPr>
                           </m:ctrlPr>
                         </m:sSubPr>
                         <m:e>
                           <m:r>
-                            <a:rPr lang="fr-BE" sz="2210" i="1">
-                              <a:latin typeface="Cambria Math" panose="02040503050406030204" pitchFamily="18" charset="0"/>
-                            </a:rPr>
-                            <m:t>𝑁</m:t>
+                            <a:rPr lang="fr-BE" sz="2210" b="1" i="1">
+                              <a:latin typeface="Cambria Math" panose="02040503050406030204" pitchFamily="18" charset="0"/>
+                            </a:rPr>
+                            <m:t>𝑵</m:t>
                           </m:r>
                         </m:e>
                         <m:sub>
                           <m:r>
-                            <a:rPr lang="fr-BE" sz="2210" i="1">
-                              <a:latin typeface="Cambria Math" panose="02040503050406030204" pitchFamily="18" charset="0"/>
-                            </a:rPr>
-                            <m:t>𝑘𝑥</m:t>
-                          </m:r>
-                          <m:r>
-                            <a:rPr lang="fr-BE" sz="2210" i="1">
+                            <a:rPr lang="fr-BE" sz="2210" b="1" i="1">
+                              <a:latin typeface="Cambria Math" panose="02040503050406030204" pitchFamily="18" charset="0"/>
+                            </a:rPr>
+                            <m:t>𝒌𝒙</m:t>
+                          </m:r>
+                          <m:r>
+                            <a:rPr lang="fr-BE" sz="2210" b="1" i="1">
                               <a:latin typeface="Cambria Math" panose="02040503050406030204" pitchFamily="18" charset="0"/>
                             </a:rPr>
                             <m:t> </m:t>
@@ -19715,7 +20136,7 @@
                         </m:sub>
                       </m:sSub>
                       <m:r>
-                        <a:rPr lang="fr-BE" sz="2210" i="1">
+                        <a:rPr lang="fr-BE" sz="2210" b="1" i="1">
                           <a:latin typeface="Cambria Math" panose="02040503050406030204" pitchFamily="18" charset="0"/>
                           <a:ea typeface="Cambria Math" panose="02040503050406030204" pitchFamily="18" charset="0"/>
                         </a:rPr>
@@ -19726,36 +20147,36 @@
                       <m:sSub>
                         <m:sSubPr>
                           <m:ctrlPr>
-                            <a:rPr lang="fr-BE" sz="2210" i="1">
+                            <a:rPr lang="fr-BE" sz="2210" b="1" i="1">
                               <a:latin typeface="Cambria Math" panose="02040503050406030204" pitchFamily="18" charset="0"/>
                             </a:rPr>
                           </m:ctrlPr>
                         </m:sSubPr>
                         <m:e>
                           <m:r>
-                            <a:rPr lang="fr-BE" sz="2210" i="1">
+                            <a:rPr lang="fr-BE" sz="2210" b="1" i="1">
                               <a:latin typeface="Cambria Math" panose="02040503050406030204" pitchFamily="18" charset="0"/>
                             </a:rPr>
                             <m:t> </m:t>
                           </m:r>
                           <m:r>
-                            <a:rPr lang="fr-BE" sz="2210" i="1">
-                              <a:latin typeface="Cambria Math" panose="02040503050406030204" pitchFamily="18" charset="0"/>
-                            </a:rPr>
-                            <m:t>𝑖𝑛𝑡</m:t>
+                            <a:rPr lang="fr-BE" sz="2210" b="1" i="1">
+                              <a:latin typeface="Cambria Math" panose="02040503050406030204" pitchFamily="18" charset="0"/>
+                            </a:rPr>
+                            <m:t>𝒊𝒏𝒕</m:t>
                           </m:r>
                         </m:e>
                         <m:sub>
                           <m:r>
-                            <a:rPr lang="fr-BE" sz="2210" i="1">
-                              <a:latin typeface="Cambria Math" panose="02040503050406030204" pitchFamily="18" charset="0"/>
-                            </a:rPr>
-                            <m:t>𝑦</m:t>
+                            <a:rPr lang="fr-BE" sz="2210" b="1" i="1">
+                              <a:latin typeface="Cambria Math" panose="02040503050406030204" pitchFamily="18" charset="0"/>
+                            </a:rPr>
+                            <m:t>𝒚</m:t>
                           </m:r>
                         </m:sub>
                       </m:sSub>
                       <m:r>
-                        <a:rPr lang="fr-BE" sz="2210" i="1">
+                        <a:rPr lang="fr-BE" sz="2210" b="1" i="1">
                           <a:latin typeface="Cambria Math" panose="02040503050406030204" pitchFamily="18" charset="0"/>
                         </a:rPr>
                         <m:t>==</m:t>
@@ -19763,34 +20184,28 @@
                       <m:sSub>
                         <m:sSubPr>
                           <m:ctrlPr>
-                            <a:rPr lang="fr-BE" sz="2210" i="1">
+                            <a:rPr lang="fr-BE" sz="2210" b="1" i="1">
                               <a:latin typeface="Cambria Math" panose="02040503050406030204" pitchFamily="18" charset="0"/>
                             </a:rPr>
                           </m:ctrlPr>
                         </m:sSubPr>
                         <m:e>
                           <m:r>
-                            <a:rPr lang="fr-BE" sz="2210" i="1">
-                              <a:latin typeface="Cambria Math" panose="02040503050406030204" pitchFamily="18" charset="0"/>
-                            </a:rPr>
-                            <m:t>𝑁</m:t>
+                            <a:rPr lang="fr-BE" sz="2210" b="1" i="1">
+                              <a:latin typeface="Cambria Math" panose="02040503050406030204" pitchFamily="18" charset="0"/>
+                            </a:rPr>
+                            <m:t>𝑵</m:t>
                           </m:r>
                         </m:e>
                         <m:sub>
                           <m:r>
-                            <a:rPr lang="fr-BE" sz="2210" i="1">
-                              <a:latin typeface="Cambria Math" panose="02040503050406030204" pitchFamily="18" charset="0"/>
-                            </a:rPr>
-                            <m:t>𝑘</m:t>
-                          </m:r>
-                          <m:r>
-                            <a:rPr lang="fr-BE" sz="2210" i="1">
-                              <a:latin typeface="Cambria Math" panose="02040503050406030204" pitchFamily="18" charset="0"/>
-                            </a:rPr>
-                            <m:t>𝑦</m:t>
-                          </m:r>
-                          <m:r>
-                            <a:rPr lang="fr-BE" sz="2210" i="1">
+                            <a:rPr lang="fr-BE" sz="2210" b="1" i="1">
+                              <a:latin typeface="Cambria Math" panose="02040503050406030204" pitchFamily="18" charset="0"/>
+                            </a:rPr>
+                            <m:t>𝒌𝒚</m:t>
+                          </m:r>
+                          <m:r>
+                            <a:rPr lang="fr-BE" sz="2210" b="1" i="1">
                               <a:latin typeface="Cambria Math" panose="02040503050406030204" pitchFamily="18" charset="0"/>
                             </a:rPr>
                             <m:t> </m:t>
@@ -19798,7 +20213,7 @@
                         </m:sub>
                       </m:sSub>
                       <m:r>
-                        <a:rPr lang="fr-BE" sz="2210" i="1">
+                        <a:rPr lang="fr-BE" sz="2210" b="1" i="1">
                           <a:latin typeface="Cambria Math" panose="02040503050406030204" pitchFamily="18" charset="0"/>
                           <a:ea typeface="Cambria Math" panose="02040503050406030204" pitchFamily="18" charset="0"/>
                         </a:rPr>
@@ -19807,7 +20222,7 @@
                     </m:oMath>
                   </m:oMathPara>
                 </a14:m>
-                <a:endParaRPr lang="fr-BE" sz="2210" i="1" dirty="0">
+                <a:endParaRPr lang="fr-BE" sz="2210" b="1" i="1" dirty="0">
                   <a:latin typeface="Cambria Math" panose="02040503050406030204" pitchFamily="18" charset="0"/>
                 </a:endParaRPr>
               </a:p>
@@ -19822,36 +20237,36 @@
                       <m:sSub>
                         <m:sSubPr>
                           <m:ctrlPr>
-                            <a:rPr lang="fr-BE" sz="2210" i="1">
+                            <a:rPr lang="fr-BE" sz="2210" b="1" i="1">
                               <a:latin typeface="Cambria Math" panose="02040503050406030204" pitchFamily="18" charset="0"/>
                             </a:rPr>
                           </m:ctrlPr>
                         </m:sSubPr>
                         <m:e>
                           <m:r>
-                            <a:rPr lang="fr-BE" sz="2210" i="1">
+                            <a:rPr lang="fr-BE" sz="2210" b="1" i="1">
                               <a:latin typeface="Cambria Math" panose="02040503050406030204" pitchFamily="18" charset="0"/>
                             </a:rPr>
                             <m:t> </m:t>
                           </m:r>
                           <m:r>
-                            <a:rPr lang="fr-BE" sz="2210" i="1">
-                              <a:latin typeface="Cambria Math" panose="02040503050406030204" pitchFamily="18" charset="0"/>
-                            </a:rPr>
-                            <m:t>𝑖𝑛𝑡</m:t>
+                            <a:rPr lang="fr-BE" sz="2210" b="1" i="1">
+                              <a:latin typeface="Cambria Math" panose="02040503050406030204" pitchFamily="18" charset="0"/>
+                            </a:rPr>
+                            <m:t>𝒊𝒏𝒕</m:t>
                           </m:r>
                         </m:e>
                         <m:sub>
                           <m:r>
-                            <a:rPr lang="fr-BE" sz="2210" i="1">
-                              <a:latin typeface="Cambria Math" panose="02040503050406030204" pitchFamily="18" charset="0"/>
-                            </a:rPr>
-                            <m:t>𝑓</m:t>
+                            <a:rPr lang="fr-BE" sz="2210" b="1" i="1">
+                              <a:latin typeface="Cambria Math" panose="02040503050406030204" pitchFamily="18" charset="0"/>
+                            </a:rPr>
+                            <m:t>𝒇</m:t>
                           </m:r>
                         </m:sub>
                       </m:sSub>
                       <m:r>
-                        <a:rPr lang="fr-BE" sz="2210" i="1">
+                        <a:rPr lang="fr-BE" sz="2210" b="1" i="1">
                           <a:latin typeface="Cambria Math" panose="02040503050406030204" pitchFamily="18" charset="0"/>
                         </a:rPr>
                         <m:t>==</m:t>
@@ -19859,38 +20274,32 @@
                       <m:sSub>
                         <m:sSubPr>
                           <m:ctrlPr>
-                            <a:rPr lang="fr-BE" sz="2210" i="1">
+                            <a:rPr lang="fr-BE" sz="2210" b="1" i="1">
                               <a:latin typeface="Cambria Math" panose="02040503050406030204" pitchFamily="18" charset="0"/>
                             </a:rPr>
                           </m:ctrlPr>
                         </m:sSubPr>
                         <m:e>
                           <m:r>
-                            <a:rPr lang="fr-BE" sz="2210" i="1">
-                              <a:latin typeface="Cambria Math" panose="02040503050406030204" pitchFamily="18" charset="0"/>
-                            </a:rPr>
-                            <m:t>𝑁</m:t>
+                            <a:rPr lang="fr-BE" sz="2210" b="1" i="1">
+                              <a:latin typeface="Cambria Math" panose="02040503050406030204" pitchFamily="18" charset="0"/>
+                            </a:rPr>
+                            <m:t>𝑵</m:t>
                           </m:r>
                         </m:e>
                         <m:sub>
                           <m:r>
-                            <a:rPr lang="fr-BE" sz="2210" i="1">
-                              <a:latin typeface="Cambria Math" panose="02040503050406030204" pitchFamily="18" charset="0"/>
-                            </a:rPr>
-                            <m:t>𝑘</m:t>
-                          </m:r>
-                          <m:r>
-                            <a:rPr lang="fr-BE" sz="2210" i="1">
-                              <a:latin typeface="Cambria Math" panose="02040503050406030204" pitchFamily="18" charset="0"/>
-                            </a:rPr>
-                            <m:t>𝑓</m:t>
+                            <a:rPr lang="fr-BE" sz="2210" b="1" i="1">
+                              <a:latin typeface="Cambria Math" panose="02040503050406030204" pitchFamily="18" charset="0"/>
+                            </a:rPr>
+                            <m:t>𝒌𝒇</m:t>
                           </m:r>
                         </m:sub>
                       </m:sSub>
                     </m:oMath>
                   </m:oMathPara>
                 </a14:m>
-                <a:endParaRPr lang="fr-BE" sz="2210" dirty="0"/>
+                <a:endParaRPr lang="fr-BE" sz="2210" b="1" dirty="0"/>
               </a:p>
             </p:txBody>
           </p:sp>
@@ -19921,7 +20330,7 @@
               <a:blipFill>
                 <a:blip r:embed="rId16"/>
                 <a:stretch>
-                  <a:fillRect b="-3665"/>
+                  <a:fillRect b="-4188"/>
                 </a:stretch>
               </a:blipFill>
             </p:spPr>
@@ -19930,7 +20339,7 @@
               <a:lstStyle/>
               <a:p>
                 <a:r>
-                  <a:rPr lang="fr-FR">
+                  <a:rPr lang="fr-BE">
                     <a:noFill/>
                   </a:rPr>
                   <a:t> </a:t>
@@ -20093,9 +20502,11 @@
             <a:ext cx="3994352" cy="6350454"/>
           </a:xfrm>
           <a:prstGeom prst="curvedConnector3">
-            <a:avLst/>
+            <a:avLst>
+              <a:gd name="adj1" fmla="val 70930"/>
+            </a:avLst>
           </a:prstGeom>
-          <a:ln w="28575">
+          <a:ln w="38100">
             <a:tailEnd type="triangle"/>
           </a:ln>
         </p:spPr>
@@ -20224,7 +20635,7 @@
             </p:nvSpPr>
             <p:spPr>
               <a:xfrm>
-                <a:off x="-200405" y="6584264"/>
+                <a:off x="1679847" y="5440315"/>
                 <a:ext cx="2226156" cy="1207767"/>
               </a:xfrm>
               <a:prstGeom prst="rect">
@@ -20248,7 +20659,7 @@
                       <m:sSub>
                         <m:sSubPr>
                           <m:ctrlPr>
-                            <a:rPr lang="fr-BE" sz="2210" i="1" smtClean="0">
+                            <a:rPr lang="fr-BE" sz="2210" b="1" i="1" smtClean="0">
                               <a:solidFill>
                                 <a:srgbClr val="FF0000"/>
                               </a:solidFill>
@@ -20258,38 +20669,38 @@
                         </m:sSubPr>
                         <m:e>
                           <m:r>
-                            <a:rPr lang="fr-BE" sz="2210" i="1">
+                            <a:rPr lang="fr-BE" sz="2210" b="1" i="1">
                               <a:solidFill>
                                 <a:srgbClr val="FF0000"/>
                               </a:solidFill>
                               <a:latin typeface="Cambria Math" panose="02040503050406030204" pitchFamily="18" charset="0"/>
                             </a:rPr>
-                            <m:t>𝑡</m:t>
+                            <m:t>𝒕</m:t>
                           </m:r>
                         </m:e>
                         <m:sub>
                           <m:r>
-                            <a:rPr lang="fr-BE" sz="2210" b="0" i="1" smtClean="0">
+                            <a:rPr lang="fr-BE" sz="2210" b="1" i="1" smtClean="0">
                               <a:solidFill>
                                 <a:srgbClr val="FF0000"/>
                               </a:solidFill>
                               <a:latin typeface="Cambria Math" panose="02040503050406030204" pitchFamily="18" charset="0"/>
                             </a:rPr>
-                            <m:t>𝑜</m:t>
-                          </m:r>
-                          <m:r>
-                            <a:rPr lang="fr-BE" sz="2210" i="1">
+                            <m:t>𝒐</m:t>
+                          </m:r>
+                          <m:r>
+                            <a:rPr lang="fr-BE" sz="2210" b="1" i="1">
                               <a:solidFill>
                                 <a:srgbClr val="FF0000"/>
                               </a:solidFill>
                               <a:latin typeface="Cambria Math" panose="02040503050406030204" pitchFamily="18" charset="0"/>
                             </a:rPr>
-                            <m:t>𝑥</m:t>
+                            <m:t>𝒙</m:t>
                           </m:r>
                         </m:sub>
                       </m:sSub>
                       <m:r>
-                        <a:rPr lang="fr-BE" sz="2210" i="1">
+                        <a:rPr lang="fr-BE" sz="2210" b="1" i="1">
                           <a:solidFill>
                             <a:srgbClr val="FF0000"/>
                           </a:solidFill>
@@ -20300,7 +20711,7 @@
                       <m:sSub>
                         <m:sSubPr>
                           <m:ctrlPr>
-                            <a:rPr lang="fr-BE" sz="2210" i="1">
+                            <a:rPr lang="fr-BE" sz="2210" b="1" i="1">
                               <a:solidFill>
                                 <a:srgbClr val="FF0000"/>
                               </a:solidFill>
@@ -20310,27 +20721,27 @@
                         </m:sSubPr>
                         <m:e>
                           <m:r>
-                            <a:rPr lang="fr-BE" sz="2210" i="1">
+                            <a:rPr lang="fr-BE" sz="2210" b="1" i="1">
                               <a:solidFill>
                                 <a:srgbClr val="FF0000"/>
                               </a:solidFill>
                               <a:latin typeface="Cambria Math" panose="02040503050406030204" pitchFamily="18" charset="0"/>
                             </a:rPr>
-                            <m:t>𝑇</m:t>
+                            <m:t>𝑻</m:t>
                           </m:r>
                         </m:e>
                         <m:sub>
                           <m:r>
-                            <a:rPr lang="fr-BE" sz="2210" i="1">
+                            <a:rPr lang="fr-BE" sz="2210" b="1" i="1">
                               <a:solidFill>
                                 <a:srgbClr val="FF0000"/>
                               </a:solidFill>
                               <a:latin typeface="Cambria Math" panose="02040503050406030204" pitchFamily="18" charset="0"/>
                             </a:rPr>
-                            <m:t>𝑜𝑥</m:t>
-                          </m:r>
-                          <m:r>
-                            <a:rPr lang="fr-BE" sz="2210" i="1">
+                            <m:t>𝒐𝒙</m:t>
+                          </m:r>
+                          <m:r>
+                            <a:rPr lang="fr-BE" sz="2210" b="1" i="1">
                               <a:solidFill>
                                 <a:srgbClr val="FF0000"/>
                               </a:solidFill>
@@ -20341,7 +20752,7 @@
                         </m:sub>
                       </m:sSub>
                       <m:r>
-                        <a:rPr lang="fr-BE" sz="2210" i="1">
+                        <a:rPr lang="fr-BE" sz="2210" b="1" i="1">
                           <a:solidFill>
                             <a:srgbClr val="FF0000"/>
                           </a:solidFill>
@@ -20355,7 +20766,7 @@
                       <m:sSub>
                         <m:sSubPr>
                           <m:ctrlPr>
-                            <a:rPr lang="fr-BE" sz="2210" i="1">
+                            <a:rPr lang="fr-BE" sz="2210" b="1" i="1">
                               <a:solidFill>
                                 <a:srgbClr val="FF0000"/>
                               </a:solidFill>
@@ -20365,7 +20776,7 @@
                         </m:sSubPr>
                         <m:e>
                           <m:r>
-                            <a:rPr lang="fr-BE" sz="2210" i="1">
+                            <a:rPr lang="fr-BE" sz="2210" b="1" i="1">
                               <a:solidFill>
                                 <a:srgbClr val="FF0000"/>
                               </a:solidFill>
@@ -20374,38 +20785,38 @@
                             <m:t> </m:t>
                           </m:r>
                           <m:r>
-                            <a:rPr lang="fr-BE" sz="2210" i="1">
+                            <a:rPr lang="fr-BE" sz="2210" b="1" i="1">
                               <a:solidFill>
                                 <a:srgbClr val="FF0000"/>
                               </a:solidFill>
                               <a:latin typeface="Cambria Math" panose="02040503050406030204" pitchFamily="18" charset="0"/>
                             </a:rPr>
-                            <m:t>𝑡</m:t>
+                            <m:t>𝒕</m:t>
                           </m:r>
                         </m:e>
                         <m:sub>
                           <m:r>
-                            <a:rPr lang="fr-BE" sz="2210" b="0" i="1" smtClean="0">
+                            <a:rPr lang="fr-BE" sz="2210" b="1" i="1" smtClean="0">
                               <a:solidFill>
                                 <a:srgbClr val="FF0000"/>
                               </a:solidFill>
                               <a:latin typeface="Cambria Math" panose="02040503050406030204" pitchFamily="18" charset="0"/>
                             </a:rPr>
-                            <m:t>𝑜</m:t>
-                          </m:r>
-                          <m:r>
-                            <a:rPr lang="fr-BE" sz="2210" i="1">
+                            <m:t>𝒐</m:t>
+                          </m:r>
+                          <m:r>
+                            <a:rPr lang="fr-BE" sz="2210" b="1" i="1">
                               <a:solidFill>
                                 <a:srgbClr val="FF0000"/>
                               </a:solidFill>
                               <a:latin typeface="Cambria Math" panose="02040503050406030204" pitchFamily="18" charset="0"/>
                             </a:rPr>
-                            <m:t>𝑦</m:t>
+                            <m:t>𝒚</m:t>
                           </m:r>
                         </m:sub>
                       </m:sSub>
                       <m:r>
-                        <a:rPr lang="fr-BE" sz="2210" i="1">
+                        <a:rPr lang="fr-BE" sz="2210" b="1" i="1">
                           <a:solidFill>
                             <a:srgbClr val="FF0000"/>
                           </a:solidFill>
@@ -20416,7 +20827,7 @@
                       <m:sSub>
                         <m:sSubPr>
                           <m:ctrlPr>
-                            <a:rPr lang="fr-BE" sz="2210" i="1">
+                            <a:rPr lang="fr-BE" sz="2210" b="1" i="1">
                               <a:solidFill>
                                 <a:srgbClr val="FF0000"/>
                               </a:solidFill>
@@ -20426,27 +20837,27 @@
                         </m:sSubPr>
                         <m:e>
                           <m:r>
-                            <a:rPr lang="fr-BE" sz="2210" i="1">
+                            <a:rPr lang="fr-BE" sz="2210" b="1" i="1">
                               <a:solidFill>
                                 <a:srgbClr val="FF0000"/>
                               </a:solidFill>
                               <a:latin typeface="Cambria Math" panose="02040503050406030204" pitchFamily="18" charset="0"/>
                             </a:rPr>
-                            <m:t>𝑇</m:t>
+                            <m:t>𝑻</m:t>
                           </m:r>
                         </m:e>
                         <m:sub>
                           <m:r>
-                            <a:rPr lang="fr-BE" sz="2210" i="1">
+                            <a:rPr lang="fr-BE" sz="2210" b="1" i="1">
                               <a:solidFill>
                                 <a:srgbClr val="FF0000"/>
                               </a:solidFill>
                               <a:latin typeface="Cambria Math" panose="02040503050406030204" pitchFamily="18" charset="0"/>
                             </a:rPr>
-                            <m:t>𝑜𝑦</m:t>
-                          </m:r>
-                          <m:r>
-                            <a:rPr lang="fr-BE" sz="2210" i="1">
+                            <m:t>𝒐𝒚</m:t>
+                          </m:r>
+                          <m:r>
+                            <a:rPr lang="fr-BE" sz="2210" b="1" i="1">
                               <a:solidFill>
                                 <a:srgbClr val="FF0000"/>
                               </a:solidFill>
@@ -20457,7 +20868,7 @@
                         </m:sub>
                       </m:sSub>
                       <m:r>
-                        <a:rPr lang="fr-BE" sz="2210" i="1">
+                        <a:rPr lang="fr-BE" sz="2210" b="1" i="1">
                           <a:solidFill>
                             <a:srgbClr val="FF0000"/>
                           </a:solidFill>
@@ -20469,7 +20880,7 @@
                     </m:oMath>
                   </m:oMathPara>
                 </a14:m>
-                <a:endParaRPr lang="fr-BE" sz="2210" i="1" dirty="0">
+                <a:endParaRPr lang="fr-BE" sz="2210" b="1" i="1" dirty="0">
                   <a:solidFill>
                     <a:srgbClr val="FF0000"/>
                   </a:solidFill>
@@ -20487,7 +20898,7 @@
                       <m:sSub>
                         <m:sSubPr>
                           <m:ctrlPr>
-                            <a:rPr lang="fr-BE" sz="2210" i="1">
+                            <a:rPr lang="fr-BE" sz="2210" b="1" i="1">
                               <a:solidFill>
                                 <a:srgbClr val="FF0000"/>
                               </a:solidFill>
@@ -20497,7 +20908,7 @@
                         </m:sSubPr>
                         <m:e>
                           <m:r>
-                            <a:rPr lang="fr-BE" sz="2210" i="1">
+                            <a:rPr lang="fr-BE" sz="2210" b="1" i="1">
                               <a:solidFill>
                                 <a:srgbClr val="FF0000"/>
                               </a:solidFill>
@@ -20506,38 +20917,38 @@
                             <m:t> </m:t>
                           </m:r>
                           <m:r>
-                            <a:rPr lang="fr-BE" sz="2210" i="1">
+                            <a:rPr lang="fr-BE" sz="2210" b="1" i="1">
                               <a:solidFill>
                                 <a:srgbClr val="FF0000"/>
                               </a:solidFill>
                               <a:latin typeface="Cambria Math" panose="02040503050406030204" pitchFamily="18" charset="0"/>
                             </a:rPr>
-                            <m:t>𝑡</m:t>
+                            <m:t>𝒕</m:t>
                           </m:r>
                         </m:e>
                         <m:sub>
                           <m:r>
-                            <a:rPr lang="fr-BE" sz="2210" b="0" i="1" smtClean="0">
+                            <a:rPr lang="fr-BE" sz="2210" b="1" i="1" smtClean="0">
                               <a:solidFill>
                                 <a:srgbClr val="FF0000"/>
                               </a:solidFill>
                               <a:latin typeface="Cambria Math" panose="02040503050406030204" pitchFamily="18" charset="0"/>
                             </a:rPr>
-                            <m:t>𝑜</m:t>
-                          </m:r>
-                          <m:r>
-                            <a:rPr lang="fr-BE" sz="2210" i="1">
+                            <m:t>𝒐</m:t>
+                          </m:r>
+                          <m:r>
+                            <a:rPr lang="fr-BE" sz="2210" b="1" i="1">
                               <a:solidFill>
                                 <a:srgbClr val="FF0000"/>
                               </a:solidFill>
                               <a:latin typeface="Cambria Math" panose="02040503050406030204" pitchFamily="18" charset="0"/>
                             </a:rPr>
-                            <m:t>𝑓</m:t>
+                            <m:t>𝒇</m:t>
                           </m:r>
                         </m:sub>
                       </m:sSub>
                       <m:r>
-                        <a:rPr lang="fr-BE" sz="2210" i="1">
+                        <a:rPr lang="fr-BE" sz="2210" b="1" i="1">
                           <a:solidFill>
                             <a:srgbClr val="FF0000"/>
                           </a:solidFill>
@@ -20548,7 +20959,7 @@
                       <m:sSub>
                         <m:sSubPr>
                           <m:ctrlPr>
-                            <a:rPr lang="fr-BE" sz="2210" i="1">
+                            <a:rPr lang="fr-BE" sz="2210" b="1" i="1">
                               <a:solidFill>
                                 <a:srgbClr val="FF0000"/>
                               </a:solidFill>
@@ -20558,31 +20969,31 @@
                         </m:sSubPr>
                         <m:e>
                           <m:r>
-                            <a:rPr lang="fr-BE" sz="2210" i="1">
+                            <a:rPr lang="fr-BE" sz="2210" b="1" i="1">
                               <a:solidFill>
                                 <a:srgbClr val="FF0000"/>
                               </a:solidFill>
                               <a:latin typeface="Cambria Math" panose="02040503050406030204" pitchFamily="18" charset="0"/>
                             </a:rPr>
-                            <m:t>𝑁</m:t>
+                            <m:t>𝑵</m:t>
                           </m:r>
                         </m:e>
                         <m:sub>
                           <m:r>
-                            <a:rPr lang="fr-BE" sz="2210" i="1">
+                            <a:rPr lang="fr-BE" sz="2210" b="1" i="1">
                               <a:solidFill>
                                 <a:srgbClr val="FF0000"/>
                               </a:solidFill>
                               <a:latin typeface="Cambria Math" panose="02040503050406030204" pitchFamily="18" charset="0"/>
                             </a:rPr>
-                            <m:t>𝑜𝑓</m:t>
+                            <m:t>𝒐𝒇</m:t>
                           </m:r>
                         </m:sub>
                       </m:sSub>
                     </m:oMath>
                   </m:oMathPara>
                 </a14:m>
-                <a:endParaRPr lang="fr-BE" sz="2210" dirty="0">
+                <a:endParaRPr lang="fr-BE" sz="2210" b="1" dirty="0">
                   <a:solidFill>
                     <a:srgbClr val="FF0000"/>
                   </a:solidFill>
@@ -20608,7 +21019,7 @@
             </p:nvSpPr>
             <p:spPr>
               <a:xfrm>
-                <a:off x="-200405" y="6584264"/>
+                <a:off x="1679847" y="5440315"/>
                 <a:ext cx="2226156" cy="1207767"/>
               </a:xfrm>
               <a:prstGeom prst="rect">
@@ -20626,7 +21037,7 @@
               <a:lstStyle/>
               <a:p>
                 <a:r>
-                  <a:rPr lang="fr-FR">
+                  <a:rPr lang="fr-BE">
                     <a:noFill/>
                   </a:rPr>
                   <a:t> </a:t>
@@ -20653,7 +21064,7 @@
             <p:spPr>
               <a:xfrm>
                 <a:off x="6548016" y="9047668"/>
-                <a:ext cx="1864115" cy="491288"/>
+                <a:ext cx="1864115" cy="496674"/>
               </a:xfrm>
               <a:prstGeom prst="rect">
                 <a:avLst/>
@@ -20676,7 +21087,7 @@
                       <m:sSub>
                         <m:sSubPr>
                           <m:ctrlPr>
-                            <a:rPr lang="fr-BE" sz="2400" i="1" smtClean="0">
+                            <a:rPr lang="fr-BE" sz="2400" b="1" i="1" smtClean="0">
                               <a:solidFill>
                                 <a:schemeClr val="tx1"/>
                               </a:solidFill>
@@ -20686,7 +21097,7 @@
                         </m:sSubPr>
                         <m:e>
                           <m:r>
-                            <a:rPr lang="fr-BE" sz="2400" i="1">
+                            <a:rPr lang="fr-BE" sz="2400" b="1" i="1">
                               <a:solidFill>
                                 <a:schemeClr val="tx1"/>
                               </a:solidFill>
@@ -20695,38 +21106,38 @@
                             <m:t> </m:t>
                           </m:r>
                           <m:r>
-                            <a:rPr lang="fr-BE" sz="2400" i="1">
+                            <a:rPr lang="fr-BE" sz="2400" b="1" i="1">
                               <a:solidFill>
                                 <a:schemeClr val="tx1"/>
                               </a:solidFill>
                               <a:latin typeface="Cambria Math" panose="02040503050406030204" pitchFamily="18" charset="0"/>
                             </a:rPr>
-                            <m:t>𝑡</m:t>
+                            <m:t>𝒕</m:t>
                           </m:r>
                         </m:e>
                         <m:sub>
                           <m:r>
-                            <a:rPr lang="fr-BE" sz="2400" b="0" i="1" smtClean="0">
+                            <a:rPr lang="fr-BE" sz="2400" b="1" i="1" smtClean="0">
                               <a:solidFill>
                                 <a:schemeClr val="tx1"/>
                               </a:solidFill>
                               <a:latin typeface="Cambria Math" panose="02040503050406030204" pitchFamily="18" charset="0"/>
                             </a:rPr>
-                            <m:t>𝑜</m:t>
-                          </m:r>
-                          <m:r>
-                            <a:rPr lang="fr-BE" sz="2400" i="1">
+                            <m:t>𝒐</m:t>
+                          </m:r>
+                          <m:r>
+                            <a:rPr lang="fr-BE" sz="2400" b="1" i="1">
                               <a:solidFill>
                                 <a:schemeClr val="tx1"/>
                               </a:solidFill>
                               <a:latin typeface="Cambria Math" panose="02040503050406030204" pitchFamily="18" charset="0"/>
                             </a:rPr>
-                            <m:t>𝑓</m:t>
+                            <m:t>𝒇</m:t>
                           </m:r>
                         </m:sub>
                       </m:sSub>
                       <m:r>
-                        <a:rPr lang="fr-BE" sz="2400" b="0" i="1" smtClean="0">
+                        <a:rPr lang="fr-BE" sz="2400" b="1" i="1" smtClean="0">
                           <a:solidFill>
                             <a:schemeClr val="tx1"/>
                           </a:solidFill>
@@ -20737,7 +21148,7 @@
                       <m:sSub>
                         <m:sSubPr>
                           <m:ctrlPr>
-                            <a:rPr lang="fr-BE" sz="2400" i="1">
+                            <a:rPr lang="fr-BE" sz="2400" b="1" i="1">
                               <a:solidFill>
                                 <a:schemeClr val="tx1"/>
                               </a:solidFill>
@@ -20747,31 +21158,31 @@
                         </m:sSubPr>
                         <m:e>
                           <m:r>
-                            <a:rPr lang="fr-BE" sz="2400" i="1">
+                            <a:rPr lang="fr-BE" sz="2400" b="1" i="1">
                               <a:solidFill>
                                 <a:schemeClr val="tx1"/>
                               </a:solidFill>
                               <a:latin typeface="Cambria Math" panose="02040503050406030204" pitchFamily="18" charset="0"/>
                             </a:rPr>
-                            <m:t>𝑁</m:t>
+                            <m:t>𝑵</m:t>
                           </m:r>
                         </m:e>
                         <m:sub>
                           <m:r>
-                            <a:rPr lang="fr-BE" sz="2400" i="1">
+                            <a:rPr lang="fr-BE" sz="2400" b="1" i="1">
                               <a:solidFill>
                                 <a:schemeClr val="tx1"/>
                               </a:solidFill>
                               <a:latin typeface="Cambria Math" panose="02040503050406030204" pitchFamily="18" charset="0"/>
                             </a:rPr>
-                            <m:t>𝑜𝑓</m:t>
+                            <m:t>𝒐𝒇</m:t>
                           </m:r>
                         </m:sub>
                       </m:sSub>
                     </m:oMath>
                   </m:oMathPara>
                 </a14:m>
-                <a:endParaRPr lang="fr-FR" sz="2000" dirty="0">
+                <a:endParaRPr lang="fr-FR" sz="2000" b="1" dirty="0">
                   <a:solidFill>
                     <a:schemeClr val="tx1"/>
                   </a:solidFill>
@@ -20798,7 +21209,7 @@
             <p:spPr>
               <a:xfrm>
                 <a:off x="6548016" y="9047668"/>
-                <a:ext cx="1864115" cy="491288"/>
+                <a:ext cx="1864115" cy="496674"/>
               </a:xfrm>
               <a:prstGeom prst="rect">
                 <a:avLst/>
@@ -20806,7 +21217,7 @@
               <a:blipFill>
                 <a:blip r:embed="rId18"/>
                 <a:stretch>
-                  <a:fillRect b="-12346"/>
+                  <a:fillRect b="-10976"/>
                 </a:stretch>
               </a:blipFill>
             </p:spPr>
@@ -20815,7 +21226,7 @@
               <a:lstStyle/>
               <a:p>
                 <a:r>
-                  <a:rPr lang="fr-FR">
+                  <a:rPr lang="fr-BE">
                     <a:noFill/>
                   </a:rPr>
                   <a:t> </a:t>
@@ -20843,8 +21254,8 @@
             </p:nvSpPr>
             <p:spPr>
               <a:xfrm>
-                <a:off x="2659212" y="3110017"/>
-                <a:ext cx="2780307" cy="2267993"/>
+                <a:off x="4977903" y="4046720"/>
+                <a:ext cx="4612383" cy="1937197"/>
               </a:xfrm>
               <a:prstGeom prst="rect">
                 <a:avLst/>
@@ -20865,7 +21276,7 @@
                     </m:oMathParaPr>
                     <m:oMath xmlns:m="http://schemas.openxmlformats.org/officeDocument/2006/math">
                       <m:r>
-                        <a:rPr lang="fr-BE" sz="2210" b="0" i="1" smtClean="0">
+                        <a:rPr lang="fr-BE" sz="2210" b="1" i="1" smtClean="0">
                           <a:solidFill>
                             <a:schemeClr val="accent1"/>
                           </a:solidFill>
@@ -20876,7 +21287,7 @@
                       <m:sSub>
                         <m:sSubPr>
                           <m:ctrlPr>
-                            <a:rPr lang="fr-BE" sz="2210" i="1" smtClean="0">
+                            <a:rPr lang="fr-BE" sz="2210" b="1" i="1" smtClean="0">
                               <a:solidFill>
                                 <a:schemeClr val="accent1"/>
                               </a:solidFill>
@@ -20886,38 +21297,38 @@
                         </m:sSubPr>
                         <m:e>
                           <m:r>
-                            <a:rPr lang="fr-BE" sz="2210" i="1">
+                            <a:rPr lang="fr-BE" sz="2210" b="1" i="1">
                               <a:solidFill>
                                 <a:schemeClr val="accent1"/>
                               </a:solidFill>
                               <a:latin typeface="Cambria Math" panose="02040503050406030204" pitchFamily="18" charset="0"/>
                             </a:rPr>
-                            <m:t>𝑡</m:t>
+                            <m:t>𝒕</m:t>
                           </m:r>
                         </m:e>
                         <m:sub>
                           <m:r>
-                            <a:rPr lang="fr-BE" sz="2210" b="0" i="1" smtClean="0">
+                            <a:rPr lang="fr-BE" sz="2210" b="1" i="1" smtClean="0">
                               <a:solidFill>
                                 <a:schemeClr val="accent1"/>
                               </a:solidFill>
                               <a:latin typeface="Cambria Math" panose="02040503050406030204" pitchFamily="18" charset="0"/>
                             </a:rPr>
-                            <m:t>𝑜</m:t>
-                          </m:r>
-                          <m:r>
-                            <a:rPr lang="fr-BE" sz="2210" i="1">
+                            <m:t>𝒐</m:t>
+                          </m:r>
+                          <m:r>
+                            <a:rPr lang="fr-BE" sz="2210" b="1" i="1">
                               <a:solidFill>
                                 <a:schemeClr val="accent1"/>
                               </a:solidFill>
                               <a:latin typeface="Cambria Math" panose="02040503050406030204" pitchFamily="18" charset="0"/>
                             </a:rPr>
-                            <m:t>𝑥</m:t>
+                            <m:t>𝒙</m:t>
                           </m:r>
                         </m:sub>
                       </m:sSub>
                       <m:r>
-                        <a:rPr lang="fr-BE" sz="2210" b="0" i="1" smtClean="0">
+                        <a:rPr lang="fr-BE" sz="2210" b="1" i="1" smtClean="0">
                           <a:solidFill>
                             <a:schemeClr val="accent1"/>
                           </a:solidFill>
@@ -20928,7 +21339,7 @@
                       <m:sSub>
                         <m:sSubPr>
                           <m:ctrlPr>
-                            <a:rPr lang="fr-BE" sz="2210" i="1">
+                            <a:rPr lang="fr-BE" sz="2210" b="1" i="1">
                               <a:solidFill>
                                 <a:schemeClr val="accent1"/>
                               </a:solidFill>
@@ -20938,27 +21349,27 @@
                         </m:sSubPr>
                         <m:e>
                           <m:r>
-                            <a:rPr lang="fr-BE" sz="2210" i="1">
+                            <a:rPr lang="fr-BE" sz="2210" b="1" i="1">
                               <a:solidFill>
                                 <a:schemeClr val="accent1"/>
                               </a:solidFill>
                               <a:latin typeface="Cambria Math" panose="02040503050406030204" pitchFamily="18" charset="0"/>
                             </a:rPr>
-                            <m:t>𝑇</m:t>
+                            <m:t>𝑻</m:t>
                           </m:r>
                         </m:e>
                         <m:sub>
                           <m:r>
-                            <a:rPr lang="fr-BE" sz="2210" i="1">
+                            <a:rPr lang="fr-BE" sz="2210" b="1" i="1">
                               <a:solidFill>
                                 <a:schemeClr val="accent1"/>
                               </a:solidFill>
                               <a:latin typeface="Cambria Math" panose="02040503050406030204" pitchFamily="18" charset="0"/>
                             </a:rPr>
-                            <m:t>𝑜𝑥</m:t>
-                          </m:r>
-                          <m:r>
-                            <a:rPr lang="fr-BE" sz="2210" i="1">
+                            <m:t>𝒐𝒙</m:t>
+                          </m:r>
+                          <m:r>
+                            <a:rPr lang="fr-BE" sz="2210" b="1" i="1">
                               <a:solidFill>
                                 <a:schemeClr val="accent1"/>
                               </a:solidFill>
@@ -20969,7 +21380,7 @@
                         </m:sub>
                       </m:sSub>
                       <m:r>
-                        <a:rPr lang="fr-BE" sz="2210" i="1">
+                        <a:rPr lang="fr-BE" sz="2210" b="1" i="1">
                           <a:solidFill>
                             <a:schemeClr val="accent1"/>
                           </a:solidFill>
@@ -20978,12 +21389,10 @@
                         </a:rPr>
                         <m:t>⋁</m:t>
                       </m:r>
-                    </m:oMath>
-                    <m:oMath xmlns:m="http://schemas.openxmlformats.org/officeDocument/2006/math">
                       <m:sSub>
                         <m:sSubPr>
                           <m:ctrlPr>
-                            <a:rPr lang="fr-BE" sz="2210" i="1">
+                            <a:rPr lang="fr-BE" sz="2210" b="1" i="1">
                               <a:solidFill>
                                 <a:schemeClr val="accent1"/>
                               </a:solidFill>
@@ -20993,7 +21402,7 @@
                         </m:sSubPr>
                         <m:e>
                           <m:r>
-                            <a:rPr lang="fr-BE" sz="2210" i="1">
+                            <a:rPr lang="fr-BE" sz="2210" b="1" i="1">
                               <a:solidFill>
                                 <a:schemeClr val="accent1"/>
                               </a:solidFill>
@@ -21002,38 +21411,38 @@
                             <m:t> </m:t>
                           </m:r>
                           <m:r>
-                            <a:rPr lang="fr-BE" sz="2210" i="1">
+                            <a:rPr lang="fr-BE" sz="2210" b="1" i="1">
                               <a:solidFill>
                                 <a:schemeClr val="accent1"/>
                               </a:solidFill>
                               <a:latin typeface="Cambria Math" panose="02040503050406030204" pitchFamily="18" charset="0"/>
                             </a:rPr>
-                            <m:t>𝑡</m:t>
+                            <m:t>𝒕</m:t>
                           </m:r>
                         </m:e>
                         <m:sub>
                           <m:r>
-                            <a:rPr lang="fr-BE" sz="2210" b="0" i="1" smtClean="0">
+                            <a:rPr lang="fr-BE" sz="2210" b="1" i="1" smtClean="0">
                               <a:solidFill>
                                 <a:schemeClr val="accent1"/>
                               </a:solidFill>
                               <a:latin typeface="Cambria Math" panose="02040503050406030204" pitchFamily="18" charset="0"/>
                             </a:rPr>
-                            <m:t>𝑜</m:t>
-                          </m:r>
-                          <m:r>
-                            <a:rPr lang="fr-BE" sz="2210" i="1">
+                            <m:t>𝒐</m:t>
+                          </m:r>
+                          <m:r>
+                            <a:rPr lang="fr-BE" sz="2210" b="1" i="1">
                               <a:solidFill>
                                 <a:schemeClr val="accent1"/>
                               </a:solidFill>
                               <a:latin typeface="Cambria Math" panose="02040503050406030204" pitchFamily="18" charset="0"/>
                             </a:rPr>
-                            <m:t>𝑦</m:t>
+                            <m:t>𝒚</m:t>
                           </m:r>
                         </m:sub>
                       </m:sSub>
                       <m:r>
-                        <a:rPr lang="fr-BE" sz="2210" b="0" i="1" smtClean="0">
+                        <a:rPr lang="fr-BE" sz="2210" b="1" i="1" smtClean="0">
                           <a:solidFill>
                             <a:schemeClr val="accent1"/>
                           </a:solidFill>
@@ -21044,7 +21453,7 @@
                       <m:sSub>
                         <m:sSubPr>
                           <m:ctrlPr>
-                            <a:rPr lang="fr-BE" sz="2210" i="1">
+                            <a:rPr lang="fr-BE" sz="2210" b="1" i="1">
                               <a:solidFill>
                                 <a:schemeClr val="accent1"/>
                               </a:solidFill>
@@ -21054,27 +21463,27 @@
                         </m:sSubPr>
                         <m:e>
                           <m:r>
-                            <a:rPr lang="fr-BE" sz="2210" i="1">
+                            <a:rPr lang="fr-BE" sz="2210" b="1" i="1">
                               <a:solidFill>
                                 <a:schemeClr val="accent1"/>
                               </a:solidFill>
                               <a:latin typeface="Cambria Math" panose="02040503050406030204" pitchFamily="18" charset="0"/>
                             </a:rPr>
-                            <m:t>𝑇</m:t>
+                            <m:t>𝑻</m:t>
                           </m:r>
                         </m:e>
                         <m:sub>
                           <m:r>
-                            <a:rPr lang="fr-BE" sz="2210" i="1">
+                            <a:rPr lang="fr-BE" sz="2210" b="1" i="1">
                               <a:solidFill>
                                 <a:schemeClr val="accent1"/>
                               </a:solidFill>
                               <a:latin typeface="Cambria Math" panose="02040503050406030204" pitchFamily="18" charset="0"/>
                             </a:rPr>
-                            <m:t>𝑜𝑦</m:t>
-                          </m:r>
-                          <m:r>
-                            <a:rPr lang="fr-BE" sz="2210" i="1">
+                            <m:t>𝒐𝒚</m:t>
+                          </m:r>
+                          <m:r>
+                            <a:rPr lang="fr-BE" sz="2210" b="1" i="1">
                               <a:solidFill>
                                 <a:schemeClr val="accent1"/>
                               </a:solidFill>
@@ -21085,7 +21494,7 @@
                         </m:sub>
                       </m:sSub>
                       <m:r>
-                        <a:rPr lang="fr-BE" sz="2210" b="0" i="1" smtClean="0">
+                        <a:rPr lang="fr-BE" sz="2210" b="1" i="1" smtClean="0">
                           <a:solidFill>
                             <a:schemeClr val="accent1"/>
                           </a:solidFill>
@@ -21094,7 +21503,7 @@
                         <m:t>) </m:t>
                       </m:r>
                       <m:r>
-                        <a:rPr lang="fr-BE" sz="2210" i="1">
+                        <a:rPr lang="fr-BE" sz="2210" b="1" i="1">
                           <a:solidFill>
                             <a:schemeClr val="accent1"/>
                           </a:solidFill>
@@ -21106,7 +21515,7 @@
                     </m:oMath>
                   </m:oMathPara>
                 </a14:m>
-                <a:endParaRPr lang="fr-BE" sz="2210" i="1" dirty="0">
+                <a:endParaRPr lang="fr-BE" sz="2210" b="1" i="1" dirty="0">
                   <a:solidFill>
                     <a:schemeClr val="accent1"/>
                   </a:solidFill>
@@ -21124,7 +21533,7 @@
                       <m:sSub>
                         <m:sSubPr>
                           <m:ctrlPr>
-                            <a:rPr lang="fr-BE" sz="2210" i="1">
+                            <a:rPr lang="fr-BE" sz="2210" b="1" i="1">
                               <a:solidFill>
                                 <a:schemeClr val="accent1"/>
                               </a:solidFill>
@@ -21134,7 +21543,7 @@
                         </m:sSubPr>
                         <m:e>
                           <m:r>
-                            <a:rPr lang="fr-BE" sz="2210" i="1">
+                            <a:rPr lang="fr-BE" sz="2210" b="1" i="1">
                               <a:solidFill>
                                 <a:schemeClr val="accent1"/>
                               </a:solidFill>
@@ -21143,38 +21552,38 @@
                             <m:t> </m:t>
                           </m:r>
                           <m:r>
-                            <a:rPr lang="fr-BE" sz="2210" i="1">
+                            <a:rPr lang="fr-BE" sz="2210" b="1" i="1">
                               <a:solidFill>
                                 <a:schemeClr val="accent1"/>
                               </a:solidFill>
                               <a:latin typeface="Cambria Math" panose="02040503050406030204" pitchFamily="18" charset="0"/>
                             </a:rPr>
-                            <m:t>𝑡</m:t>
+                            <m:t>𝒕</m:t>
                           </m:r>
                         </m:e>
                         <m:sub>
                           <m:r>
-                            <a:rPr lang="fr-BE" sz="2210" b="0" i="1" smtClean="0">
+                            <a:rPr lang="fr-BE" sz="2210" b="1" i="1" smtClean="0">
                               <a:solidFill>
                                 <a:schemeClr val="accent1"/>
                               </a:solidFill>
                               <a:latin typeface="Cambria Math" panose="02040503050406030204" pitchFamily="18" charset="0"/>
                             </a:rPr>
-                            <m:t>𝑜</m:t>
-                          </m:r>
-                          <m:r>
-                            <a:rPr lang="fr-BE" sz="2210" i="1">
+                            <m:t>𝒐</m:t>
+                          </m:r>
+                          <m:r>
+                            <a:rPr lang="fr-BE" sz="2210" b="1" i="1">
                               <a:solidFill>
                                 <a:schemeClr val="accent1"/>
                               </a:solidFill>
                               <a:latin typeface="Cambria Math" panose="02040503050406030204" pitchFamily="18" charset="0"/>
                             </a:rPr>
-                            <m:t>𝑓</m:t>
+                            <m:t>𝒇</m:t>
                           </m:r>
                         </m:sub>
                       </m:sSub>
                       <m:r>
-                        <a:rPr lang="fr-BE" sz="2210" i="1">
+                        <a:rPr lang="fr-BE" sz="2210" b="1" i="1">
                           <a:solidFill>
                             <a:schemeClr val="accent1"/>
                           </a:solidFill>
@@ -21185,7 +21594,7 @@
                       <m:sSub>
                         <m:sSubPr>
                           <m:ctrlPr>
-                            <a:rPr lang="fr-BE" sz="2210" i="1">
+                            <a:rPr lang="fr-BE" sz="2210" b="1" i="1">
                               <a:solidFill>
                                 <a:schemeClr val="accent1"/>
                               </a:solidFill>
@@ -21195,31 +21604,31 @@
                         </m:sSubPr>
                         <m:e>
                           <m:r>
-                            <a:rPr lang="fr-BE" sz="2210" i="1">
+                            <a:rPr lang="fr-BE" sz="2210" b="1" i="1">
                               <a:solidFill>
                                 <a:schemeClr val="accent1"/>
                               </a:solidFill>
                               <a:latin typeface="Cambria Math" panose="02040503050406030204" pitchFamily="18" charset="0"/>
                             </a:rPr>
-                            <m:t>𝑁</m:t>
+                            <m:t>𝑵</m:t>
                           </m:r>
                         </m:e>
                         <m:sub>
                           <m:r>
-                            <a:rPr lang="fr-BE" sz="2210" i="1">
+                            <a:rPr lang="fr-BE" sz="2210" b="1" i="1">
                               <a:solidFill>
                                 <a:schemeClr val="accent1"/>
                               </a:solidFill>
                               <a:latin typeface="Cambria Math" panose="02040503050406030204" pitchFamily="18" charset="0"/>
                             </a:rPr>
-                            <m:t>𝑜𝑓</m:t>
+                            <m:t>𝒐𝒇</m:t>
                           </m:r>
                         </m:sub>
                       </m:sSub>
                     </m:oMath>
                   </m:oMathPara>
                 </a14:m>
-                <a:endParaRPr lang="fr-BE" sz="2210" dirty="0">
+                <a:endParaRPr lang="fr-BE" sz="2210" b="1" dirty="0">
                   <a:solidFill>
                     <a:schemeClr val="accent1"/>
                   </a:solidFill>
@@ -21548,8 +21957,8 @@
             </p:nvSpPr>
             <p:spPr>
               <a:xfrm>
-                <a:off x="2659212" y="3110017"/>
-                <a:ext cx="2780307" cy="2267993"/>
+                <a:off x="4977903" y="4046720"/>
+                <a:ext cx="4612383" cy="1937197"/>
               </a:xfrm>
               <a:prstGeom prst="rect">
                 <a:avLst/>
@@ -21557,7 +21966,7 @@
               <a:blipFill>
                 <a:blip r:embed="rId19"/>
                 <a:stretch>
-                  <a:fillRect b="-1344"/>
+                  <a:fillRect b="-1572"/>
                 </a:stretch>
               </a:blipFill>
             </p:spPr>
@@ -21566,7 +21975,7 @@
               <a:lstStyle/>
               <a:p>
                 <a:r>
-                  <a:rPr lang="fr-FR">
+                  <a:rPr lang="fr-BE">
                     <a:noFill/>
                   </a:rPr>
                   <a:t> </a:t>
@@ -21614,7 +22023,7 @@
                     </m:oMathParaPr>
                     <m:oMath xmlns:m="http://schemas.openxmlformats.org/officeDocument/2006/math">
                       <m:r>
-                        <a:rPr lang="fr-BE" sz="2400" b="0" i="1" smtClean="0">
+                        <a:rPr lang="fr-BE" sz="2400" b="1" i="1" smtClean="0">
                           <a:solidFill>
                             <a:schemeClr val="bg2">
                               <a:lumMod val="50000"/>
@@ -21622,10 +22031,10 @@
                           </a:solidFill>
                           <a:latin typeface="Cambria Math" panose="02040503050406030204" pitchFamily="18" charset="0"/>
                         </a:rPr>
-                        <m:t>𝑛𝑝</m:t>
+                        <m:t>𝒏𝒑</m:t>
                       </m:r>
                       <m:r>
-                        <a:rPr lang="fr-BE" sz="2400" b="0" i="1" smtClean="0">
+                        <a:rPr lang="fr-BE" sz="2400" b="1" i="1" smtClean="0">
                           <a:solidFill>
                             <a:schemeClr val="bg2">
                               <a:lumMod val="50000"/>
@@ -21638,7 +22047,7 @@
                       <m:sSub>
                         <m:sSubPr>
                           <m:ctrlPr>
-                            <a:rPr lang="fr-BE" sz="2400" i="1">
+                            <a:rPr lang="fr-BE" sz="2400" b="1" i="1">
                               <a:solidFill>
                                 <a:schemeClr val="bg2">
                                   <a:lumMod val="50000"/>
@@ -21650,7 +22059,7 @@
                         </m:sSubPr>
                         <m:e>
                           <m:r>
-                            <a:rPr lang="fr-BE" sz="2400" i="1">
+                            <a:rPr lang="fr-BE" sz="2400" b="1" i="1">
                               <a:solidFill>
                                 <a:schemeClr val="bg2">
                                   <a:lumMod val="50000"/>
@@ -21658,12 +22067,12 @@
                               </a:solidFill>
                               <a:latin typeface="Cambria Math" panose="02040503050406030204" pitchFamily="18" charset="0"/>
                             </a:rPr>
-                            <m:t>𝑁</m:t>
+                            <m:t>𝑵</m:t>
                           </m:r>
                         </m:e>
                         <m:sub>
                           <m:r>
-                            <a:rPr lang="fr-BE" sz="2400" b="0" i="1" smtClean="0">
+                            <a:rPr lang="fr-BE" sz="2400" b="1" i="1" smtClean="0">
                               <a:solidFill>
                                 <a:schemeClr val="bg2">
                                   <a:lumMod val="50000"/>
@@ -21671,14 +22080,14 @@
                               </a:solidFill>
                               <a:latin typeface="Cambria Math" panose="02040503050406030204" pitchFamily="18" charset="0"/>
                             </a:rPr>
-                            <m:t>𝑛𝑝</m:t>
+                            <m:t>𝒏𝒑</m:t>
                           </m:r>
                         </m:sub>
                       </m:sSub>
                     </m:oMath>
                   </m:oMathPara>
                 </a14:m>
-                <a:endParaRPr lang="fr-FR" sz="2000" dirty="0">
+                <a:endParaRPr lang="fr-FR" sz="2000" b="1" dirty="0">
                   <a:solidFill>
                     <a:schemeClr val="bg2">
                       <a:lumMod val="50000"/>
@@ -21715,7 +22124,7 @@
               <a:blipFill>
                 <a:blip r:embed="rId20"/>
                 <a:stretch>
-                  <a:fillRect b="-6173"/>
+                  <a:fillRect b="-7407"/>
                 </a:stretch>
               </a:blipFill>
             </p:spPr>
@@ -21724,7 +22133,7 @@
               <a:lstStyle/>
               <a:p>
                 <a:r>
-                  <a:rPr lang="fr-FR">
+                  <a:rPr lang="fr-BE">
                     <a:noFill/>
                   </a:rPr>
                   <a:t> </a:t>
@@ -21772,16 +22181,16 @@
                     </m:oMathParaPr>
                     <m:oMath xmlns:m="http://schemas.openxmlformats.org/officeDocument/2006/math">
                       <m:r>
-                        <a:rPr lang="fr-BE" sz="2400" b="0" i="1" smtClean="0">
+                        <a:rPr lang="fr-BE" sz="2400" b="1" i="1" smtClean="0">
                           <a:solidFill>
                             <a:schemeClr val="tx1"/>
                           </a:solidFill>
                           <a:latin typeface="Cambria Math" panose="02040503050406030204" pitchFamily="18" charset="0"/>
                         </a:rPr>
-                        <m:t>𝑛𝑝</m:t>
+                        <m:t>𝒏𝒑</m:t>
                       </m:r>
                       <m:r>
-                        <a:rPr lang="fr-BE" sz="2400" b="0" i="1" smtClean="0">
+                        <a:rPr lang="fr-BE" sz="2400" b="1" i="1" smtClean="0">
                           <a:solidFill>
                             <a:schemeClr val="tx1"/>
                           </a:solidFill>
@@ -21792,7 +22201,7 @@
                       <m:sSub>
                         <m:sSubPr>
                           <m:ctrlPr>
-                            <a:rPr lang="fr-BE" sz="2400" i="1">
+                            <a:rPr lang="fr-BE" sz="2400" b="1" i="1">
                               <a:solidFill>
                                 <a:schemeClr val="tx1"/>
                               </a:solidFill>
@@ -21802,31 +22211,31 @@
                         </m:sSubPr>
                         <m:e>
                           <m:r>
-                            <a:rPr lang="fr-BE" sz="2400" i="1">
+                            <a:rPr lang="fr-BE" sz="2400" b="1" i="1">
                               <a:solidFill>
                                 <a:schemeClr val="tx1"/>
                               </a:solidFill>
                               <a:latin typeface="Cambria Math" panose="02040503050406030204" pitchFamily="18" charset="0"/>
                             </a:rPr>
-                            <m:t>𝑁</m:t>
+                            <m:t>𝑵</m:t>
                           </m:r>
                         </m:e>
                         <m:sub>
                           <m:r>
-                            <a:rPr lang="fr-BE" sz="2400" b="0" i="1" smtClean="0">
+                            <a:rPr lang="fr-BE" sz="2400" b="1" i="1" smtClean="0">
                               <a:solidFill>
                                 <a:schemeClr val="tx1"/>
                               </a:solidFill>
                               <a:latin typeface="Cambria Math" panose="02040503050406030204" pitchFamily="18" charset="0"/>
                             </a:rPr>
-                            <m:t>𝑛𝑝</m:t>
+                            <m:t>𝒏𝒑</m:t>
                           </m:r>
                         </m:sub>
                       </m:sSub>
                     </m:oMath>
                   </m:oMathPara>
                 </a14:m>
-                <a:endParaRPr lang="fr-FR" sz="2000" dirty="0">
+                <a:endParaRPr lang="fr-FR" sz="2000" b="1" dirty="0">
                   <a:solidFill>
                     <a:schemeClr val="tx1"/>
                   </a:solidFill>
@@ -21861,7 +22270,7 @@
               <a:blipFill>
                 <a:blip r:embed="rId21"/>
                 <a:stretch>
-                  <a:fillRect b="-7500"/>
+                  <a:fillRect b="-8750"/>
                 </a:stretch>
               </a:blipFill>
             </p:spPr>
@@ -21870,7 +22279,7 @@
               <a:lstStyle/>
               <a:p>
                 <a:r>
-                  <a:rPr lang="fr-FR">
+                  <a:rPr lang="fr-BE">
                     <a:noFill/>
                   </a:rPr>
                   <a:t> </a:t>
@@ -21880,8 +22289,8 @@
           </p:sp>
         </mc:Fallback>
       </mc:AlternateContent>
-      <mc:AlternateContent xmlns:mc="http://schemas.openxmlformats.org/markup-compatibility/2006">
-        <mc:Choice xmlns:a14="http://schemas.microsoft.com/office/drawing/2010/main" Requires="a14">
+      <mc:AlternateContent xmlns:mc="http://schemas.openxmlformats.org/markup-compatibility/2006" xmlns:a14="http://schemas.microsoft.com/office/drawing/2010/main">
+        <mc:Choice Requires="a14">
           <p:sp>
             <p:nvSpPr>
               <p:cNvPr id="113" name="ZoneTexte 112">
@@ -22005,7 +22414,7 @@
             </p:txBody>
           </p:sp>
         </mc:Choice>
-        <mc:Fallback>
+        <mc:Fallback xmlns="">
           <p:sp>
             <p:nvSpPr>
               <p:cNvPr id="113" name="ZoneTexte 112">
@@ -22041,6 +22450,158 @@
               <a:p>
                 <a:r>
                   <a:rPr lang="fr-FR">
+                    <a:noFill/>
+                  </a:rPr>
+                  <a:t> </a:t>
+                </a:r>
+              </a:p>
+            </p:txBody>
+          </p:sp>
+        </mc:Fallback>
+      </mc:AlternateContent>
+      <mc:AlternateContent xmlns:mc="http://schemas.openxmlformats.org/markup-compatibility/2006">
+        <mc:Choice xmlns:a14="http://schemas.microsoft.com/office/drawing/2010/main" Requires="a14">
+          <p:sp>
+            <p:nvSpPr>
+              <p:cNvPr id="11" name="ZoneTexte 10">
+                <a:extLst>
+                  <a:ext uri="{FF2B5EF4-FFF2-40B4-BE49-F238E27FC236}">
+                    <a16:creationId xmlns:a16="http://schemas.microsoft.com/office/drawing/2014/main" id="{433D954A-146F-4D36-8837-4848FEA44130}"/>
+                  </a:ext>
+                </a:extLst>
+              </p:cNvPr>
+              <p:cNvSpPr txBox="1"/>
+              <p:nvPr/>
+            </p:nvSpPr>
+            <p:spPr>
+              <a:xfrm>
+                <a:off x="7670314" y="7694021"/>
+                <a:ext cx="2691403" cy="369332"/>
+              </a:xfrm>
+              <a:prstGeom prst="rect">
+                <a:avLst/>
+              </a:prstGeom>
+              <a:noFill/>
+            </p:spPr>
+            <p:txBody>
+              <a:bodyPr wrap="square">
+                <a:spAutoFit/>
+              </a:bodyPr>
+              <a:lstStyle/>
+              <a:p>
+                <a:pPr/>
+                <a14:m>
+                  <m:oMathPara xmlns:m="http://schemas.openxmlformats.org/officeDocument/2006/math">
+                    <m:oMathParaPr>
+                      <m:jc m:val="centerGroup"/>
+                    </m:oMathParaPr>
+                    <m:oMath xmlns:m="http://schemas.openxmlformats.org/officeDocument/2006/math">
+                      <m:sSub>
+                        <m:sSubPr>
+                          <m:ctrlPr>
+                            <a:rPr lang="fr-BE" i="1" smtClean="0">
+                              <a:latin typeface="Cambria Math" panose="02040503050406030204" pitchFamily="18" charset="0"/>
+                            </a:rPr>
+                          </m:ctrlPr>
+                        </m:sSubPr>
+                        <m:e>
+                          <m:r>
+                            <a:rPr lang="fr-FR" b="0" i="1" smtClean="0">
+                              <a:latin typeface="Cambria Math" panose="02040503050406030204" pitchFamily="18" charset="0"/>
+                            </a:rPr>
+                            <m:t>𝑤</m:t>
+                          </m:r>
+                        </m:e>
+                        <m:sub>
+                          <m:r>
+                            <a:rPr lang="fr-FR" b="0" i="1" smtClean="0">
+                              <a:latin typeface="Cambria Math" panose="02040503050406030204" pitchFamily="18" charset="0"/>
+                            </a:rPr>
+                            <m:t>𝑑𝑎𝑡𝑎</m:t>
+                          </m:r>
+                        </m:sub>
+                      </m:sSub>
+                      <m:r>
+                        <a:rPr lang="fr-BE" i="1">
+                          <a:latin typeface="Cambria Math" panose="02040503050406030204" pitchFamily="18" charset="0"/>
+                        </a:rPr>
+                        <m:t>=</m:t>
+                      </m:r>
+                      <m:r>
+                        <a:rPr lang="fr-FR" b="0" i="1" smtClean="0">
+                          <a:latin typeface="Cambria Math" panose="02040503050406030204" pitchFamily="18" charset="0"/>
+                        </a:rPr>
+                        <m:t>𝑓𝑚</m:t>
+                      </m:r>
+                      <m:sSub>
+                        <m:sSubPr>
+                          <m:ctrlPr>
+                            <a:rPr lang="fr-FR" b="0" i="1" smtClean="0">
+                              <a:latin typeface="Cambria Math" panose="02040503050406030204" pitchFamily="18" charset="0"/>
+                            </a:rPr>
+                          </m:ctrlPr>
+                        </m:sSubPr>
+                        <m:e>
+                          <m:r>
+                            <a:rPr lang="fr-FR" b="0" i="1" smtClean="0">
+                              <a:latin typeface="Cambria Math" panose="02040503050406030204" pitchFamily="18" charset="0"/>
+                            </a:rPr>
+                            <m:t>𝑜</m:t>
+                          </m:r>
+                        </m:e>
+                        <m:sub>
+                          <m:r>
+                            <a:rPr lang="fr-FR" b="0" i="1" smtClean="0">
+                              <a:latin typeface="Cambria Math" panose="02040503050406030204" pitchFamily="18" charset="0"/>
+                            </a:rPr>
+                            <m:t>𝑑𝑎𝑡𝑎</m:t>
+                          </m:r>
+                        </m:sub>
+                      </m:sSub>
+                    </m:oMath>
+                  </m:oMathPara>
+                </a14:m>
+                <a:endParaRPr lang="fr-BE" sz="2400" b="0" dirty="0"/>
+              </a:p>
+            </p:txBody>
+          </p:sp>
+        </mc:Choice>
+        <mc:Fallback>
+          <p:sp>
+            <p:nvSpPr>
+              <p:cNvPr id="11" name="ZoneTexte 10">
+                <a:extLst>
+                  <a:ext uri="{FF2B5EF4-FFF2-40B4-BE49-F238E27FC236}">
+                    <a16:creationId xmlns:a16="http://schemas.microsoft.com/office/drawing/2014/main" id="{433D954A-146F-4D36-8837-4848FEA44130}"/>
+                  </a:ext>
+                </a:extLst>
+              </p:cNvPr>
+              <p:cNvSpPr txBox="1">
+                <a:spLocks noRot="1" noChangeAspect="1" noMove="1" noResize="1" noEditPoints="1" noAdjustHandles="1" noChangeArrowheads="1" noChangeShapeType="1" noTextEdit="1"/>
+              </p:cNvSpPr>
+              <p:nvPr/>
+            </p:nvSpPr>
+            <p:spPr>
+              <a:xfrm>
+                <a:off x="7670314" y="7694021"/>
+                <a:ext cx="2691403" cy="369332"/>
+              </a:xfrm>
+              <a:prstGeom prst="rect">
+                <a:avLst/>
+              </a:prstGeom>
+              <a:blipFill>
+                <a:blip r:embed="rId23"/>
+                <a:stretch>
+                  <a:fillRect b="-13115"/>
+                </a:stretch>
+              </a:blipFill>
+            </p:spPr>
+            <p:txBody>
+              <a:bodyPr/>
+              <a:lstStyle/>
+              <a:p>
+                <a:r>
+                  <a:rPr lang="fr-BE">
                     <a:noFill/>
                   </a:rPr>
                   <a:t> </a:t>
